--- a/데이터베이스프로그래밍 과제/20230518 데이터베이스 3강 과제 남정현.pptx
+++ b/데이터베이스프로그래밍 과제/20230518 데이터베이스 3강 과제 남정현.pptx
@@ -31,10 +31,45 @@
     <p:sldId id="279" r:id="rId25"/>
     <p:sldId id="280" r:id="rId26"/>
     <p:sldId id="281" r:id="rId27"/>
-    <p:sldId id="282" r:id="rId28"/>
-    <p:sldId id="283" r:id="rId29"/>
-    <p:sldId id="284" r:id="rId30"/>
+    <p:sldId id="283" r:id="rId28"/>
+    <p:sldId id="284" r:id="rId29"/>
+    <p:sldId id="282" r:id="rId30"/>
     <p:sldId id="285" r:id="rId31"/>
+    <p:sldId id="286" r:id="rId32"/>
+    <p:sldId id="287" r:id="rId33"/>
+    <p:sldId id="288" r:id="rId34"/>
+    <p:sldId id="289" r:id="rId35"/>
+    <p:sldId id="290" r:id="rId36"/>
+    <p:sldId id="291" r:id="rId37"/>
+    <p:sldId id="292" r:id="rId38"/>
+    <p:sldId id="293" r:id="rId39"/>
+    <p:sldId id="294" r:id="rId40"/>
+    <p:sldId id="295" r:id="rId41"/>
+    <p:sldId id="296" r:id="rId42"/>
+    <p:sldId id="297" r:id="rId43"/>
+    <p:sldId id="298" r:id="rId44"/>
+    <p:sldId id="299" r:id="rId45"/>
+    <p:sldId id="300" r:id="rId46"/>
+    <p:sldId id="301" r:id="rId47"/>
+    <p:sldId id="302" r:id="rId48"/>
+    <p:sldId id="303" r:id="rId49"/>
+    <p:sldId id="304" r:id="rId50"/>
+    <p:sldId id="305" r:id="rId51"/>
+    <p:sldId id="306" r:id="rId52"/>
+    <p:sldId id="307" r:id="rId53"/>
+    <p:sldId id="308" r:id="rId54"/>
+    <p:sldId id="309" r:id="rId55"/>
+    <p:sldId id="310" r:id="rId56"/>
+    <p:sldId id="311" r:id="rId57"/>
+    <p:sldId id="312" r:id="rId58"/>
+    <p:sldId id="313" r:id="rId59"/>
+    <p:sldId id="314" r:id="rId60"/>
+    <p:sldId id="315" r:id="rId61"/>
+    <p:sldId id="316" r:id="rId62"/>
+    <p:sldId id="317" r:id="rId63"/>
+    <p:sldId id="318" r:id="rId64"/>
+    <p:sldId id="319" r:id="rId65"/>
+    <p:sldId id="321" r:id="rId66"/>
   </p:sldIdLst>
   <p:sldSz cx="12192000" cy="6858000"/>
   <p:notesSz cx="6858000" cy="9144000"/>
@@ -133,6 +168,11 @@
       </a:defRPr>
     </a:lvl9pPr>
   </p:defaultTextStyle>
+  <p:extLst>
+    <p:ext uri="{EFAFB233-063F-42B5-8137-9DF3F51BA10A}">
+      <p15:sldGuideLst xmlns:p15="http://schemas.microsoft.com/office/powerpoint/2012/main"/>
+    </p:ext>
+  </p:extLst>
 </p:presentation>
 </file>
 
@@ -306,7 +346,7 @@
             <a:fld id="{87DE6118-2437-4B30-8E3C-4D2BE6020583}" type="datetimeFigureOut">
               <a:rPr lang="en-US" dirty="0"/>
               <a:pPr/>
-              <a:t>5/18/2023</a:t>
+              <a:t>5/24/2023</a:t>
             </a:fld>
             <a:endParaRPr lang="en-US" dirty="0"/>
           </a:p>
@@ -632,7 +672,7 @@
           <a:p>
             <a:fld id="{87DE6118-2437-4B30-8E3C-4D2BE6020583}" type="datetimeFigureOut">
               <a:rPr lang="en-US" dirty="0"/>
-              <a:t>5/18/2023</a:t>
+              <a:t>5/24/2023</a:t>
             </a:fld>
             <a:endParaRPr lang="en-US" dirty="0"/>
           </a:p>
@@ -807,7 +847,7 @@
           <a:p>
             <a:fld id="{87DE6118-2437-4B30-8E3C-4D2BE6020583}" type="datetimeFigureOut">
               <a:rPr lang="en-US" dirty="0"/>
-              <a:t>5/18/2023</a:t>
+              <a:t>5/24/2023</a:t>
             </a:fld>
             <a:endParaRPr lang="en-US" dirty="0"/>
           </a:p>
@@ -972,7 +1012,7 @@
           <a:p>
             <a:fld id="{87DE6118-2437-4B30-8E3C-4D2BE6020583}" type="datetimeFigureOut">
               <a:rPr lang="en-US" dirty="0"/>
-              <a:t>5/18/2023</a:t>
+              <a:t>5/24/2023</a:t>
             </a:fld>
             <a:endParaRPr lang="en-US" dirty="0"/>
           </a:p>
@@ -1245,7 +1285,7 @@
             <a:fld id="{87DE6118-2437-4B30-8E3C-4D2BE6020583}" type="datetimeFigureOut">
               <a:rPr lang="en-US" dirty="0"/>
               <a:pPr/>
-              <a:t>5/18/2023</a:t>
+              <a:t>5/24/2023</a:t>
             </a:fld>
             <a:endParaRPr lang="en-US" dirty="0"/>
           </a:p>
@@ -1635,7 +1675,7 @@
           <a:p>
             <a:fld id="{87DE6118-2437-4B30-8E3C-4D2BE6020583}" type="datetimeFigureOut">
               <a:rPr lang="en-US" dirty="0"/>
-              <a:t>5/18/2023</a:t>
+              <a:t>5/24/2023</a:t>
             </a:fld>
             <a:endParaRPr lang="en-US" dirty="0"/>
           </a:p>
@@ -2107,7 +2147,7 @@
           <a:p>
             <a:fld id="{87DE6118-2437-4B30-8E3C-4D2BE6020583}" type="datetimeFigureOut">
               <a:rPr lang="en-US" dirty="0"/>
-              <a:t>5/18/2023</a:t>
+              <a:t>5/24/2023</a:t>
             </a:fld>
             <a:endParaRPr lang="en-US" dirty="0"/>
           </a:p>
@@ -2220,7 +2260,7 @@
           <a:p>
             <a:fld id="{87DE6118-2437-4B30-8E3C-4D2BE6020583}" type="datetimeFigureOut">
               <a:rPr lang="en-US" dirty="0"/>
-              <a:t>5/18/2023</a:t>
+              <a:t>5/24/2023</a:t>
             </a:fld>
             <a:endParaRPr lang="en-US" dirty="0"/>
           </a:p>
@@ -2310,7 +2350,7 @@
           <a:p>
             <a:fld id="{87DE6118-2437-4B30-8E3C-4D2BE6020583}" type="datetimeFigureOut">
               <a:rPr lang="en-US" dirty="0"/>
-              <a:t>5/18/2023</a:t>
+              <a:t>5/24/2023</a:t>
             </a:fld>
             <a:endParaRPr lang="en-US" dirty="0"/>
           </a:p>
@@ -2652,7 +2692,7 @@
             <a:fld id="{87DE6118-2437-4B30-8E3C-4D2BE6020583}" type="datetimeFigureOut">
               <a:rPr lang="en-US" dirty="0"/>
               <a:pPr/>
-              <a:t>5/18/2023</a:t>
+              <a:t>5/24/2023</a:t>
             </a:fld>
             <a:endParaRPr lang="en-US" dirty="0"/>
           </a:p>
@@ -3037,7 +3077,7 @@
             <a:fld id="{87DE6118-2437-4B30-8E3C-4D2BE6020583}" type="datetimeFigureOut">
               <a:rPr lang="en-US" dirty="0"/>
               <a:pPr/>
-              <a:t>5/18/2023</a:t>
+              <a:t>5/24/2023</a:t>
             </a:fld>
             <a:endParaRPr lang="en-US" dirty="0"/>
           </a:p>
@@ -3312,7 +3352,7 @@
             <a:fld id="{87DE6118-2437-4B30-8E3C-4D2BE6020583}" type="datetimeFigureOut">
               <a:rPr lang="en-US" dirty="0"/>
               <a:pPr/>
-              <a:t>5/18/2023</a:t>
+              <a:t>5/24/2023</a:t>
             </a:fld>
             <a:endParaRPr lang="en-US" dirty="0"/>
           </a:p>
@@ -3897,7 +3937,7 @@
           <p:cNvPr id="2" name="제목 1">
             <a:extLst>
               <a:ext uri="{FF2B5EF4-FFF2-40B4-BE49-F238E27FC236}">
-                <a16:creationId xmlns="" xmlns:a16="http://schemas.microsoft.com/office/drawing/2014/main" id="{2D7E6B8A-E1FD-472B-F033-346AC9F27163}"/>
+                <a16:creationId xmlns:a16="http://schemas.microsoft.com/office/drawing/2014/main" xmlns="" id="{2D7E6B8A-E1FD-472B-F033-346AC9F27163}"/>
               </a:ext>
             </a:extLst>
           </p:cNvPr>
@@ -3932,7 +3972,6 @@
               <a:rPr lang="ko-KR" altLang="en-US" sz="2000" dirty="0"/>
               <a:t> 페이지 실습</a:t>
             </a:r>
-            <a:endParaRPr lang="ko-KR" altLang="en-US" sz="2000" dirty="0"/>
           </a:p>
         </p:txBody>
       </p:sp>
@@ -4222,7 +4261,7 @@
           <p:cNvPr id="2" name="제목 1">
             <a:extLst>
               <a:ext uri="{FF2B5EF4-FFF2-40B4-BE49-F238E27FC236}">
-                <a16:creationId xmlns="" xmlns:a16="http://schemas.microsoft.com/office/drawing/2014/main" id="{2D7E6B8A-E1FD-472B-F033-346AC9F27163}"/>
+                <a16:creationId xmlns:a16="http://schemas.microsoft.com/office/drawing/2014/main" xmlns="" id="{2D7E6B8A-E1FD-472B-F033-346AC9F27163}"/>
               </a:ext>
             </a:extLst>
           </p:cNvPr>
@@ -4257,7 +4296,6 @@
               <a:rPr lang="ko-KR" altLang="en-US" sz="2000" dirty="0"/>
               <a:t> 페이지 실습</a:t>
             </a:r>
-            <a:endParaRPr lang="ko-KR" altLang="en-US" sz="2000" dirty="0"/>
           </a:p>
         </p:txBody>
       </p:sp>
@@ -4389,7 +4427,7 @@
           <p:cNvPr id="2" name="제목 1">
             <a:extLst>
               <a:ext uri="{FF2B5EF4-FFF2-40B4-BE49-F238E27FC236}">
-                <a16:creationId xmlns="" xmlns:a16="http://schemas.microsoft.com/office/drawing/2014/main" id="{2D7E6B8A-E1FD-472B-F033-346AC9F27163}"/>
+                <a16:creationId xmlns:a16="http://schemas.microsoft.com/office/drawing/2014/main" xmlns="" id="{2D7E6B8A-E1FD-472B-F033-346AC9F27163}"/>
               </a:ext>
             </a:extLst>
           </p:cNvPr>
@@ -4497,7 +4535,7 @@
           <p:cNvPr id="2" name="제목 1">
             <a:extLst>
               <a:ext uri="{FF2B5EF4-FFF2-40B4-BE49-F238E27FC236}">
-                <a16:creationId xmlns="" xmlns:a16="http://schemas.microsoft.com/office/drawing/2014/main" id="{2D7E6B8A-E1FD-472B-F033-346AC9F27163}"/>
+                <a16:creationId xmlns:a16="http://schemas.microsoft.com/office/drawing/2014/main" xmlns="" id="{2D7E6B8A-E1FD-472B-F033-346AC9F27163}"/>
               </a:ext>
             </a:extLst>
           </p:cNvPr>
@@ -4532,7 +4570,6 @@
               <a:rPr lang="ko-KR" altLang="en-US" sz="2000" dirty="0"/>
               <a:t> 페이지 실습</a:t>
             </a:r>
-            <a:endParaRPr lang="ko-KR" altLang="en-US" sz="2000" dirty="0"/>
           </a:p>
         </p:txBody>
       </p:sp>
@@ -4720,7 +4757,7 @@
           <p:cNvPr id="2" name="제목 1">
             <a:extLst>
               <a:ext uri="{FF2B5EF4-FFF2-40B4-BE49-F238E27FC236}">
-                <a16:creationId xmlns="" xmlns:a16="http://schemas.microsoft.com/office/drawing/2014/main" id="{2D7E6B8A-E1FD-472B-F033-346AC9F27163}"/>
+                <a16:creationId xmlns:a16="http://schemas.microsoft.com/office/drawing/2014/main" xmlns="" id="{2D7E6B8A-E1FD-472B-F033-346AC9F27163}"/>
               </a:ext>
             </a:extLst>
           </p:cNvPr>
@@ -4755,7 +4792,6 @@
               <a:rPr lang="ko-KR" altLang="en-US" sz="2000" dirty="0"/>
               <a:t> 페이지 실습</a:t>
             </a:r>
-            <a:endParaRPr lang="ko-KR" altLang="en-US" sz="2000" dirty="0"/>
           </a:p>
         </p:txBody>
       </p:sp>
@@ -4903,7 +4939,7 @@
           <p:cNvPr id="2" name="제목 1">
             <a:extLst>
               <a:ext uri="{FF2B5EF4-FFF2-40B4-BE49-F238E27FC236}">
-                <a16:creationId xmlns="" xmlns:a16="http://schemas.microsoft.com/office/drawing/2014/main" id="{2D7E6B8A-E1FD-472B-F033-346AC9F27163}"/>
+                <a16:creationId xmlns:a16="http://schemas.microsoft.com/office/drawing/2014/main" xmlns="" id="{2D7E6B8A-E1FD-472B-F033-346AC9F27163}"/>
               </a:ext>
             </a:extLst>
           </p:cNvPr>
@@ -5086,7 +5122,7 @@
           <p:cNvPr id="2" name="제목 1">
             <a:extLst>
               <a:ext uri="{FF2B5EF4-FFF2-40B4-BE49-F238E27FC236}">
-                <a16:creationId xmlns="" xmlns:a16="http://schemas.microsoft.com/office/drawing/2014/main" id="{2D7E6B8A-E1FD-472B-F033-346AC9F27163}"/>
+                <a16:creationId xmlns:a16="http://schemas.microsoft.com/office/drawing/2014/main" xmlns="" id="{2D7E6B8A-E1FD-472B-F033-346AC9F27163}"/>
               </a:ext>
             </a:extLst>
           </p:cNvPr>
@@ -5261,7 +5297,7 @@
           <p:cNvPr id="2" name="제목 1">
             <a:extLst>
               <a:ext uri="{FF2B5EF4-FFF2-40B4-BE49-F238E27FC236}">
-                <a16:creationId xmlns="" xmlns:a16="http://schemas.microsoft.com/office/drawing/2014/main" id="{2D7E6B8A-E1FD-472B-F033-346AC9F27163}"/>
+                <a16:creationId xmlns:a16="http://schemas.microsoft.com/office/drawing/2014/main" xmlns="" id="{2D7E6B8A-E1FD-472B-F033-346AC9F27163}"/>
               </a:ext>
             </a:extLst>
           </p:cNvPr>
@@ -5337,6 +5373,13 @@
   <p:clrMapOvr>
     <a:masterClrMapping/>
   </p:clrMapOvr>
+  <p:timing>
+    <p:tnLst>
+      <p:par>
+        <p:cTn id="1" dur="indefinite" restart="never" nodeType="tmRoot"/>
+      </p:par>
+    </p:tnLst>
+  </p:timing>
 </p:sld>
 </file>
 
@@ -5362,7 +5405,7 @@
           <p:cNvPr id="2" name="제목 1">
             <a:extLst>
               <a:ext uri="{FF2B5EF4-FFF2-40B4-BE49-F238E27FC236}">
-                <a16:creationId xmlns="" xmlns:a16="http://schemas.microsoft.com/office/drawing/2014/main" id="{2D7E6B8A-E1FD-472B-F033-346AC9F27163}"/>
+                <a16:creationId xmlns:a16="http://schemas.microsoft.com/office/drawing/2014/main" xmlns="" id="{2D7E6B8A-E1FD-472B-F033-346AC9F27163}"/>
               </a:ext>
             </a:extLst>
           </p:cNvPr>
@@ -5397,7 +5440,6 @@
               <a:rPr lang="ko-KR" altLang="en-US" sz="2000" dirty="0"/>
               <a:t> 페이지 실습</a:t>
             </a:r>
-            <a:endParaRPr lang="ko-KR" altLang="en-US" sz="2000" dirty="0"/>
           </a:p>
         </p:txBody>
       </p:sp>
@@ -5417,8 +5459,164 @@
         </p:blipFill>
         <p:spPr>
           <a:xfrm>
-            <a:off x="2666716" y="775408"/>
+            <a:off x="2806202" y="911755"/>
             <a:ext cx="7237959" cy="841355"/>
+          </a:xfrm>
+          <a:prstGeom prst="rect">
+            <a:avLst/>
+          </a:prstGeom>
+        </p:spPr>
+      </p:pic>
+      <p:pic>
+        <p:nvPicPr>
+          <p:cNvPr id="4" name="그림 3"/>
+          <p:cNvPicPr>
+            <a:picLocks noChangeAspect="1"/>
+          </p:cNvPicPr>
+          <p:nvPr/>
+        </p:nvPicPr>
+        <p:blipFill>
+          <a:blip r:embed="rId3"/>
+          <a:stretch>
+            <a:fillRect/>
+          </a:stretch>
+        </p:blipFill>
+        <p:spPr>
+          <a:xfrm>
+            <a:off x="2806202" y="2188071"/>
+            <a:ext cx="9050013" cy="219106"/>
+          </a:xfrm>
+          <a:prstGeom prst="rect">
+            <a:avLst/>
+          </a:prstGeom>
+        </p:spPr>
+      </p:pic>
+      <p:sp>
+        <p:nvSpPr>
+          <p:cNvPr id="5" name="U자형 화살표 4"/>
+          <p:cNvSpPr/>
+          <p:nvPr/>
+        </p:nvSpPr>
+        <p:spPr>
+          <a:xfrm rot="5247832" flipV="1">
+            <a:off x="1707285" y="1519627"/>
+            <a:ext cx="1142269" cy="634439"/>
+          </a:xfrm>
+          <a:prstGeom prst="uturnArrow">
+            <a:avLst/>
+          </a:prstGeom>
+        </p:spPr>
+        <p:style>
+          <a:lnRef idx="2">
+            <a:schemeClr val="accent1">
+              <a:shade val="50000"/>
+            </a:schemeClr>
+          </a:lnRef>
+          <a:fillRef idx="1">
+            <a:schemeClr val="accent1"/>
+          </a:fillRef>
+          <a:effectRef idx="0">
+            <a:schemeClr val="accent1"/>
+          </a:effectRef>
+          <a:fontRef idx="minor">
+            <a:schemeClr val="lt1"/>
+          </a:fontRef>
+        </p:style>
+        <p:txBody>
+          <a:bodyPr rtlCol="0" anchor="ctr"/>
+          <a:lstStyle/>
+          <a:p>
+            <a:pPr algn="ctr"/>
+            <a:endParaRPr lang="ko-KR" altLang="en-US">
+              <a:solidFill>
+                <a:schemeClr val="tx1"/>
+              </a:solidFill>
+            </a:endParaRPr>
+          </a:p>
+        </p:txBody>
+      </p:sp>
+      <p:pic>
+        <p:nvPicPr>
+          <p:cNvPr id="6" name="그림 5"/>
+          <p:cNvPicPr>
+            <a:picLocks noChangeAspect="1"/>
+          </p:cNvPicPr>
+          <p:nvPr/>
+        </p:nvPicPr>
+        <p:blipFill>
+          <a:blip r:embed="rId4"/>
+          <a:stretch>
+            <a:fillRect/>
+          </a:stretch>
+        </p:blipFill>
+        <p:spPr>
+          <a:xfrm>
+            <a:off x="2806202" y="3463299"/>
+            <a:ext cx="7430061" cy="655155"/>
+          </a:xfrm>
+          <a:prstGeom prst="rect">
+            <a:avLst/>
+          </a:prstGeom>
+        </p:spPr>
+      </p:pic>
+      <p:sp>
+        <p:nvSpPr>
+          <p:cNvPr id="8" name="위로 굽은 화살표 7"/>
+          <p:cNvSpPr/>
+          <p:nvPr/>
+        </p:nvSpPr>
+        <p:spPr>
+          <a:xfrm rot="5400000">
+            <a:off x="3574930" y="4678630"/>
+            <a:ext cx="1344223" cy="991892"/>
+          </a:xfrm>
+          <a:prstGeom prst="bentUpArrow">
+            <a:avLst/>
+          </a:prstGeom>
+        </p:spPr>
+        <p:style>
+          <a:lnRef idx="2">
+            <a:schemeClr val="accent1">
+              <a:shade val="50000"/>
+            </a:schemeClr>
+          </a:lnRef>
+          <a:fillRef idx="1">
+            <a:schemeClr val="accent1"/>
+          </a:fillRef>
+          <a:effectRef idx="0">
+            <a:schemeClr val="accent1"/>
+          </a:effectRef>
+          <a:fontRef idx="minor">
+            <a:schemeClr val="lt1"/>
+          </a:fontRef>
+        </p:style>
+        <p:txBody>
+          <a:bodyPr rtlCol="0" anchor="ctr"/>
+          <a:lstStyle/>
+          <a:p>
+            <a:pPr algn="ctr"/>
+            <a:endParaRPr lang="ko-KR" altLang="en-US"/>
+          </a:p>
+        </p:txBody>
+      </p:sp>
+      <p:pic>
+        <p:nvPicPr>
+          <p:cNvPr id="9" name="그림 8"/>
+          <p:cNvPicPr>
+            <a:picLocks noChangeAspect="1"/>
+          </p:cNvPicPr>
+          <p:nvPr/>
+        </p:nvPicPr>
+        <p:blipFill>
+          <a:blip r:embed="rId5"/>
+          <a:stretch>
+            <a:fillRect/>
+          </a:stretch>
+        </p:blipFill>
+        <p:spPr>
+          <a:xfrm>
+            <a:off x="5182464" y="4331982"/>
+            <a:ext cx="2504695" cy="2215692"/>
           </a:xfrm>
           <a:prstGeom prst="rect">
             <a:avLst/>
@@ -5435,6 +5633,13 @@
   <p:clrMapOvr>
     <a:masterClrMapping/>
   </p:clrMapOvr>
+  <p:timing>
+    <p:tnLst>
+      <p:par>
+        <p:cTn id="1" dur="indefinite" restart="never" nodeType="tmRoot"/>
+      </p:par>
+    </p:tnLst>
+  </p:timing>
 </p:sld>
 </file>
 
@@ -5460,7 +5665,7 @@
           <p:cNvPr id="2" name="제목 1">
             <a:extLst>
               <a:ext uri="{FF2B5EF4-FFF2-40B4-BE49-F238E27FC236}">
-                <a16:creationId xmlns="" xmlns:a16="http://schemas.microsoft.com/office/drawing/2014/main" id="{2D7E6B8A-E1FD-472B-F033-346AC9F27163}"/>
+                <a16:creationId xmlns:a16="http://schemas.microsoft.com/office/drawing/2014/main" xmlns="" id="{2D7E6B8A-E1FD-472B-F033-346AC9F27163}"/>
               </a:ext>
             </a:extLst>
           </p:cNvPr>
@@ -5496,6 +5701,254 @@
               <a:t> 페이지 실습</a:t>
             </a:r>
             <a:endParaRPr lang="ko-KR" altLang="en-US" sz="2000" dirty="0"/>
+          </a:p>
+        </p:txBody>
+      </p:sp>
+      <p:pic>
+        <p:nvPicPr>
+          <p:cNvPr id="3" name="그림 2"/>
+          <p:cNvPicPr>
+            <a:picLocks noChangeAspect="1"/>
+          </p:cNvPicPr>
+          <p:nvPr/>
+        </p:nvPicPr>
+        <p:blipFill>
+          <a:blip r:embed="rId2"/>
+          <a:stretch>
+            <a:fillRect/>
+          </a:stretch>
+        </p:blipFill>
+        <p:spPr>
+          <a:xfrm>
+            <a:off x="4235030" y="588952"/>
+            <a:ext cx="3975533" cy="588968"/>
+          </a:xfrm>
+          <a:prstGeom prst="rect">
+            <a:avLst/>
+          </a:prstGeom>
+        </p:spPr>
+      </p:pic>
+      <p:pic>
+        <p:nvPicPr>
+          <p:cNvPr id="4" name="그림 3"/>
+          <p:cNvPicPr>
+            <a:picLocks noChangeAspect="1"/>
+          </p:cNvPicPr>
+          <p:nvPr/>
+        </p:nvPicPr>
+        <p:blipFill>
+          <a:blip r:embed="rId3"/>
+          <a:stretch>
+            <a:fillRect/>
+          </a:stretch>
+        </p:blipFill>
+        <p:spPr>
+          <a:xfrm>
+            <a:off x="1409327" y="2018465"/>
+            <a:ext cx="9626938" cy="240400"/>
+          </a:xfrm>
+          <a:prstGeom prst="rect">
+            <a:avLst/>
+          </a:prstGeom>
+        </p:spPr>
+      </p:pic>
+      <p:sp>
+        <p:nvSpPr>
+          <p:cNvPr id="5" name="아래쪽 화살표 4"/>
+          <p:cNvSpPr/>
+          <p:nvPr/>
+        </p:nvSpPr>
+        <p:spPr>
+          <a:xfrm>
+            <a:off x="6050434" y="1233999"/>
+            <a:ext cx="344724" cy="728387"/>
+          </a:xfrm>
+          <a:prstGeom prst="downArrow">
+            <a:avLst/>
+          </a:prstGeom>
+        </p:spPr>
+        <p:style>
+          <a:lnRef idx="2">
+            <a:schemeClr val="accent1">
+              <a:shade val="50000"/>
+            </a:schemeClr>
+          </a:lnRef>
+          <a:fillRef idx="1">
+            <a:schemeClr val="accent1"/>
+          </a:fillRef>
+          <a:effectRef idx="0">
+            <a:schemeClr val="accent1"/>
+          </a:effectRef>
+          <a:fontRef idx="minor">
+            <a:schemeClr val="lt1"/>
+          </a:fontRef>
+        </p:style>
+        <p:txBody>
+          <a:bodyPr rtlCol="0" anchor="ctr"/>
+          <a:lstStyle/>
+          <a:p>
+            <a:pPr algn="ctr"/>
+            <a:endParaRPr lang="ko-KR" altLang="en-US"/>
+          </a:p>
+        </p:txBody>
+      </p:sp>
+      <p:pic>
+        <p:nvPicPr>
+          <p:cNvPr id="6" name="그림 5"/>
+          <p:cNvPicPr>
+            <a:picLocks noChangeAspect="1"/>
+          </p:cNvPicPr>
+          <p:nvPr/>
+        </p:nvPicPr>
+        <p:blipFill>
+          <a:blip r:embed="rId4"/>
+          <a:stretch>
+            <a:fillRect/>
+          </a:stretch>
+        </p:blipFill>
+        <p:spPr>
+          <a:xfrm>
+            <a:off x="2608541" y="3467146"/>
+            <a:ext cx="7228510" cy="333390"/>
+          </a:xfrm>
+          <a:prstGeom prst="rect">
+            <a:avLst/>
+          </a:prstGeom>
+        </p:spPr>
+      </p:pic>
+      <p:sp>
+        <p:nvSpPr>
+          <p:cNvPr id="8" name="아래쪽 화살표 7"/>
+          <p:cNvSpPr/>
+          <p:nvPr/>
+        </p:nvSpPr>
+        <p:spPr>
+          <a:xfrm>
+            <a:off x="6050434" y="3880992"/>
+            <a:ext cx="344724" cy="728387"/>
+          </a:xfrm>
+          <a:prstGeom prst="downArrow">
+            <a:avLst/>
+          </a:prstGeom>
+        </p:spPr>
+        <p:style>
+          <a:lnRef idx="2">
+            <a:schemeClr val="accent1">
+              <a:shade val="50000"/>
+            </a:schemeClr>
+          </a:lnRef>
+          <a:fillRef idx="1">
+            <a:schemeClr val="accent1"/>
+          </a:fillRef>
+          <a:effectRef idx="0">
+            <a:schemeClr val="accent1"/>
+          </a:effectRef>
+          <a:fontRef idx="minor">
+            <a:schemeClr val="lt1"/>
+          </a:fontRef>
+        </p:style>
+        <p:txBody>
+          <a:bodyPr rtlCol="0" anchor="ctr"/>
+          <a:lstStyle/>
+          <a:p>
+            <a:pPr algn="ctr"/>
+            <a:endParaRPr lang="ko-KR" altLang="en-US"/>
+          </a:p>
+        </p:txBody>
+      </p:sp>
+      <p:pic>
+        <p:nvPicPr>
+          <p:cNvPr id="9" name="그림 8"/>
+          <p:cNvPicPr>
+            <a:picLocks noChangeAspect="1"/>
+          </p:cNvPicPr>
+          <p:nvPr/>
+        </p:nvPicPr>
+        <p:blipFill>
+          <a:blip r:embed="rId5"/>
+          <a:stretch>
+            <a:fillRect/>
+          </a:stretch>
+        </p:blipFill>
+        <p:spPr>
+          <a:xfrm>
+            <a:off x="5272593" y="4785689"/>
+            <a:ext cx="1900405" cy="1973496"/>
+          </a:xfrm>
+          <a:prstGeom prst="rect">
+            <a:avLst/>
+          </a:prstGeom>
+        </p:spPr>
+      </p:pic>
+      <p:sp>
+        <p:nvSpPr>
+          <p:cNvPr id="10" name="TextBox 9"/>
+          <p:cNvSpPr txBox="1"/>
+          <p:nvPr/>
+        </p:nvSpPr>
+        <p:spPr>
+          <a:xfrm>
+            <a:off x="7172998" y="1354230"/>
+            <a:ext cx="3427843" cy="369332"/>
+          </a:xfrm>
+          <a:prstGeom prst="rect">
+            <a:avLst/>
+          </a:prstGeom>
+          <a:noFill/>
+        </p:spPr>
+        <p:txBody>
+          <a:bodyPr wrap="square" rtlCol="0">
+            <a:spAutoFit/>
+          </a:bodyPr>
+          <a:lstStyle/>
+          <a:p>
+            <a:r>
+              <a:rPr lang="en-US" altLang="ko-KR" dirty="0" smtClean="0"/>
+              <a:t>1. </a:t>
+            </a:r>
+            <a:r>
+              <a:rPr lang="ko-KR" altLang="en-US" dirty="0" smtClean="0"/>
+              <a:t>에러 발생</a:t>
+            </a:r>
+            <a:endParaRPr lang="ko-KR" altLang="en-US" dirty="0"/>
+          </a:p>
+        </p:txBody>
+      </p:sp>
+      <p:sp>
+        <p:nvSpPr>
+          <p:cNvPr id="11" name="TextBox 10"/>
+          <p:cNvSpPr txBox="1"/>
+          <p:nvPr/>
+        </p:nvSpPr>
+        <p:spPr>
+          <a:xfrm>
+            <a:off x="7608422" y="5587771"/>
+            <a:ext cx="3427843" cy="369332"/>
+          </a:xfrm>
+          <a:prstGeom prst="rect">
+            <a:avLst/>
+          </a:prstGeom>
+          <a:noFill/>
+        </p:spPr>
+        <p:txBody>
+          <a:bodyPr wrap="square" rtlCol="0">
+            <a:spAutoFit/>
+          </a:bodyPr>
+          <a:lstStyle/>
+          <a:p>
+            <a:r>
+              <a:rPr lang="en-US" altLang="ko-KR" dirty="0" smtClean="0"/>
+              <a:t>2. Group by </a:t>
+            </a:r>
+            <a:r>
+              <a:rPr lang="ko-KR" altLang="en-US" dirty="0" smtClean="0"/>
+              <a:t>조건 충</a:t>
+            </a:r>
+            <a:r>
+              <a:rPr lang="ko-KR" altLang="en-US" dirty="0" smtClean="0"/>
+              <a:t>족</a:t>
+            </a:r>
+            <a:endParaRPr lang="ko-KR" altLang="en-US" dirty="0"/>
           </a:p>
         </p:txBody>
       </p:sp>
@@ -5509,6 +5962,13 @@
   <p:clrMapOvr>
     <a:masterClrMapping/>
   </p:clrMapOvr>
+  <p:timing>
+    <p:tnLst>
+      <p:par>
+        <p:cTn id="1" dur="indefinite" restart="never" nodeType="tmRoot"/>
+      </p:par>
+    </p:tnLst>
+  </p:timing>
 </p:sld>
 </file>
 
@@ -5534,7 +5994,7 @@
           <p:cNvPr id="2" name="제목 1">
             <a:extLst>
               <a:ext uri="{FF2B5EF4-FFF2-40B4-BE49-F238E27FC236}">
-                <a16:creationId xmlns="" xmlns:a16="http://schemas.microsoft.com/office/drawing/2014/main" id="{2D7E6B8A-E1FD-472B-F033-346AC9F27163}"/>
+                <a16:creationId xmlns:a16="http://schemas.microsoft.com/office/drawing/2014/main" xmlns="" id="{2D7E6B8A-E1FD-472B-F033-346AC9F27163}"/>
               </a:ext>
             </a:extLst>
           </p:cNvPr>
@@ -5738,7 +6198,7 @@
           <p:cNvPr id="2" name="제목 1">
             <a:extLst>
               <a:ext uri="{FF2B5EF4-FFF2-40B4-BE49-F238E27FC236}">
-                <a16:creationId xmlns="" xmlns:a16="http://schemas.microsoft.com/office/drawing/2014/main" id="{2D7E6B8A-E1FD-472B-F033-346AC9F27163}"/>
+                <a16:creationId xmlns:a16="http://schemas.microsoft.com/office/drawing/2014/main" xmlns="" id="{2D7E6B8A-E1FD-472B-F033-346AC9F27163}"/>
               </a:ext>
             </a:extLst>
           </p:cNvPr>
@@ -5774,6 +6234,254 @@
               <a:t> 페이지 실습</a:t>
             </a:r>
             <a:endParaRPr lang="ko-KR" altLang="en-US" sz="2000" dirty="0"/>
+          </a:p>
+        </p:txBody>
+      </p:sp>
+      <p:pic>
+        <p:nvPicPr>
+          <p:cNvPr id="4" name="그림 3"/>
+          <p:cNvPicPr>
+            <a:picLocks noChangeAspect="1"/>
+          </p:cNvPicPr>
+          <p:nvPr/>
+        </p:nvPicPr>
+        <p:blipFill>
+          <a:blip r:embed="rId2"/>
+          <a:stretch>
+            <a:fillRect/>
+          </a:stretch>
+        </p:blipFill>
+        <p:spPr>
+          <a:xfrm>
+            <a:off x="2866430" y="834929"/>
+            <a:ext cx="6364001" cy="771393"/>
+          </a:xfrm>
+          <a:prstGeom prst="rect">
+            <a:avLst/>
+          </a:prstGeom>
+        </p:spPr>
+      </p:pic>
+      <p:pic>
+        <p:nvPicPr>
+          <p:cNvPr id="5" name="그림 4"/>
+          <p:cNvPicPr>
+            <a:picLocks noChangeAspect="1"/>
+          </p:cNvPicPr>
+          <p:nvPr/>
+        </p:nvPicPr>
+        <p:blipFill>
+          <a:blip r:embed="rId3"/>
+          <a:stretch>
+            <a:fillRect/>
+          </a:stretch>
+        </p:blipFill>
+        <p:spPr>
+          <a:xfrm>
+            <a:off x="805671" y="2510647"/>
+            <a:ext cx="10830239" cy="321446"/>
+          </a:xfrm>
+          <a:prstGeom prst="rect">
+            <a:avLst/>
+          </a:prstGeom>
+        </p:spPr>
+      </p:pic>
+      <p:pic>
+        <p:nvPicPr>
+          <p:cNvPr id="6" name="그림 5"/>
+          <p:cNvPicPr>
+            <a:picLocks noChangeAspect="1"/>
+          </p:cNvPicPr>
+          <p:nvPr/>
+        </p:nvPicPr>
+        <p:blipFill>
+          <a:blip r:embed="rId4"/>
+          <a:stretch>
+            <a:fillRect/>
+          </a:stretch>
+        </p:blipFill>
+        <p:spPr>
+          <a:xfrm>
+            <a:off x="1167385" y="3684703"/>
+            <a:ext cx="10106807" cy="449191"/>
+          </a:xfrm>
+          <a:prstGeom prst="rect">
+            <a:avLst/>
+          </a:prstGeom>
+        </p:spPr>
+      </p:pic>
+      <p:sp>
+        <p:nvSpPr>
+          <p:cNvPr id="7" name="아래쪽 화살표 6"/>
+          <p:cNvSpPr/>
+          <p:nvPr/>
+        </p:nvSpPr>
+        <p:spPr>
+          <a:xfrm>
+            <a:off x="6048428" y="1732319"/>
+            <a:ext cx="344724" cy="728387"/>
+          </a:xfrm>
+          <a:prstGeom prst="downArrow">
+            <a:avLst/>
+          </a:prstGeom>
+        </p:spPr>
+        <p:style>
+          <a:lnRef idx="2">
+            <a:schemeClr val="accent1">
+              <a:shade val="50000"/>
+            </a:schemeClr>
+          </a:lnRef>
+          <a:fillRef idx="1">
+            <a:schemeClr val="accent1"/>
+          </a:fillRef>
+          <a:effectRef idx="0">
+            <a:schemeClr val="accent1"/>
+          </a:effectRef>
+          <a:fontRef idx="minor">
+            <a:schemeClr val="lt1"/>
+          </a:fontRef>
+        </p:style>
+        <p:txBody>
+          <a:bodyPr rtlCol="0" anchor="ctr"/>
+          <a:lstStyle/>
+          <a:p>
+            <a:pPr algn="ctr"/>
+            <a:endParaRPr lang="ko-KR" altLang="en-US"/>
+          </a:p>
+        </p:txBody>
+      </p:sp>
+      <p:sp>
+        <p:nvSpPr>
+          <p:cNvPr id="8" name="아래쪽 화살표 7"/>
+          <p:cNvSpPr/>
+          <p:nvPr/>
+        </p:nvSpPr>
+        <p:spPr>
+          <a:xfrm>
+            <a:off x="6048428" y="4331972"/>
+            <a:ext cx="344724" cy="728387"/>
+          </a:xfrm>
+          <a:prstGeom prst="downArrow">
+            <a:avLst/>
+          </a:prstGeom>
+        </p:spPr>
+        <p:style>
+          <a:lnRef idx="2">
+            <a:schemeClr val="accent1">
+              <a:shade val="50000"/>
+            </a:schemeClr>
+          </a:lnRef>
+          <a:fillRef idx="1">
+            <a:schemeClr val="accent1"/>
+          </a:fillRef>
+          <a:effectRef idx="0">
+            <a:schemeClr val="accent1"/>
+          </a:effectRef>
+          <a:fontRef idx="minor">
+            <a:schemeClr val="lt1"/>
+          </a:fontRef>
+        </p:style>
+        <p:txBody>
+          <a:bodyPr rtlCol="0" anchor="ctr"/>
+          <a:lstStyle/>
+          <a:p>
+            <a:pPr algn="ctr"/>
+            <a:endParaRPr lang="ko-KR" altLang="en-US"/>
+          </a:p>
+        </p:txBody>
+      </p:sp>
+      <p:pic>
+        <p:nvPicPr>
+          <p:cNvPr id="10" name="그림 9"/>
+          <p:cNvPicPr>
+            <a:picLocks noChangeAspect="1"/>
+          </p:cNvPicPr>
+          <p:nvPr/>
+        </p:nvPicPr>
+        <p:blipFill>
+          <a:blip r:embed="rId5"/>
+          <a:stretch>
+            <a:fillRect/>
+          </a:stretch>
+        </p:blipFill>
+        <p:spPr>
+          <a:xfrm>
+            <a:off x="4718864" y="5189352"/>
+            <a:ext cx="3013529" cy="1668648"/>
+          </a:xfrm>
+          <a:prstGeom prst="rect">
+            <a:avLst/>
+          </a:prstGeom>
+        </p:spPr>
+      </p:pic>
+      <p:sp>
+        <p:nvSpPr>
+          <p:cNvPr id="11" name="TextBox 10"/>
+          <p:cNvSpPr txBox="1"/>
+          <p:nvPr/>
+        </p:nvSpPr>
+        <p:spPr>
+          <a:xfrm>
+            <a:off x="7111005" y="1847961"/>
+            <a:ext cx="3427843" cy="369332"/>
+          </a:xfrm>
+          <a:prstGeom prst="rect">
+            <a:avLst/>
+          </a:prstGeom>
+          <a:noFill/>
+        </p:spPr>
+        <p:txBody>
+          <a:bodyPr wrap="square" rtlCol="0">
+            <a:spAutoFit/>
+          </a:bodyPr>
+          <a:lstStyle/>
+          <a:p>
+            <a:r>
+              <a:rPr lang="en-US" altLang="ko-KR" dirty="0" smtClean="0"/>
+              <a:t>1. </a:t>
+            </a:r>
+            <a:r>
+              <a:rPr lang="ko-KR" altLang="en-US" dirty="0" smtClean="0"/>
+              <a:t>에러 발생</a:t>
+            </a:r>
+            <a:endParaRPr lang="ko-KR" altLang="en-US" dirty="0"/>
+          </a:p>
+        </p:txBody>
+      </p:sp>
+      <p:sp>
+        <p:nvSpPr>
+          <p:cNvPr id="12" name="TextBox 11"/>
+          <p:cNvSpPr txBox="1"/>
+          <p:nvPr/>
+        </p:nvSpPr>
+        <p:spPr>
+          <a:xfrm>
+            <a:off x="7111005" y="4417845"/>
+            <a:ext cx="3427843" cy="369332"/>
+          </a:xfrm>
+          <a:prstGeom prst="rect">
+            <a:avLst/>
+          </a:prstGeom>
+          <a:noFill/>
+        </p:spPr>
+        <p:txBody>
+          <a:bodyPr wrap="square" rtlCol="0">
+            <a:spAutoFit/>
+          </a:bodyPr>
+          <a:lstStyle/>
+          <a:p>
+            <a:r>
+              <a:rPr lang="en-US" altLang="ko-KR" dirty="0" smtClean="0"/>
+              <a:t>2. Group by </a:t>
+            </a:r>
+            <a:r>
+              <a:rPr lang="ko-KR" altLang="en-US" dirty="0" smtClean="0"/>
+              <a:t>조건 충</a:t>
+            </a:r>
+            <a:r>
+              <a:rPr lang="ko-KR" altLang="en-US" dirty="0" smtClean="0"/>
+              <a:t>족</a:t>
+            </a:r>
+            <a:endParaRPr lang="ko-KR" altLang="en-US" dirty="0"/>
           </a:p>
         </p:txBody>
       </p:sp>
@@ -5787,6 +6495,13 @@
   <p:clrMapOvr>
     <a:masterClrMapping/>
   </p:clrMapOvr>
+  <p:timing>
+    <p:tnLst>
+      <p:par>
+        <p:cTn id="1" dur="indefinite" restart="never" nodeType="tmRoot"/>
+      </p:par>
+    </p:tnLst>
+  </p:timing>
 </p:sld>
 </file>
 
@@ -5812,7 +6527,7 @@
           <p:cNvPr id="2" name="제목 1">
             <a:extLst>
               <a:ext uri="{FF2B5EF4-FFF2-40B4-BE49-F238E27FC236}">
-                <a16:creationId xmlns="" xmlns:a16="http://schemas.microsoft.com/office/drawing/2014/main" id="{2D7E6B8A-E1FD-472B-F033-346AC9F27163}"/>
+                <a16:creationId xmlns:a16="http://schemas.microsoft.com/office/drawing/2014/main" xmlns="" id="{2D7E6B8A-E1FD-472B-F033-346AC9F27163}"/>
               </a:ext>
             </a:extLst>
           </p:cNvPr>
@@ -5848,6 +6563,266 @@
               <a:t> 페이지 실습</a:t>
             </a:r>
             <a:endParaRPr lang="ko-KR" altLang="en-US" sz="2000" dirty="0"/>
+          </a:p>
+        </p:txBody>
+      </p:sp>
+      <p:pic>
+        <p:nvPicPr>
+          <p:cNvPr id="3" name="그림 2"/>
+          <p:cNvPicPr>
+            <a:picLocks noChangeAspect="1"/>
+          </p:cNvPicPr>
+          <p:nvPr/>
+        </p:nvPicPr>
+        <p:blipFill>
+          <a:blip r:embed="rId2"/>
+          <a:stretch>
+            <a:fillRect/>
+          </a:stretch>
+        </p:blipFill>
+        <p:spPr>
+          <a:xfrm>
+            <a:off x="2630226" y="851071"/>
+            <a:ext cx="7947646" cy="344125"/>
+          </a:xfrm>
+          <a:prstGeom prst="rect">
+            <a:avLst/>
+          </a:prstGeom>
+        </p:spPr>
+      </p:pic>
+      <p:sp>
+        <p:nvSpPr>
+          <p:cNvPr id="6" name="위로 굽은 화살표 5"/>
+          <p:cNvSpPr/>
+          <p:nvPr/>
+        </p:nvSpPr>
+        <p:spPr>
+          <a:xfrm rot="5400000">
+            <a:off x="3859584" y="1697081"/>
+            <a:ext cx="1394847" cy="991892"/>
+          </a:xfrm>
+          <a:prstGeom prst="bentUpArrow">
+            <a:avLst/>
+          </a:prstGeom>
+        </p:spPr>
+        <p:style>
+          <a:lnRef idx="2">
+            <a:schemeClr val="accent1">
+              <a:shade val="50000"/>
+            </a:schemeClr>
+          </a:lnRef>
+          <a:fillRef idx="1">
+            <a:schemeClr val="accent1"/>
+          </a:fillRef>
+          <a:effectRef idx="0">
+            <a:schemeClr val="accent1"/>
+          </a:effectRef>
+          <a:fontRef idx="minor">
+            <a:schemeClr val="lt1"/>
+          </a:fontRef>
+        </p:style>
+        <p:txBody>
+          <a:bodyPr rtlCol="0" anchor="ctr"/>
+          <a:lstStyle/>
+          <a:p>
+            <a:pPr algn="ctr"/>
+            <a:endParaRPr lang="ko-KR" altLang="en-US"/>
+          </a:p>
+        </p:txBody>
+      </p:sp>
+      <p:pic>
+        <p:nvPicPr>
+          <p:cNvPr id="7" name="그림 6"/>
+          <p:cNvPicPr>
+            <a:picLocks noChangeAspect="1"/>
+          </p:cNvPicPr>
+          <p:nvPr/>
+        </p:nvPicPr>
+        <p:blipFill>
+          <a:blip r:embed="rId3"/>
+          <a:stretch>
+            <a:fillRect/>
+          </a:stretch>
+        </p:blipFill>
+        <p:spPr>
+          <a:xfrm>
+            <a:off x="5520938" y="1495603"/>
+            <a:ext cx="2166222" cy="2182033"/>
+          </a:xfrm>
+          <a:prstGeom prst="rect">
+            <a:avLst/>
+          </a:prstGeom>
+        </p:spPr>
+      </p:pic>
+      <p:pic>
+        <p:nvPicPr>
+          <p:cNvPr id="8" name="그림 7"/>
+          <p:cNvPicPr>
+            <a:picLocks noChangeAspect="1"/>
+          </p:cNvPicPr>
+          <p:nvPr/>
+        </p:nvPicPr>
+        <p:blipFill>
+          <a:blip r:embed="rId4"/>
+          <a:stretch>
+            <a:fillRect/>
+          </a:stretch>
+        </p:blipFill>
+        <p:spPr>
+          <a:xfrm>
+            <a:off x="2117965" y="4483029"/>
+            <a:ext cx="8967878" cy="336944"/>
+          </a:xfrm>
+          <a:prstGeom prst="rect">
+            <a:avLst/>
+          </a:prstGeom>
+        </p:spPr>
+      </p:pic>
+      <p:pic>
+        <p:nvPicPr>
+          <p:cNvPr id="9" name="그림 8"/>
+          <p:cNvPicPr>
+            <a:picLocks noChangeAspect="1"/>
+          </p:cNvPicPr>
+          <p:nvPr/>
+        </p:nvPicPr>
+        <p:blipFill>
+          <a:blip r:embed="rId5"/>
+          <a:stretch>
+            <a:fillRect/>
+          </a:stretch>
+        </p:blipFill>
+        <p:spPr>
+          <a:xfrm>
+            <a:off x="3377652" y="5828153"/>
+            <a:ext cx="6448273" cy="240444"/>
+          </a:xfrm>
+          <a:prstGeom prst="rect">
+            <a:avLst/>
+          </a:prstGeom>
+        </p:spPr>
+      </p:pic>
+      <p:sp>
+        <p:nvSpPr>
+          <p:cNvPr id="10" name="아래쪽 화살표 9"/>
+          <p:cNvSpPr/>
+          <p:nvPr/>
+        </p:nvSpPr>
+        <p:spPr>
+          <a:xfrm>
+            <a:off x="6423557" y="4983359"/>
+            <a:ext cx="356461" cy="681407"/>
+          </a:xfrm>
+          <a:prstGeom prst="downArrow">
+            <a:avLst/>
+          </a:prstGeom>
+        </p:spPr>
+        <p:style>
+          <a:lnRef idx="2">
+            <a:schemeClr val="accent1">
+              <a:shade val="50000"/>
+            </a:schemeClr>
+          </a:lnRef>
+          <a:fillRef idx="1">
+            <a:schemeClr val="accent1"/>
+          </a:fillRef>
+          <a:effectRef idx="0">
+            <a:schemeClr val="accent1"/>
+          </a:effectRef>
+          <a:fontRef idx="minor">
+            <a:schemeClr val="lt1"/>
+          </a:fontRef>
+        </p:style>
+        <p:txBody>
+          <a:bodyPr rtlCol="0" anchor="ctr"/>
+          <a:lstStyle/>
+          <a:p>
+            <a:pPr algn="ctr"/>
+            <a:endParaRPr lang="ko-KR" altLang="en-US"/>
+          </a:p>
+        </p:txBody>
+      </p:sp>
+      <p:sp>
+        <p:nvSpPr>
+          <p:cNvPr id="11" name="TextBox 10"/>
+          <p:cNvSpPr txBox="1"/>
+          <p:nvPr/>
+        </p:nvSpPr>
+        <p:spPr>
+          <a:xfrm>
+            <a:off x="7947914" y="2401953"/>
+            <a:ext cx="3427843" cy="369332"/>
+          </a:xfrm>
+          <a:prstGeom prst="rect">
+            <a:avLst/>
+          </a:prstGeom>
+          <a:noFill/>
+        </p:spPr>
+        <p:txBody>
+          <a:bodyPr wrap="square" rtlCol="0">
+            <a:spAutoFit/>
+          </a:bodyPr>
+          <a:lstStyle/>
+          <a:p>
+            <a:r>
+              <a:rPr lang="en-US" altLang="ko-KR" dirty="0"/>
+              <a:t>1</a:t>
+            </a:r>
+            <a:r>
+              <a:rPr lang="en-US" altLang="ko-KR" dirty="0" smtClean="0"/>
+              <a:t>. Group by </a:t>
+            </a:r>
+            <a:r>
+              <a:rPr lang="ko-KR" altLang="en-US" dirty="0" smtClean="0"/>
+              <a:t>조건 충</a:t>
+            </a:r>
+            <a:r>
+              <a:rPr lang="ko-KR" altLang="en-US" dirty="0" smtClean="0"/>
+              <a:t>족</a:t>
+            </a:r>
+            <a:endParaRPr lang="ko-KR" altLang="en-US" dirty="0"/>
+          </a:p>
+        </p:txBody>
+      </p:sp>
+      <p:sp>
+        <p:nvSpPr>
+          <p:cNvPr id="12" name="TextBox 11"/>
+          <p:cNvSpPr txBox="1"/>
+          <p:nvPr/>
+        </p:nvSpPr>
+        <p:spPr>
+          <a:xfrm>
+            <a:off x="7947914" y="5139396"/>
+            <a:ext cx="3427843" cy="369332"/>
+          </a:xfrm>
+          <a:prstGeom prst="rect">
+            <a:avLst/>
+          </a:prstGeom>
+          <a:noFill/>
+        </p:spPr>
+        <p:txBody>
+          <a:bodyPr wrap="square" rtlCol="0">
+            <a:spAutoFit/>
+          </a:bodyPr>
+          <a:lstStyle/>
+          <a:p>
+            <a:r>
+              <a:rPr lang="en-US" altLang="ko-KR" dirty="0" smtClean="0"/>
+              <a:t>2. 21</a:t>
+            </a:r>
+            <a:r>
+              <a:rPr lang="ko-KR" altLang="en-US" dirty="0" smtClean="0"/>
+              <a:t>학번 </a:t>
+            </a:r>
+            <a:r>
+              <a:rPr lang="ko-KR" altLang="en-US" dirty="0" err="1" smtClean="0"/>
+              <a:t>펭수</a:t>
+            </a:r>
+            <a:r>
+              <a:rPr lang="ko-KR" altLang="en-US" dirty="0" smtClean="0"/>
+              <a:t> 데이터 입력</a:t>
+            </a:r>
+            <a:endParaRPr lang="ko-KR" altLang="en-US" dirty="0"/>
           </a:p>
         </p:txBody>
       </p:sp>
@@ -5861,6 +6836,13 @@
   <p:clrMapOvr>
     <a:masterClrMapping/>
   </p:clrMapOvr>
+  <p:timing>
+    <p:tnLst>
+      <p:par>
+        <p:cTn id="1" dur="indefinite" restart="never" nodeType="tmRoot"/>
+      </p:par>
+    </p:tnLst>
+  </p:timing>
 </p:sld>
 </file>
 
@@ -5886,7 +6868,7 @@
           <p:cNvPr id="2" name="제목 1">
             <a:extLst>
               <a:ext uri="{FF2B5EF4-FFF2-40B4-BE49-F238E27FC236}">
-                <a16:creationId xmlns="" xmlns:a16="http://schemas.microsoft.com/office/drawing/2014/main" id="{2D7E6B8A-E1FD-472B-F033-346AC9F27163}"/>
+                <a16:creationId xmlns:a16="http://schemas.microsoft.com/office/drawing/2014/main" xmlns="" id="{2D7E6B8A-E1FD-472B-F033-346AC9F27163}"/>
               </a:ext>
             </a:extLst>
           </p:cNvPr>
@@ -5922,6 +6904,262 @@
               <a:t> 페이지 실습</a:t>
             </a:r>
             <a:endParaRPr lang="ko-KR" altLang="en-US" sz="2000" dirty="0"/>
+          </a:p>
+        </p:txBody>
+      </p:sp>
+      <p:pic>
+        <p:nvPicPr>
+          <p:cNvPr id="3" name="그림 2"/>
+          <p:cNvPicPr>
+            <a:picLocks noChangeAspect="1"/>
+          </p:cNvPicPr>
+          <p:nvPr/>
+        </p:nvPicPr>
+        <p:blipFill>
+          <a:blip r:embed="rId2"/>
+          <a:stretch>
+            <a:fillRect/>
+          </a:stretch>
+        </p:blipFill>
+        <p:spPr>
+          <a:xfrm>
+            <a:off x="1982033" y="949415"/>
+            <a:ext cx="8095841" cy="305948"/>
+          </a:xfrm>
+          <a:prstGeom prst="rect">
+            <a:avLst/>
+          </a:prstGeom>
+        </p:spPr>
+      </p:pic>
+      <p:pic>
+        <p:nvPicPr>
+          <p:cNvPr id="4" name="그림 3"/>
+          <p:cNvPicPr>
+            <a:picLocks noChangeAspect="1"/>
+          </p:cNvPicPr>
+          <p:nvPr/>
+        </p:nvPicPr>
+        <p:blipFill>
+          <a:blip r:embed="rId3"/>
+          <a:stretch>
+            <a:fillRect/>
+          </a:stretch>
+        </p:blipFill>
+        <p:spPr>
+          <a:xfrm>
+            <a:off x="2221111" y="2396729"/>
+            <a:ext cx="7614283" cy="361969"/>
+          </a:xfrm>
+          <a:prstGeom prst="rect">
+            <a:avLst/>
+          </a:prstGeom>
+        </p:spPr>
+      </p:pic>
+      <p:sp>
+        <p:nvSpPr>
+          <p:cNvPr id="5" name="아래쪽 화살표 4"/>
+          <p:cNvSpPr/>
+          <p:nvPr/>
+        </p:nvSpPr>
+        <p:spPr>
+          <a:xfrm>
+            <a:off x="5855890" y="1461852"/>
+            <a:ext cx="344724" cy="728387"/>
+          </a:xfrm>
+          <a:prstGeom prst="downArrow">
+            <a:avLst/>
+          </a:prstGeom>
+        </p:spPr>
+        <p:style>
+          <a:lnRef idx="2">
+            <a:schemeClr val="accent1">
+              <a:shade val="50000"/>
+            </a:schemeClr>
+          </a:lnRef>
+          <a:fillRef idx="1">
+            <a:schemeClr val="accent1"/>
+          </a:fillRef>
+          <a:effectRef idx="0">
+            <a:schemeClr val="accent1"/>
+          </a:effectRef>
+          <a:fontRef idx="minor">
+            <a:schemeClr val="lt1"/>
+          </a:fontRef>
+        </p:style>
+        <p:txBody>
+          <a:bodyPr rtlCol="0" anchor="ctr"/>
+          <a:lstStyle/>
+          <a:p>
+            <a:pPr algn="ctr"/>
+            <a:endParaRPr lang="ko-KR" altLang="en-US"/>
+          </a:p>
+        </p:txBody>
+      </p:sp>
+      <p:pic>
+        <p:nvPicPr>
+          <p:cNvPr id="6" name="그림 5"/>
+          <p:cNvPicPr>
+            <a:picLocks noChangeAspect="1"/>
+          </p:cNvPicPr>
+          <p:nvPr/>
+        </p:nvPicPr>
+        <p:blipFill>
+          <a:blip r:embed="rId4"/>
+          <a:stretch>
+            <a:fillRect/>
+          </a:stretch>
+        </p:blipFill>
+        <p:spPr>
+          <a:xfrm>
+            <a:off x="4306251" y="4973011"/>
+            <a:ext cx="3444002" cy="1884989"/>
+          </a:xfrm>
+          <a:prstGeom prst="rect">
+            <a:avLst/>
+          </a:prstGeom>
+        </p:spPr>
+      </p:pic>
+      <p:pic>
+        <p:nvPicPr>
+          <p:cNvPr id="7" name="그림 6"/>
+          <p:cNvPicPr>
+            <a:picLocks noChangeAspect="1"/>
+          </p:cNvPicPr>
+          <p:nvPr/>
+        </p:nvPicPr>
+        <p:blipFill>
+          <a:blip r:embed="rId5"/>
+          <a:stretch>
+            <a:fillRect/>
+          </a:stretch>
+        </p:blipFill>
+        <p:spPr>
+          <a:xfrm>
+            <a:off x="1248675" y="3500054"/>
+            <a:ext cx="9559151" cy="398938"/>
+          </a:xfrm>
+          <a:prstGeom prst="rect">
+            <a:avLst/>
+          </a:prstGeom>
+        </p:spPr>
+      </p:pic>
+      <p:sp>
+        <p:nvSpPr>
+          <p:cNvPr id="8" name="아래쪽 화살표 7"/>
+          <p:cNvSpPr/>
+          <p:nvPr/>
+        </p:nvSpPr>
+        <p:spPr>
+          <a:xfrm>
+            <a:off x="5855889" y="4071808"/>
+            <a:ext cx="344724" cy="728387"/>
+          </a:xfrm>
+          <a:prstGeom prst="downArrow">
+            <a:avLst/>
+          </a:prstGeom>
+        </p:spPr>
+        <p:style>
+          <a:lnRef idx="2">
+            <a:schemeClr val="accent1">
+              <a:shade val="50000"/>
+            </a:schemeClr>
+          </a:lnRef>
+          <a:fillRef idx="1">
+            <a:schemeClr val="accent1"/>
+          </a:fillRef>
+          <a:effectRef idx="0">
+            <a:schemeClr val="accent1"/>
+          </a:effectRef>
+          <a:fontRef idx="minor">
+            <a:schemeClr val="lt1"/>
+          </a:fontRef>
+        </p:style>
+        <p:txBody>
+          <a:bodyPr rtlCol="0" anchor="ctr"/>
+          <a:lstStyle/>
+          <a:p>
+            <a:pPr algn="ctr"/>
+            <a:endParaRPr lang="ko-KR" altLang="en-US"/>
+          </a:p>
+        </p:txBody>
+      </p:sp>
+      <p:sp>
+        <p:nvSpPr>
+          <p:cNvPr id="9" name="TextBox 8"/>
+          <p:cNvSpPr txBox="1"/>
+          <p:nvPr/>
+        </p:nvSpPr>
+        <p:spPr>
+          <a:xfrm>
+            <a:off x="7750253" y="1550813"/>
+            <a:ext cx="3427843" cy="369332"/>
+          </a:xfrm>
+          <a:prstGeom prst="rect">
+            <a:avLst/>
+          </a:prstGeom>
+          <a:noFill/>
+        </p:spPr>
+        <p:txBody>
+          <a:bodyPr wrap="square" rtlCol="0">
+            <a:spAutoFit/>
+          </a:bodyPr>
+          <a:lstStyle/>
+          <a:p>
+            <a:r>
+              <a:rPr lang="en-US" altLang="ko-KR" dirty="0" smtClean="0"/>
+              <a:t>1. 22</a:t>
+            </a:r>
+            <a:r>
+              <a:rPr lang="ko-KR" altLang="en-US" dirty="0" smtClean="0"/>
+              <a:t>학번 </a:t>
+            </a:r>
+            <a:r>
+              <a:rPr lang="ko-KR" altLang="en-US" dirty="0" err="1" smtClean="0"/>
+              <a:t>펭수</a:t>
+            </a:r>
+            <a:r>
+              <a:rPr lang="ko-KR" altLang="en-US" dirty="0" smtClean="0"/>
+              <a:t> 데이터 입력</a:t>
+            </a:r>
+            <a:endParaRPr lang="ko-KR" altLang="en-US" dirty="0"/>
+          </a:p>
+        </p:txBody>
+      </p:sp>
+      <p:sp>
+        <p:nvSpPr>
+          <p:cNvPr id="10" name="TextBox 9"/>
+          <p:cNvSpPr txBox="1"/>
+          <p:nvPr/>
+        </p:nvSpPr>
+        <p:spPr>
+          <a:xfrm>
+            <a:off x="7750253" y="4251238"/>
+            <a:ext cx="3427843" cy="369332"/>
+          </a:xfrm>
+          <a:prstGeom prst="rect">
+            <a:avLst/>
+          </a:prstGeom>
+          <a:noFill/>
+        </p:spPr>
+        <p:txBody>
+          <a:bodyPr wrap="square" rtlCol="0">
+            <a:spAutoFit/>
+          </a:bodyPr>
+          <a:lstStyle/>
+          <a:p>
+            <a:r>
+              <a:rPr lang="en-US" altLang="ko-KR" dirty="0" smtClean="0"/>
+              <a:t>2. Group by </a:t>
+            </a:r>
+            <a:r>
+              <a:rPr lang="ko-KR" altLang="en-US" dirty="0" smtClean="0"/>
+              <a:t>조건 충</a:t>
+            </a:r>
+            <a:r>
+              <a:rPr lang="ko-KR" altLang="en-US" dirty="0" smtClean="0"/>
+              <a:t>족</a:t>
+            </a:r>
+            <a:endParaRPr lang="ko-KR" altLang="en-US" dirty="0"/>
           </a:p>
         </p:txBody>
       </p:sp>
@@ -5935,6 +7173,13 @@
   <p:clrMapOvr>
     <a:masterClrMapping/>
   </p:clrMapOvr>
+  <p:timing>
+    <p:tnLst>
+      <p:par>
+        <p:cTn id="1" dur="indefinite" restart="never" nodeType="tmRoot"/>
+      </p:par>
+    </p:tnLst>
+  </p:timing>
 </p:sld>
 </file>
 
@@ -5960,7 +7205,7 @@
           <p:cNvPr id="2" name="제목 1">
             <a:extLst>
               <a:ext uri="{FF2B5EF4-FFF2-40B4-BE49-F238E27FC236}">
-                <a16:creationId xmlns="" xmlns:a16="http://schemas.microsoft.com/office/drawing/2014/main" id="{2D7E6B8A-E1FD-472B-F033-346AC9F27163}"/>
+                <a16:creationId xmlns:a16="http://schemas.microsoft.com/office/drawing/2014/main" xmlns="" id="{2D7E6B8A-E1FD-472B-F033-346AC9F27163}"/>
               </a:ext>
             </a:extLst>
           </p:cNvPr>
@@ -5996,6 +7241,382 @@
               <a:t> 페이지 실습</a:t>
             </a:r>
             <a:endParaRPr lang="ko-KR" altLang="en-US" sz="2000" dirty="0"/>
+          </a:p>
+        </p:txBody>
+      </p:sp>
+      <p:pic>
+        <p:nvPicPr>
+          <p:cNvPr id="3" name="그림 2"/>
+          <p:cNvPicPr>
+            <a:picLocks noChangeAspect="1"/>
+          </p:cNvPicPr>
+          <p:nvPr/>
+        </p:nvPicPr>
+        <p:blipFill>
+          <a:blip r:embed="rId2"/>
+          <a:stretch>
+            <a:fillRect/>
+          </a:stretch>
+        </p:blipFill>
+        <p:spPr>
+          <a:xfrm>
+            <a:off x="4319816" y="2266138"/>
+            <a:ext cx="3515216" cy="1209844"/>
+          </a:xfrm>
+          <a:prstGeom prst="rect">
+            <a:avLst/>
+          </a:prstGeom>
+        </p:spPr>
+      </p:pic>
+      <p:pic>
+        <p:nvPicPr>
+          <p:cNvPr id="4" name="그림 3"/>
+          <p:cNvPicPr>
+            <a:picLocks noChangeAspect="1"/>
+          </p:cNvPicPr>
+          <p:nvPr/>
+        </p:nvPicPr>
+        <p:blipFill>
+          <a:blip r:embed="rId3"/>
+          <a:stretch>
+            <a:fillRect/>
+          </a:stretch>
+        </p:blipFill>
+        <p:spPr>
+          <a:xfrm>
+            <a:off x="1301967" y="893394"/>
+            <a:ext cx="9550914" cy="330972"/>
+          </a:xfrm>
+          <a:prstGeom prst="rect">
+            <a:avLst/>
+          </a:prstGeom>
+        </p:spPr>
+      </p:pic>
+      <p:sp>
+        <p:nvSpPr>
+          <p:cNvPr id="5" name="아래쪽 화살표 4"/>
+          <p:cNvSpPr/>
+          <p:nvPr/>
+        </p:nvSpPr>
+        <p:spPr>
+          <a:xfrm>
+            <a:off x="5905062" y="1381058"/>
+            <a:ext cx="344724" cy="728387"/>
+          </a:xfrm>
+          <a:prstGeom prst="downArrow">
+            <a:avLst/>
+          </a:prstGeom>
+        </p:spPr>
+        <p:style>
+          <a:lnRef idx="2">
+            <a:schemeClr val="accent1">
+              <a:shade val="50000"/>
+            </a:schemeClr>
+          </a:lnRef>
+          <a:fillRef idx="1">
+            <a:schemeClr val="accent1"/>
+          </a:fillRef>
+          <a:effectRef idx="0">
+            <a:schemeClr val="accent1"/>
+          </a:effectRef>
+          <a:fontRef idx="minor">
+            <a:schemeClr val="lt1"/>
+          </a:fontRef>
+        </p:style>
+        <p:txBody>
+          <a:bodyPr rtlCol="0" anchor="ctr"/>
+          <a:lstStyle/>
+          <a:p>
+            <a:pPr algn="ctr"/>
+            <a:endParaRPr lang="ko-KR" altLang="en-US"/>
+          </a:p>
+        </p:txBody>
+      </p:sp>
+      <p:pic>
+        <p:nvPicPr>
+          <p:cNvPr id="6" name="그림 5"/>
+          <p:cNvPicPr>
+            <a:picLocks noChangeAspect="1"/>
+          </p:cNvPicPr>
+          <p:nvPr/>
+        </p:nvPicPr>
+        <p:blipFill>
+          <a:blip r:embed="rId4"/>
+          <a:stretch>
+            <a:fillRect/>
+          </a:stretch>
+        </p:blipFill>
+        <p:spPr>
+          <a:xfrm>
+            <a:off x="2472935" y="4521249"/>
+            <a:ext cx="7208977" cy="470586"/>
+          </a:xfrm>
+          <a:prstGeom prst="rect">
+            <a:avLst/>
+          </a:prstGeom>
+        </p:spPr>
+      </p:pic>
+      <p:pic>
+        <p:nvPicPr>
+          <p:cNvPr id="7" name="그림 6"/>
+          <p:cNvPicPr>
+            <a:picLocks noChangeAspect="1"/>
+          </p:cNvPicPr>
+          <p:nvPr/>
+        </p:nvPicPr>
+        <p:blipFill>
+          <a:blip r:embed="rId5"/>
+          <a:stretch>
+            <a:fillRect/>
+          </a:stretch>
+        </p:blipFill>
+        <p:spPr>
+          <a:xfrm>
+            <a:off x="537556" y="6030112"/>
+            <a:ext cx="11654444" cy="332281"/>
+          </a:xfrm>
+          <a:prstGeom prst="rect">
+            <a:avLst/>
+          </a:prstGeom>
+        </p:spPr>
+      </p:pic>
+      <p:sp>
+        <p:nvSpPr>
+          <p:cNvPr id="8" name="아래쪽 화살표 7"/>
+          <p:cNvSpPr/>
+          <p:nvPr/>
+        </p:nvSpPr>
+        <p:spPr>
+          <a:xfrm>
+            <a:off x="5905062" y="5146780"/>
+            <a:ext cx="344724" cy="728387"/>
+          </a:xfrm>
+          <a:prstGeom prst="downArrow">
+            <a:avLst/>
+          </a:prstGeom>
+        </p:spPr>
+        <p:style>
+          <a:lnRef idx="2">
+            <a:schemeClr val="accent1">
+              <a:shade val="50000"/>
+            </a:schemeClr>
+          </a:lnRef>
+          <a:fillRef idx="1">
+            <a:schemeClr val="accent1"/>
+          </a:fillRef>
+          <a:effectRef idx="0">
+            <a:schemeClr val="accent1"/>
+          </a:effectRef>
+          <a:fontRef idx="minor">
+            <a:schemeClr val="lt1"/>
+          </a:fontRef>
+        </p:style>
+        <p:txBody>
+          <a:bodyPr rtlCol="0" anchor="ctr"/>
+          <a:lstStyle/>
+          <a:p>
+            <a:pPr algn="ctr"/>
+            <a:endParaRPr lang="ko-KR" altLang="en-US"/>
+          </a:p>
+        </p:txBody>
+      </p:sp>
+      <p:sp>
+        <p:nvSpPr>
+          <p:cNvPr id="9" name="TextBox 8"/>
+          <p:cNvSpPr txBox="1"/>
+          <p:nvPr/>
+        </p:nvSpPr>
+        <p:spPr>
+          <a:xfrm>
+            <a:off x="6772759" y="1387298"/>
+            <a:ext cx="5419241" cy="646331"/>
+          </a:xfrm>
+          <a:prstGeom prst="rect">
+            <a:avLst/>
+          </a:prstGeom>
+          <a:noFill/>
+        </p:spPr>
+        <p:txBody>
+          <a:bodyPr wrap="square" rtlCol="0">
+            <a:spAutoFit/>
+          </a:bodyPr>
+          <a:lstStyle/>
+          <a:p>
+            <a:r>
+              <a:rPr lang="en-US" altLang="ko-KR" dirty="0" smtClean="0"/>
+              <a:t>1. Group by </a:t>
+            </a:r>
+            <a:r>
+              <a:rPr lang="ko-KR" altLang="en-US" dirty="0" smtClean="0"/>
+              <a:t>국어</a:t>
+            </a:r>
+            <a:r>
+              <a:rPr lang="en-US" altLang="ko-KR" dirty="0" smtClean="0"/>
+              <a:t>,</a:t>
+            </a:r>
+            <a:r>
+              <a:rPr lang="ko-KR" altLang="en-US" dirty="0"/>
+              <a:t> </a:t>
+            </a:r>
+            <a:r>
+              <a:rPr lang="ko-KR" altLang="en-US" dirty="0" smtClean="0"/>
+              <a:t>영어로 이름</a:t>
+            </a:r>
+            <a:r>
+              <a:rPr lang="en-US" altLang="ko-KR" dirty="0" smtClean="0"/>
+              <a:t>, </a:t>
+            </a:r>
+            <a:r>
+              <a:rPr lang="ko-KR" altLang="en-US" dirty="0" smtClean="0"/>
+              <a:t>이름 수</a:t>
+            </a:r>
+            <a:r>
+              <a:rPr lang="en-US" altLang="ko-KR" dirty="0" smtClean="0"/>
+              <a:t>, </a:t>
+            </a:r>
+            <a:r>
+              <a:rPr lang="ko-KR" altLang="en-US" dirty="0" smtClean="0"/>
+              <a:t>국어</a:t>
+            </a:r>
+            <a:r>
+              <a:rPr lang="en-US" altLang="ko-KR" dirty="0" smtClean="0"/>
+              <a:t>, </a:t>
+            </a:r>
+            <a:r>
+              <a:rPr lang="ko-KR" altLang="en-US" dirty="0" smtClean="0"/>
+              <a:t>국어 수</a:t>
+            </a:r>
+            <a:r>
+              <a:rPr lang="en-US" altLang="ko-KR" dirty="0" smtClean="0"/>
+              <a:t>,  </a:t>
+            </a:r>
+            <a:r>
+              <a:rPr lang="ko-KR" altLang="en-US" dirty="0" smtClean="0"/>
+              <a:t>영어</a:t>
+            </a:r>
+            <a:r>
+              <a:rPr lang="en-US" altLang="ko-KR" dirty="0" smtClean="0"/>
+              <a:t>, </a:t>
+            </a:r>
+            <a:r>
+              <a:rPr lang="ko-KR" altLang="en-US" dirty="0" smtClean="0"/>
+              <a:t>영어 수 출력</a:t>
+            </a:r>
+            <a:endParaRPr lang="ko-KR" altLang="en-US" dirty="0"/>
+          </a:p>
+        </p:txBody>
+      </p:sp>
+      <p:sp>
+        <p:nvSpPr>
+          <p:cNvPr id="10" name="TextBox 9"/>
+          <p:cNvSpPr txBox="1"/>
+          <p:nvPr/>
+        </p:nvSpPr>
+        <p:spPr>
+          <a:xfrm>
+            <a:off x="6772758" y="5228836"/>
+            <a:ext cx="5419241" cy="646331"/>
+          </a:xfrm>
+          <a:prstGeom prst="rect">
+            <a:avLst/>
+          </a:prstGeom>
+          <a:noFill/>
+        </p:spPr>
+        <p:txBody>
+          <a:bodyPr wrap="square" rtlCol="0">
+            <a:spAutoFit/>
+          </a:bodyPr>
+          <a:lstStyle/>
+          <a:p>
+            <a:r>
+              <a:rPr lang="en-US" altLang="ko-KR" dirty="0"/>
+              <a:t>2</a:t>
+            </a:r>
+            <a:r>
+              <a:rPr lang="en-US" altLang="ko-KR" dirty="0" smtClean="0"/>
+              <a:t>. Group by </a:t>
+            </a:r>
+            <a:r>
+              <a:rPr lang="ko-KR" altLang="en-US" dirty="0" smtClean="0"/>
+              <a:t>국어</a:t>
+            </a:r>
+            <a:r>
+              <a:rPr lang="en-US" altLang="ko-KR" dirty="0" smtClean="0"/>
+              <a:t>,</a:t>
+            </a:r>
+            <a:r>
+              <a:rPr lang="ko-KR" altLang="en-US" dirty="0"/>
+              <a:t> </a:t>
+            </a:r>
+            <a:r>
+              <a:rPr lang="ko-KR" altLang="en-US" dirty="0" smtClean="0"/>
+              <a:t>영어로 이름</a:t>
+            </a:r>
+            <a:r>
+              <a:rPr lang="en-US" altLang="ko-KR" dirty="0" smtClean="0"/>
+              <a:t>, </a:t>
+            </a:r>
+            <a:r>
+              <a:rPr lang="ko-KR" altLang="en-US" dirty="0" smtClean="0"/>
+              <a:t>이름 수</a:t>
+            </a:r>
+            <a:r>
+              <a:rPr lang="en-US" altLang="ko-KR" dirty="0" smtClean="0"/>
+              <a:t>, </a:t>
+            </a:r>
+            <a:r>
+              <a:rPr lang="ko-KR" altLang="en-US" dirty="0" smtClean="0"/>
+              <a:t>국어</a:t>
+            </a:r>
+            <a:r>
+              <a:rPr lang="en-US" altLang="ko-KR" dirty="0" smtClean="0"/>
+              <a:t>, </a:t>
+            </a:r>
+            <a:r>
+              <a:rPr lang="ko-KR" altLang="en-US" dirty="0" smtClean="0"/>
+              <a:t>국어 수</a:t>
+            </a:r>
+            <a:r>
+              <a:rPr lang="en-US" altLang="ko-KR" dirty="0" smtClean="0"/>
+              <a:t>,  </a:t>
+            </a:r>
+            <a:r>
+              <a:rPr lang="ko-KR" altLang="en-US" dirty="0" smtClean="0"/>
+              <a:t>영어</a:t>
+            </a:r>
+            <a:r>
+              <a:rPr lang="en-US" altLang="ko-KR" dirty="0" smtClean="0"/>
+              <a:t>, </a:t>
+            </a:r>
+            <a:r>
+              <a:rPr lang="ko-KR" altLang="en-US" dirty="0" smtClean="0"/>
+              <a:t>영어 수</a:t>
+            </a:r>
+            <a:r>
+              <a:rPr lang="en-US" altLang="ko-KR" dirty="0" smtClean="0"/>
+              <a:t>, </a:t>
+            </a:r>
+            <a:r>
+              <a:rPr lang="ko-KR" altLang="en-US" dirty="0" smtClean="0"/>
+              <a:t>그 외 데이터 출력 </a:t>
+            </a:r>
+            <a:r>
+              <a:rPr lang="en-US" altLang="ko-KR" dirty="0" smtClean="0"/>
+              <a:t>(</a:t>
+            </a:r>
+            <a:r>
+              <a:rPr lang="ko-KR" altLang="en-US" dirty="0" smtClean="0"/>
+              <a:t>조건 </a:t>
+            </a:r>
+            <a:r>
+              <a:rPr lang="ko-KR" altLang="en-US" dirty="0" err="1" smtClean="0"/>
+              <a:t>안맞음</a:t>
+            </a:r>
+            <a:r>
+              <a:rPr lang="en-US" altLang="ko-KR" dirty="0" smtClean="0"/>
+              <a:t>)</a:t>
+            </a:r>
+            <a:endParaRPr lang="ko-KR" altLang="en-US" dirty="0"/>
           </a:p>
         </p:txBody>
       </p:sp>
@@ -6034,7 +7655,7 @@
           <p:cNvPr id="2" name="제목 1">
             <a:extLst>
               <a:ext uri="{FF2B5EF4-FFF2-40B4-BE49-F238E27FC236}">
-                <a16:creationId xmlns="" xmlns:a16="http://schemas.microsoft.com/office/drawing/2014/main" id="{2D7E6B8A-E1FD-472B-F033-346AC9F27163}"/>
+                <a16:creationId xmlns:a16="http://schemas.microsoft.com/office/drawing/2014/main" xmlns="" id="{2D7E6B8A-E1FD-472B-F033-346AC9F27163}"/>
               </a:ext>
             </a:extLst>
           </p:cNvPr>
@@ -6073,6 +7694,54 @@
           </a:p>
         </p:txBody>
       </p:sp>
+      <p:pic>
+        <p:nvPicPr>
+          <p:cNvPr id="3" name="그림 2"/>
+          <p:cNvPicPr>
+            <a:picLocks noChangeAspect="1"/>
+          </p:cNvPicPr>
+          <p:nvPr/>
+        </p:nvPicPr>
+        <p:blipFill>
+          <a:blip r:embed="rId2"/>
+          <a:stretch>
+            <a:fillRect/>
+          </a:stretch>
+        </p:blipFill>
+        <p:spPr>
+          <a:xfrm>
+            <a:off x="2338694" y="2090462"/>
+            <a:ext cx="7749289" cy="761226"/>
+          </a:xfrm>
+          <a:prstGeom prst="rect">
+            <a:avLst/>
+          </a:prstGeom>
+        </p:spPr>
+      </p:pic>
+      <p:pic>
+        <p:nvPicPr>
+          <p:cNvPr id="4" name="그림 3"/>
+          <p:cNvPicPr>
+            <a:picLocks noChangeAspect="1"/>
+          </p:cNvPicPr>
+          <p:nvPr/>
+        </p:nvPicPr>
+        <p:blipFill>
+          <a:blip r:embed="rId3"/>
+          <a:stretch>
+            <a:fillRect/>
+          </a:stretch>
+        </p:blipFill>
+        <p:spPr>
+          <a:xfrm>
+            <a:off x="5051225" y="3851736"/>
+            <a:ext cx="2319987" cy="1227240"/>
+          </a:xfrm>
+          <a:prstGeom prst="rect">
+            <a:avLst/>
+          </a:prstGeom>
+        </p:spPr>
+      </p:pic>
     </p:spTree>
     <p:extLst>
       <p:ext uri="{BB962C8B-B14F-4D97-AF65-F5344CB8AC3E}">
@@ -6108,7 +7777,7 @@
           <p:cNvPr id="2" name="제목 1">
             <a:extLst>
               <a:ext uri="{FF2B5EF4-FFF2-40B4-BE49-F238E27FC236}">
-                <a16:creationId xmlns="" xmlns:a16="http://schemas.microsoft.com/office/drawing/2014/main" id="{2D7E6B8A-E1FD-472B-F033-346AC9F27163}"/>
+                <a16:creationId xmlns:a16="http://schemas.microsoft.com/office/drawing/2014/main" xmlns="" id="{2D7E6B8A-E1FD-472B-F033-346AC9F27163}"/>
               </a:ext>
             </a:extLst>
           </p:cNvPr>
@@ -6136,16 +7805,73 @@
               <a:t>슬라이드 </a:t>
             </a:r>
             <a:r>
+              <a:rPr lang="en-US" altLang="ko-KR" sz="2000" dirty="0" smtClean="0"/>
+              <a:t>9</a:t>
+            </a:r>
+            <a:r>
               <a:rPr lang="ko-KR" altLang="en-US" sz="2000" dirty="0" smtClean="0"/>
-              <a:t>페이지 </a:t>
-            </a:r>
-            <a:r>
-              <a:rPr lang="ko-KR" altLang="en-US" sz="2000" dirty="0"/>
-              <a:t>실습</a:t>
-            </a:r>
-          </a:p>
-        </p:txBody>
-      </p:sp>
+              <a:t>페이지 실습 </a:t>
+            </a:r>
+            <a:r>
+              <a:rPr lang="en-US" altLang="ko-KR" sz="2000" dirty="0" smtClean="0"/>
+              <a:t>– </a:t>
+            </a:r>
+            <a:r>
+              <a:rPr lang="ko-KR" altLang="en-US" sz="2000" dirty="0" smtClean="0"/>
+              <a:t>호감도 투표</a:t>
+            </a:r>
+            <a:endParaRPr lang="ko-KR" altLang="en-US" sz="2000" dirty="0"/>
+          </a:p>
+        </p:txBody>
+      </p:sp>
+      <p:pic>
+        <p:nvPicPr>
+          <p:cNvPr id="3" name="그림 2"/>
+          <p:cNvPicPr>
+            <a:picLocks noChangeAspect="1"/>
+          </p:cNvPicPr>
+          <p:nvPr/>
+        </p:nvPicPr>
+        <p:blipFill>
+          <a:blip r:embed="rId2"/>
+          <a:stretch>
+            <a:fillRect/>
+          </a:stretch>
+        </p:blipFill>
+        <p:spPr>
+          <a:xfrm>
+            <a:off x="3882679" y="1781921"/>
+            <a:ext cx="5095541" cy="1488221"/>
+          </a:xfrm>
+          <a:prstGeom prst="rect">
+            <a:avLst/>
+          </a:prstGeom>
+        </p:spPr>
+      </p:pic>
+      <p:pic>
+        <p:nvPicPr>
+          <p:cNvPr id="4" name="그림 3"/>
+          <p:cNvPicPr>
+            <a:picLocks noChangeAspect="1"/>
+          </p:cNvPicPr>
+          <p:nvPr/>
+        </p:nvPicPr>
+        <p:blipFill>
+          <a:blip r:embed="rId3"/>
+          <a:stretch>
+            <a:fillRect/>
+          </a:stretch>
+        </p:blipFill>
+        <p:spPr>
+          <a:xfrm>
+            <a:off x="2415759" y="4048011"/>
+            <a:ext cx="8029379" cy="663473"/>
+          </a:xfrm>
+          <a:prstGeom prst="rect">
+            <a:avLst/>
+          </a:prstGeom>
+        </p:spPr>
+      </p:pic>
     </p:spTree>
     <p:extLst>
       <p:ext uri="{BB962C8B-B14F-4D97-AF65-F5344CB8AC3E}">
@@ -6156,6 +7882,13 @@
   <p:clrMapOvr>
     <a:masterClrMapping/>
   </p:clrMapOvr>
+  <p:timing>
+    <p:tnLst>
+      <p:par>
+        <p:cTn id="1" dur="indefinite" restart="never" nodeType="tmRoot"/>
+      </p:par>
+    </p:tnLst>
+  </p:timing>
 </p:sld>
 </file>
 
@@ -6181,7 +7914,7 @@
           <p:cNvPr id="2" name="제목 1">
             <a:extLst>
               <a:ext uri="{FF2B5EF4-FFF2-40B4-BE49-F238E27FC236}">
-                <a16:creationId xmlns="" xmlns:a16="http://schemas.microsoft.com/office/drawing/2014/main" id="{2D7E6B8A-E1FD-472B-F033-346AC9F27163}"/>
+                <a16:creationId xmlns:a16="http://schemas.microsoft.com/office/drawing/2014/main" xmlns="" id="{2D7E6B8A-E1FD-472B-F033-346AC9F27163}"/>
               </a:ext>
             </a:extLst>
           </p:cNvPr>
@@ -6205,20 +7938,119 @@
           <a:lstStyle/>
           <a:p>
             <a:r>
-              <a:rPr lang="ko-KR" altLang="en-US" sz="2000" dirty="0"/>
+              <a:rPr lang="ko-KR" altLang="en-US" sz="2000"/>
               <a:t>슬라이드 </a:t>
             </a:r>
             <a:r>
-              <a:rPr lang="ko-KR" altLang="en-US" sz="2000" dirty="0" smtClean="0"/>
-              <a:t>페이지 </a:t>
-            </a:r>
-            <a:r>
-              <a:rPr lang="ko-KR" altLang="en-US" sz="2000" dirty="0"/>
-              <a:t>실습</a:t>
-            </a:r>
-          </a:p>
-        </p:txBody>
-      </p:sp>
+              <a:rPr lang="en-US" altLang="ko-KR" sz="2000"/>
+              <a:t>9</a:t>
+            </a:r>
+            <a:r>
+              <a:rPr lang="ko-KR" altLang="en-US" sz="2000"/>
+              <a:t>페이지 실습 </a:t>
+            </a:r>
+            <a:r>
+              <a:rPr lang="en-US" altLang="ko-KR" sz="2000"/>
+              <a:t>– </a:t>
+            </a:r>
+            <a:r>
+              <a:rPr lang="ko-KR" altLang="en-US" sz="2000"/>
+              <a:t>호감도 투표</a:t>
+            </a:r>
+            <a:endParaRPr lang="ko-KR" altLang="en-US" sz="2000" dirty="0"/>
+          </a:p>
+        </p:txBody>
+      </p:sp>
+      <p:pic>
+        <p:nvPicPr>
+          <p:cNvPr id="3" name="그림 2"/>
+          <p:cNvPicPr>
+            <a:picLocks noChangeAspect="1"/>
+          </p:cNvPicPr>
+          <p:nvPr/>
+        </p:nvPicPr>
+        <p:blipFill>
+          <a:blip r:embed="rId2"/>
+          <a:stretch>
+            <a:fillRect/>
+          </a:stretch>
+        </p:blipFill>
+        <p:spPr>
+          <a:xfrm>
+            <a:off x="2919096" y="476794"/>
+            <a:ext cx="7087612" cy="3431897"/>
+          </a:xfrm>
+          <a:prstGeom prst="rect">
+            <a:avLst/>
+          </a:prstGeom>
+        </p:spPr>
+      </p:pic>
+      <p:sp>
+        <p:nvSpPr>
+          <p:cNvPr id="4" name="TextBox 3"/>
+          <p:cNvSpPr txBox="1"/>
+          <p:nvPr/>
+        </p:nvSpPr>
+        <p:spPr>
+          <a:xfrm>
+            <a:off x="4657349" y="6256058"/>
+            <a:ext cx="3611105" cy="369332"/>
+          </a:xfrm>
+          <a:prstGeom prst="rect">
+            <a:avLst/>
+          </a:prstGeom>
+          <a:noFill/>
+        </p:spPr>
+        <p:txBody>
+          <a:bodyPr wrap="square" rtlCol="0">
+            <a:spAutoFit/>
+          </a:bodyPr>
+          <a:lstStyle/>
+          <a:p>
+            <a:r>
+              <a:rPr lang="en-US" altLang="ko-KR" dirty="0" err="1" smtClean="0"/>
+              <a:t>voteTable</a:t>
+            </a:r>
+            <a:r>
+              <a:rPr lang="ko-KR" altLang="en-US" dirty="0" smtClean="0"/>
+              <a:t>에 </a:t>
+            </a:r>
+            <a:r>
+              <a:rPr lang="ko-KR" altLang="en-US" dirty="0" err="1" smtClean="0"/>
+              <a:t>트와이스</a:t>
+            </a:r>
+            <a:r>
+              <a:rPr lang="ko-KR" altLang="en-US" dirty="0" smtClean="0"/>
+              <a:t> 데이터 입력</a:t>
+            </a:r>
+            <a:endParaRPr lang="ko-KR" altLang="en-US" dirty="0"/>
+          </a:p>
+        </p:txBody>
+      </p:sp>
+      <p:pic>
+        <p:nvPicPr>
+          <p:cNvPr id="6" name="그림 5"/>
+          <p:cNvPicPr>
+            <a:picLocks noChangeAspect="1"/>
+          </p:cNvPicPr>
+          <p:nvPr/>
+        </p:nvPicPr>
+        <p:blipFill>
+          <a:blip r:embed="rId3"/>
+          <a:stretch>
+            <a:fillRect/>
+          </a:stretch>
+        </p:blipFill>
+        <p:spPr>
+          <a:xfrm>
+            <a:off x="3657398" y="4086873"/>
+            <a:ext cx="5611008" cy="1991003"/>
+          </a:xfrm>
+          <a:prstGeom prst="rect">
+            <a:avLst/>
+          </a:prstGeom>
+        </p:spPr>
+      </p:pic>
     </p:spTree>
     <p:extLst>
       <p:ext uri="{BB962C8B-B14F-4D97-AF65-F5344CB8AC3E}">
@@ -6229,6 +8061,13 @@
   <p:clrMapOvr>
     <a:masterClrMapping/>
   </p:clrMapOvr>
+  <p:timing>
+    <p:tnLst>
+      <p:par>
+        <p:cTn id="1" dur="indefinite" restart="never" nodeType="tmRoot"/>
+      </p:par>
+    </p:tnLst>
+  </p:timing>
 </p:sld>
 </file>
 
@@ -6254,7 +8093,7 @@
           <p:cNvPr id="2" name="제목 1">
             <a:extLst>
               <a:ext uri="{FF2B5EF4-FFF2-40B4-BE49-F238E27FC236}">
-                <a16:creationId xmlns="" xmlns:a16="http://schemas.microsoft.com/office/drawing/2014/main" id="{2D7E6B8A-E1FD-472B-F033-346AC9F27163}"/>
+                <a16:creationId xmlns:a16="http://schemas.microsoft.com/office/drawing/2014/main" xmlns="" id="{2D7E6B8A-E1FD-472B-F033-346AC9F27163}"/>
               </a:ext>
             </a:extLst>
           </p:cNvPr>
@@ -6278,24 +8117,81 @@
           <a:lstStyle/>
           <a:p>
             <a:r>
-              <a:rPr lang="ko-KR" altLang="en-US" sz="2000" dirty="0"/>
+              <a:rPr lang="ko-KR" altLang="en-US" sz="2000"/>
               <a:t>슬라이드 </a:t>
             </a:r>
             <a:r>
-              <a:rPr lang="ko-KR" altLang="en-US" sz="2000" dirty="0" smtClean="0"/>
-              <a:t>페이지 </a:t>
-            </a:r>
-            <a:r>
-              <a:rPr lang="ko-KR" altLang="en-US" sz="2000" dirty="0"/>
-              <a:t>실습</a:t>
-            </a:r>
-          </a:p>
-        </p:txBody>
-      </p:sp>
+              <a:rPr lang="en-US" altLang="ko-KR" sz="2000"/>
+              <a:t>9</a:t>
+            </a:r>
+            <a:r>
+              <a:rPr lang="ko-KR" altLang="en-US" sz="2000"/>
+              <a:t>페이지 실습 </a:t>
+            </a:r>
+            <a:r>
+              <a:rPr lang="en-US" altLang="ko-KR" sz="2000"/>
+              <a:t>– </a:t>
+            </a:r>
+            <a:r>
+              <a:rPr lang="ko-KR" altLang="en-US" sz="2000"/>
+              <a:t>호감도 투표</a:t>
+            </a:r>
+            <a:endParaRPr lang="ko-KR" altLang="en-US" sz="2000" dirty="0"/>
+          </a:p>
+        </p:txBody>
+      </p:sp>
+      <p:pic>
+        <p:nvPicPr>
+          <p:cNvPr id="3" name="그림 2"/>
+          <p:cNvPicPr>
+            <a:picLocks noChangeAspect="1"/>
+          </p:cNvPicPr>
+          <p:nvPr/>
+        </p:nvPicPr>
+        <p:blipFill>
+          <a:blip r:embed="rId2"/>
+          <a:stretch>
+            <a:fillRect/>
+          </a:stretch>
+        </p:blipFill>
+        <p:spPr>
+          <a:xfrm>
+            <a:off x="1046253" y="745807"/>
+            <a:ext cx="10437506" cy="819521"/>
+          </a:xfrm>
+          <a:prstGeom prst="rect">
+            <a:avLst/>
+          </a:prstGeom>
+        </p:spPr>
+      </p:pic>
+      <p:pic>
+        <p:nvPicPr>
+          <p:cNvPr id="4" name="그림 3"/>
+          <p:cNvPicPr>
+            <a:picLocks noChangeAspect="1"/>
+          </p:cNvPicPr>
+          <p:nvPr/>
+        </p:nvPicPr>
+        <p:blipFill>
+          <a:blip r:embed="rId3"/>
+          <a:stretch>
+            <a:fillRect/>
+          </a:stretch>
+        </p:blipFill>
+        <p:spPr>
+          <a:xfrm>
+            <a:off x="4845057" y="2154529"/>
+            <a:ext cx="2315160" cy="3183345"/>
+          </a:xfrm>
+          <a:prstGeom prst="rect">
+            <a:avLst/>
+          </a:prstGeom>
+        </p:spPr>
+      </p:pic>
     </p:spTree>
     <p:extLst>
       <p:ext uri="{BB962C8B-B14F-4D97-AF65-F5344CB8AC3E}">
-        <p14:creationId xmlns:p14="http://schemas.microsoft.com/office/powerpoint/2010/main" val="1969607965"/>
+        <p14:creationId xmlns:p14="http://schemas.microsoft.com/office/powerpoint/2010/main" val="302432865"/>
       </p:ext>
     </p:extLst>
   </p:cSld>
@@ -6327,7 +8223,7 @@
           <p:cNvPr id="2" name="제목 1">
             <a:extLst>
               <a:ext uri="{FF2B5EF4-FFF2-40B4-BE49-F238E27FC236}">
-                <a16:creationId xmlns="" xmlns:a16="http://schemas.microsoft.com/office/drawing/2014/main" id="{2D7E6B8A-E1FD-472B-F033-346AC9F27163}"/>
+                <a16:creationId xmlns:a16="http://schemas.microsoft.com/office/drawing/2014/main" xmlns="" id="{2D7E6B8A-E1FD-472B-F033-346AC9F27163}"/>
               </a:ext>
             </a:extLst>
           </p:cNvPr>
@@ -6351,24 +8247,111 @@
           <a:lstStyle/>
           <a:p>
             <a:r>
-              <a:rPr lang="ko-KR" altLang="en-US" sz="2000" dirty="0"/>
+              <a:rPr lang="ko-KR" altLang="en-US" sz="2000"/>
               <a:t>슬라이드 </a:t>
             </a:r>
             <a:r>
-              <a:rPr lang="ko-KR" altLang="en-US" sz="2000" dirty="0" smtClean="0"/>
-              <a:t>페이지 </a:t>
-            </a:r>
-            <a:r>
-              <a:rPr lang="ko-KR" altLang="en-US" sz="2000" dirty="0"/>
-              <a:t>실습</a:t>
-            </a:r>
-          </a:p>
-        </p:txBody>
-      </p:sp>
+              <a:rPr lang="en-US" altLang="ko-KR" sz="2000"/>
+              <a:t>9</a:t>
+            </a:r>
+            <a:r>
+              <a:rPr lang="ko-KR" altLang="en-US" sz="2000"/>
+              <a:t>페이지 실습 </a:t>
+            </a:r>
+            <a:r>
+              <a:rPr lang="en-US" altLang="ko-KR" sz="2000"/>
+              <a:t>– </a:t>
+            </a:r>
+            <a:r>
+              <a:rPr lang="ko-KR" altLang="en-US" sz="2000"/>
+              <a:t>호감도 투표</a:t>
+            </a:r>
+            <a:endParaRPr lang="ko-KR" altLang="en-US" sz="2000" dirty="0"/>
+          </a:p>
+        </p:txBody>
+      </p:sp>
+      <p:pic>
+        <p:nvPicPr>
+          <p:cNvPr id="4" name="그림 3"/>
+          <p:cNvPicPr>
+            <a:picLocks noChangeAspect="1"/>
+          </p:cNvPicPr>
+          <p:nvPr/>
+        </p:nvPicPr>
+        <p:blipFill>
+          <a:blip r:embed="rId2"/>
+          <a:stretch>
+            <a:fillRect/>
+          </a:stretch>
+        </p:blipFill>
+        <p:spPr>
+          <a:xfrm>
+            <a:off x="4895178" y="2671251"/>
+            <a:ext cx="2638291" cy="2245005"/>
+          </a:xfrm>
+          <a:prstGeom prst="rect">
+            <a:avLst/>
+          </a:prstGeom>
+        </p:spPr>
+      </p:pic>
+      <p:sp>
+        <p:nvSpPr>
+          <p:cNvPr id="5" name="TextBox 4"/>
+          <p:cNvSpPr txBox="1"/>
+          <p:nvPr/>
+        </p:nvSpPr>
+        <p:spPr>
+          <a:xfrm>
+            <a:off x="4717550" y="5603724"/>
+            <a:ext cx="3084163" cy="369332"/>
+          </a:xfrm>
+          <a:prstGeom prst="rect">
+            <a:avLst/>
+          </a:prstGeom>
+          <a:noFill/>
+        </p:spPr>
+        <p:txBody>
+          <a:bodyPr wrap="square" rtlCol="0">
+            <a:spAutoFit/>
+          </a:bodyPr>
+          <a:lstStyle/>
+          <a:p>
+            <a:r>
+              <a:rPr lang="ko-KR" altLang="en-US" smtClean="0"/>
+              <a:t>나연에 대한 연령대별 투표</a:t>
+            </a:r>
+            <a:endParaRPr lang="ko-KR" altLang="en-US"/>
+          </a:p>
+        </p:txBody>
+      </p:sp>
+      <p:pic>
+        <p:nvPicPr>
+          <p:cNvPr id="7" name="그림 6"/>
+          <p:cNvPicPr>
+            <a:picLocks noChangeAspect="1"/>
+          </p:cNvPicPr>
+          <p:nvPr/>
+        </p:nvPicPr>
+        <p:blipFill>
+          <a:blip r:embed="rId3"/>
+          <a:stretch>
+            <a:fillRect/>
+          </a:stretch>
+        </p:blipFill>
+        <p:spPr>
+          <a:xfrm>
+            <a:off x="1462342" y="935555"/>
+            <a:ext cx="9594577" cy="1276934"/>
+          </a:xfrm>
+          <a:prstGeom prst="rect">
+            <a:avLst/>
+          </a:prstGeom>
+        </p:spPr>
+      </p:pic>
     </p:spTree>
     <p:extLst>
       <p:ext uri="{BB962C8B-B14F-4D97-AF65-F5344CB8AC3E}">
-        <p14:creationId xmlns:p14="http://schemas.microsoft.com/office/powerpoint/2010/main" val="302432865"/>
+        <p14:creationId xmlns:p14="http://schemas.microsoft.com/office/powerpoint/2010/main" val="4133499252"/>
       </p:ext>
     </p:extLst>
   </p:cSld>
@@ -6400,7 +8383,7 @@
           <p:cNvPr id="2" name="제목 1">
             <a:extLst>
               <a:ext uri="{FF2B5EF4-FFF2-40B4-BE49-F238E27FC236}">
-                <a16:creationId xmlns="" xmlns:a16="http://schemas.microsoft.com/office/drawing/2014/main" id="{2D7E6B8A-E1FD-472B-F033-346AC9F27163}"/>
+                <a16:creationId xmlns:a16="http://schemas.microsoft.com/office/drawing/2014/main" xmlns="" id="{2D7E6B8A-E1FD-472B-F033-346AC9F27163}"/>
               </a:ext>
             </a:extLst>
           </p:cNvPr>
@@ -6428,26 +8411,124 @@
               <a:t>슬라이드 </a:t>
             </a:r>
             <a:r>
-              <a:rPr lang="ko-KR" altLang="en-US" sz="2000" dirty="0" smtClean="0"/>
-              <a:t>페이지 </a:t>
+              <a:rPr lang="en-US" altLang="ko-KR" sz="2000" dirty="0"/>
+              <a:t>9</a:t>
             </a:r>
             <a:r>
               <a:rPr lang="ko-KR" altLang="en-US" sz="2000" dirty="0"/>
-              <a:t>실습</a:t>
-            </a:r>
-          </a:p>
-        </p:txBody>
-      </p:sp>
+              <a:t>페이지 실습 </a:t>
+            </a:r>
+            <a:r>
+              <a:rPr lang="en-US" altLang="ko-KR" sz="2000" dirty="0"/>
+              <a:t>– </a:t>
+            </a:r>
+            <a:r>
+              <a:rPr lang="ko-KR" altLang="en-US" sz="2000" dirty="0"/>
+              <a:t>호감도 투표</a:t>
+            </a:r>
+            <a:endParaRPr lang="ko-KR" altLang="en-US" sz="2000" dirty="0"/>
+          </a:p>
+        </p:txBody>
+      </p:sp>
+      <p:sp>
+        <p:nvSpPr>
+          <p:cNvPr id="6" name="TextBox 5"/>
+          <p:cNvSpPr txBox="1"/>
+          <p:nvPr/>
+        </p:nvSpPr>
+        <p:spPr>
+          <a:xfrm>
+            <a:off x="4738954" y="5432293"/>
+            <a:ext cx="3084163" cy="369332"/>
+          </a:xfrm>
+          <a:prstGeom prst="rect">
+            <a:avLst/>
+          </a:prstGeom>
+          <a:noFill/>
+        </p:spPr>
+        <p:txBody>
+          <a:bodyPr wrap="square" rtlCol="0">
+            <a:spAutoFit/>
+          </a:bodyPr>
+          <a:lstStyle/>
+          <a:p>
+            <a:r>
+              <a:rPr lang="ko-KR" altLang="en-US" dirty="0"/>
+              <a:t>정</a:t>
+            </a:r>
+            <a:r>
+              <a:rPr lang="ko-KR" altLang="en-US" dirty="0" smtClean="0"/>
+              <a:t>연에 대한 연령대별 투표</a:t>
+            </a:r>
+            <a:endParaRPr lang="ko-KR" altLang="en-US" dirty="0"/>
+          </a:p>
+        </p:txBody>
+      </p:sp>
+      <p:pic>
+        <p:nvPicPr>
+          <p:cNvPr id="7" name="그림 6"/>
+          <p:cNvPicPr>
+            <a:picLocks noChangeAspect="1"/>
+          </p:cNvPicPr>
+          <p:nvPr/>
+        </p:nvPicPr>
+        <p:blipFill>
+          <a:blip r:embed="rId2"/>
+          <a:stretch>
+            <a:fillRect/>
+          </a:stretch>
+        </p:blipFill>
+        <p:spPr>
+          <a:xfrm>
+            <a:off x="1618951" y="817368"/>
+            <a:ext cx="9324168" cy="1315819"/>
+          </a:xfrm>
+          <a:prstGeom prst="rect">
+            <a:avLst/>
+          </a:prstGeom>
+        </p:spPr>
+      </p:pic>
+      <p:pic>
+        <p:nvPicPr>
+          <p:cNvPr id="8" name="그림 7"/>
+          <p:cNvPicPr>
+            <a:picLocks noChangeAspect="1"/>
+          </p:cNvPicPr>
+          <p:nvPr/>
+        </p:nvPicPr>
+        <p:blipFill>
+          <a:blip r:embed="rId3"/>
+          <a:stretch>
+            <a:fillRect/>
+          </a:stretch>
+        </p:blipFill>
+        <p:spPr>
+          <a:xfrm>
+            <a:off x="5029278" y="2439669"/>
+            <a:ext cx="2503513" cy="2672461"/>
+          </a:xfrm>
+          <a:prstGeom prst="rect">
+            <a:avLst/>
+          </a:prstGeom>
+        </p:spPr>
+      </p:pic>
     </p:spTree>
     <p:extLst>
       <p:ext uri="{BB962C8B-B14F-4D97-AF65-F5344CB8AC3E}">
-        <p14:creationId xmlns:p14="http://schemas.microsoft.com/office/powerpoint/2010/main" val="4133499252"/>
+        <p14:creationId xmlns:p14="http://schemas.microsoft.com/office/powerpoint/2010/main" val="1969607965"/>
       </p:ext>
     </p:extLst>
   </p:cSld>
   <p:clrMapOvr>
     <a:masterClrMapping/>
   </p:clrMapOvr>
+  <p:timing>
+    <p:tnLst>
+      <p:par>
+        <p:cTn id="1" dur="indefinite" restart="never" nodeType="tmRoot"/>
+      </p:par>
+    </p:tnLst>
+  </p:timing>
 </p:sld>
 </file>
 
@@ -6473,7 +8554,7 @@
           <p:cNvPr id="2" name="제목 1">
             <a:extLst>
               <a:ext uri="{FF2B5EF4-FFF2-40B4-BE49-F238E27FC236}">
-                <a16:creationId xmlns="" xmlns:a16="http://schemas.microsoft.com/office/drawing/2014/main" id="{2D7E6B8A-E1FD-472B-F033-346AC9F27163}"/>
+                <a16:creationId xmlns:a16="http://schemas.microsoft.com/office/drawing/2014/main" xmlns="" id="{2D7E6B8A-E1FD-472B-F033-346AC9F27163}"/>
               </a:ext>
             </a:extLst>
           </p:cNvPr>
@@ -6512,7 +8593,6 @@
               <a:rPr lang="ko-KR" altLang="en-US" sz="2000" dirty="0"/>
               <a:t>실습</a:t>
             </a:r>
-            <a:endParaRPr lang="ko-KR" altLang="en-US" sz="2000" dirty="0"/>
           </a:p>
         </p:txBody>
       </p:sp>
@@ -6620,7 +8700,7 @@
           <p:cNvPr id="2" name="제목 1">
             <a:extLst>
               <a:ext uri="{FF2B5EF4-FFF2-40B4-BE49-F238E27FC236}">
-                <a16:creationId xmlns="" xmlns:a16="http://schemas.microsoft.com/office/drawing/2014/main" id="{2D7E6B8A-E1FD-472B-F033-346AC9F27163}"/>
+                <a16:creationId xmlns:a16="http://schemas.microsoft.com/office/drawing/2014/main" xmlns="" id="{2D7E6B8A-E1FD-472B-F033-346AC9F27163}"/>
               </a:ext>
             </a:extLst>
           </p:cNvPr>
@@ -6648,16 +8728,69 @@
               <a:t>슬라이드 </a:t>
             </a:r>
             <a:r>
+              <a:rPr lang="en-US" altLang="ko-KR" sz="2000" dirty="0" smtClean="0"/>
+              <a:t>11</a:t>
+            </a:r>
+            <a:r>
               <a:rPr lang="ko-KR" altLang="en-US" sz="2000" dirty="0" smtClean="0"/>
-              <a:t>페이지 </a:t>
-            </a:r>
-            <a:r>
-              <a:rPr lang="ko-KR" altLang="en-US" sz="2000" dirty="0"/>
-              <a:t>실습</a:t>
-            </a:r>
-          </a:p>
-        </p:txBody>
-      </p:sp>
+              <a:t>페이지 실습 </a:t>
+            </a:r>
+            <a:r>
+              <a:rPr lang="en-US" altLang="ko-KR" sz="2000" dirty="0" smtClean="0"/>
+              <a:t>– procedure</a:t>
+            </a:r>
+            <a:endParaRPr lang="ko-KR" altLang="en-US" sz="2000" dirty="0"/>
+          </a:p>
+        </p:txBody>
+      </p:sp>
+      <p:pic>
+        <p:nvPicPr>
+          <p:cNvPr id="3" name="그림 2"/>
+          <p:cNvPicPr>
+            <a:picLocks noChangeAspect="1"/>
+          </p:cNvPicPr>
+          <p:nvPr/>
+        </p:nvPicPr>
+        <p:blipFill>
+          <a:blip r:embed="rId2"/>
+          <a:stretch>
+            <a:fillRect/>
+          </a:stretch>
+        </p:blipFill>
+        <p:spPr>
+          <a:xfrm>
+            <a:off x="2921603" y="602513"/>
+            <a:ext cx="6782747" cy="4382112"/>
+          </a:xfrm>
+          <a:prstGeom prst="rect">
+            <a:avLst/>
+          </a:prstGeom>
+        </p:spPr>
+      </p:pic>
+      <p:pic>
+        <p:nvPicPr>
+          <p:cNvPr id="4" name="그림 3"/>
+          <p:cNvPicPr>
+            <a:picLocks noChangeAspect="1"/>
+          </p:cNvPicPr>
+          <p:nvPr/>
+        </p:nvPicPr>
+        <p:blipFill>
+          <a:blip r:embed="rId3"/>
+          <a:stretch>
+            <a:fillRect/>
+          </a:stretch>
+        </p:blipFill>
+        <p:spPr>
+          <a:xfrm>
+            <a:off x="2797616" y="5641384"/>
+            <a:ext cx="7201221" cy="639016"/>
+          </a:xfrm>
+          <a:prstGeom prst="rect">
+            <a:avLst/>
+          </a:prstGeom>
+        </p:spPr>
+      </p:pic>
     </p:spTree>
     <p:extLst>
       <p:ext uri="{BB962C8B-B14F-4D97-AF65-F5344CB8AC3E}">
@@ -6668,6 +8801,1320 @@
   <p:clrMapOvr>
     <a:masterClrMapping/>
   </p:clrMapOvr>
+  <p:timing>
+    <p:tnLst>
+      <p:par>
+        <p:cTn id="1" dur="indefinite" restart="never" nodeType="tmRoot"/>
+      </p:par>
+    </p:tnLst>
+  </p:timing>
+</p:sld>
+</file>
+
+<file path=ppt/slides/slide31.xml><?xml version="1.0" encoding="utf-8"?>
+<p:sld xmlns:a="http://schemas.openxmlformats.org/drawingml/2006/main" xmlns:r="http://schemas.openxmlformats.org/officeDocument/2006/relationships" xmlns:p="http://schemas.openxmlformats.org/presentationml/2006/main">
+  <p:cSld>
+    <p:spTree>
+      <p:nvGrpSpPr>
+        <p:cNvPr id="1" name=""/>
+        <p:cNvGrpSpPr/>
+        <p:nvPr/>
+      </p:nvGrpSpPr>
+      <p:grpSpPr>
+        <a:xfrm>
+          <a:off x="0" y="0"/>
+          <a:ext cx="0" cy="0"/>
+          <a:chOff x="0" y="0"/>
+          <a:chExt cx="0" cy="0"/>
+        </a:xfrm>
+      </p:grpSpPr>
+      <p:sp>
+        <p:nvSpPr>
+          <p:cNvPr id="2" name="제목 1">
+            <a:extLst>
+              <a:ext uri="{FF2B5EF4-FFF2-40B4-BE49-F238E27FC236}">
+                <a16:creationId xmlns:a16="http://schemas.microsoft.com/office/drawing/2014/main" xmlns="" id="{2D7E6B8A-E1FD-472B-F033-346AC9F27163}"/>
+              </a:ext>
+            </a:extLst>
+          </p:cNvPr>
+          <p:cNvSpPr>
+            <a:spLocks noGrp="1"/>
+          </p:cNvSpPr>
+          <p:nvPr>
+            <p:ph type="title"/>
+          </p:nvPr>
+        </p:nvSpPr>
+        <p:spPr>
+          <a:xfrm>
+            <a:off x="705394" y="0"/>
+            <a:ext cx="9601200" cy="476794"/>
+          </a:xfrm>
+        </p:spPr>
+        <p:txBody>
+          <a:bodyPr>
+            <a:normAutofit/>
+          </a:bodyPr>
+          <a:lstStyle/>
+          <a:p>
+            <a:r>
+              <a:rPr lang="ko-KR" altLang="en-US" sz="2000" dirty="0"/>
+              <a:t>슬라이드 </a:t>
+            </a:r>
+            <a:r>
+              <a:rPr lang="en-US" altLang="ko-KR" sz="2000" dirty="0"/>
+              <a:t>11</a:t>
+            </a:r>
+            <a:r>
+              <a:rPr lang="ko-KR" altLang="en-US" sz="2000" dirty="0"/>
+              <a:t>페이지 실습 </a:t>
+            </a:r>
+            <a:r>
+              <a:rPr lang="en-US" altLang="ko-KR" sz="2000" dirty="0"/>
+              <a:t>– </a:t>
+            </a:r>
+            <a:r>
+              <a:rPr lang="en-US" altLang="ko-KR" sz="2000" dirty="0" smtClean="0"/>
+              <a:t>procedure</a:t>
+            </a:r>
+            <a:endParaRPr lang="ko-KR" altLang="en-US" sz="2000" dirty="0"/>
+          </a:p>
+        </p:txBody>
+      </p:sp>
+      <p:pic>
+        <p:nvPicPr>
+          <p:cNvPr id="3" name="그림 2"/>
+          <p:cNvPicPr>
+            <a:picLocks noChangeAspect="1"/>
+          </p:cNvPicPr>
+          <p:nvPr/>
+        </p:nvPicPr>
+        <p:blipFill>
+          <a:blip r:embed="rId2"/>
+          <a:stretch>
+            <a:fillRect/>
+          </a:stretch>
+        </p:blipFill>
+        <p:spPr>
+          <a:xfrm>
+            <a:off x="2427911" y="2216257"/>
+            <a:ext cx="6942815" cy="717717"/>
+          </a:xfrm>
+          <a:prstGeom prst="rect">
+            <a:avLst/>
+          </a:prstGeom>
+        </p:spPr>
+      </p:pic>
+      <p:pic>
+        <p:nvPicPr>
+          <p:cNvPr id="4" name="그림 3"/>
+          <p:cNvPicPr>
+            <a:picLocks noChangeAspect="1"/>
+          </p:cNvPicPr>
+          <p:nvPr/>
+        </p:nvPicPr>
+        <p:blipFill>
+          <a:blip r:embed="rId3"/>
+          <a:stretch>
+            <a:fillRect/>
+          </a:stretch>
+        </p:blipFill>
+        <p:spPr>
+          <a:xfrm>
+            <a:off x="4936202" y="3921737"/>
+            <a:ext cx="1926231" cy="751700"/>
+          </a:xfrm>
+          <a:prstGeom prst="rect">
+            <a:avLst/>
+          </a:prstGeom>
+        </p:spPr>
+      </p:pic>
+    </p:spTree>
+    <p:extLst>
+      <p:ext uri="{BB962C8B-B14F-4D97-AF65-F5344CB8AC3E}">
+        <p14:creationId xmlns:p14="http://schemas.microsoft.com/office/powerpoint/2010/main" val="2228565221"/>
+      </p:ext>
+    </p:extLst>
+  </p:cSld>
+  <p:clrMapOvr>
+    <a:masterClrMapping/>
+  </p:clrMapOvr>
+  <p:timing>
+    <p:tnLst>
+      <p:par>
+        <p:cTn id="1" dur="indefinite" restart="never" nodeType="tmRoot"/>
+      </p:par>
+    </p:tnLst>
+  </p:timing>
+</p:sld>
+</file>
+
+<file path=ppt/slides/slide32.xml><?xml version="1.0" encoding="utf-8"?>
+<p:sld xmlns:a="http://schemas.openxmlformats.org/drawingml/2006/main" xmlns:r="http://schemas.openxmlformats.org/officeDocument/2006/relationships" xmlns:p="http://schemas.openxmlformats.org/presentationml/2006/main">
+  <p:cSld>
+    <p:spTree>
+      <p:nvGrpSpPr>
+        <p:cNvPr id="1" name=""/>
+        <p:cNvGrpSpPr/>
+        <p:nvPr/>
+      </p:nvGrpSpPr>
+      <p:grpSpPr>
+        <a:xfrm>
+          <a:off x="0" y="0"/>
+          <a:ext cx="0" cy="0"/>
+          <a:chOff x="0" y="0"/>
+          <a:chExt cx="0" cy="0"/>
+        </a:xfrm>
+      </p:grpSpPr>
+      <p:sp>
+        <p:nvSpPr>
+          <p:cNvPr id="2" name="제목 1">
+            <a:extLst>
+              <a:ext uri="{FF2B5EF4-FFF2-40B4-BE49-F238E27FC236}">
+                <a16:creationId xmlns:a16="http://schemas.microsoft.com/office/drawing/2014/main" xmlns="" id="{2D7E6B8A-E1FD-472B-F033-346AC9F27163}"/>
+              </a:ext>
+            </a:extLst>
+          </p:cNvPr>
+          <p:cNvSpPr>
+            <a:spLocks noGrp="1"/>
+          </p:cNvSpPr>
+          <p:nvPr>
+            <p:ph type="title"/>
+          </p:nvPr>
+        </p:nvSpPr>
+        <p:spPr>
+          <a:xfrm>
+            <a:off x="705394" y="0"/>
+            <a:ext cx="9601200" cy="476794"/>
+          </a:xfrm>
+        </p:spPr>
+        <p:txBody>
+          <a:bodyPr>
+            <a:normAutofit/>
+          </a:bodyPr>
+          <a:lstStyle/>
+          <a:p>
+            <a:r>
+              <a:rPr lang="ko-KR" altLang="en-US" sz="2000" dirty="0"/>
+              <a:t>슬라이드 </a:t>
+            </a:r>
+            <a:r>
+              <a:rPr lang="en-US" altLang="ko-KR" sz="2000" dirty="0" smtClean="0"/>
+              <a:t>12</a:t>
+            </a:r>
+            <a:r>
+              <a:rPr lang="ko-KR" altLang="en-US" sz="2000" dirty="0" smtClean="0"/>
+              <a:t>페이지 </a:t>
+            </a:r>
+            <a:r>
+              <a:rPr lang="ko-KR" altLang="en-US" sz="2000" dirty="0"/>
+              <a:t>실습 </a:t>
+            </a:r>
+            <a:r>
+              <a:rPr lang="en-US" altLang="ko-KR" sz="2000" dirty="0" smtClean="0"/>
+              <a:t>– </a:t>
+            </a:r>
+            <a:r>
+              <a:rPr lang="en-US" altLang="ko-KR" sz="2000" dirty="0"/>
+              <a:t>function</a:t>
+            </a:r>
+            <a:endParaRPr lang="ko-KR" altLang="en-US" sz="2000" dirty="0"/>
+          </a:p>
+        </p:txBody>
+      </p:sp>
+      <p:pic>
+        <p:nvPicPr>
+          <p:cNvPr id="3" name="그림 2"/>
+          <p:cNvPicPr>
+            <a:picLocks noChangeAspect="1"/>
+          </p:cNvPicPr>
+          <p:nvPr/>
+        </p:nvPicPr>
+        <p:blipFill>
+          <a:blip r:embed="rId2"/>
+          <a:stretch>
+            <a:fillRect/>
+          </a:stretch>
+        </p:blipFill>
+        <p:spPr>
+          <a:xfrm>
+            <a:off x="2280560" y="1255363"/>
+            <a:ext cx="8026034" cy="2568331"/>
+          </a:xfrm>
+          <a:prstGeom prst="rect">
+            <a:avLst/>
+          </a:prstGeom>
+        </p:spPr>
+      </p:pic>
+      <p:pic>
+        <p:nvPicPr>
+          <p:cNvPr id="4" name="그림 3"/>
+          <p:cNvPicPr>
+            <a:picLocks noChangeAspect="1"/>
+          </p:cNvPicPr>
+          <p:nvPr/>
+        </p:nvPicPr>
+        <p:blipFill>
+          <a:blip r:embed="rId3"/>
+          <a:stretch>
+            <a:fillRect/>
+          </a:stretch>
+        </p:blipFill>
+        <p:spPr>
+          <a:xfrm>
+            <a:off x="2611658" y="4813400"/>
+            <a:ext cx="7363837" cy="637616"/>
+          </a:xfrm>
+          <a:prstGeom prst="rect">
+            <a:avLst/>
+          </a:prstGeom>
+        </p:spPr>
+      </p:pic>
+    </p:spTree>
+    <p:extLst>
+      <p:ext uri="{BB962C8B-B14F-4D97-AF65-F5344CB8AC3E}">
+        <p14:creationId xmlns:p14="http://schemas.microsoft.com/office/powerpoint/2010/main" val="3909640387"/>
+      </p:ext>
+    </p:extLst>
+  </p:cSld>
+  <p:clrMapOvr>
+    <a:masterClrMapping/>
+  </p:clrMapOvr>
+  <p:timing>
+    <p:tnLst>
+      <p:par>
+        <p:cTn id="1" dur="indefinite" restart="never" nodeType="tmRoot"/>
+      </p:par>
+    </p:tnLst>
+  </p:timing>
+</p:sld>
+</file>
+
+<file path=ppt/slides/slide33.xml><?xml version="1.0" encoding="utf-8"?>
+<p:sld xmlns:a="http://schemas.openxmlformats.org/drawingml/2006/main" xmlns:r="http://schemas.openxmlformats.org/officeDocument/2006/relationships" xmlns:p="http://schemas.openxmlformats.org/presentationml/2006/main">
+  <p:cSld>
+    <p:spTree>
+      <p:nvGrpSpPr>
+        <p:cNvPr id="1" name=""/>
+        <p:cNvGrpSpPr/>
+        <p:nvPr/>
+      </p:nvGrpSpPr>
+      <p:grpSpPr>
+        <a:xfrm>
+          <a:off x="0" y="0"/>
+          <a:ext cx="0" cy="0"/>
+          <a:chOff x="0" y="0"/>
+          <a:chExt cx="0" cy="0"/>
+        </a:xfrm>
+      </p:grpSpPr>
+      <p:sp>
+        <p:nvSpPr>
+          <p:cNvPr id="2" name="제목 1">
+            <a:extLst>
+              <a:ext uri="{FF2B5EF4-FFF2-40B4-BE49-F238E27FC236}">
+                <a16:creationId xmlns:a16="http://schemas.microsoft.com/office/drawing/2014/main" xmlns="" id="{2D7E6B8A-E1FD-472B-F033-346AC9F27163}"/>
+              </a:ext>
+            </a:extLst>
+          </p:cNvPr>
+          <p:cNvSpPr>
+            <a:spLocks noGrp="1"/>
+          </p:cNvSpPr>
+          <p:nvPr>
+            <p:ph type="title"/>
+          </p:nvPr>
+        </p:nvSpPr>
+        <p:spPr>
+          <a:xfrm>
+            <a:off x="705394" y="0"/>
+            <a:ext cx="9601200" cy="476794"/>
+          </a:xfrm>
+        </p:spPr>
+        <p:txBody>
+          <a:bodyPr>
+            <a:normAutofit/>
+          </a:bodyPr>
+          <a:lstStyle/>
+          <a:p>
+            <a:r>
+              <a:rPr lang="ko-KR" altLang="en-US" sz="2000" dirty="0"/>
+              <a:t>슬라이드 </a:t>
+            </a:r>
+            <a:r>
+              <a:rPr lang="en-US" altLang="ko-KR" sz="2000" dirty="0" smtClean="0"/>
+              <a:t>12</a:t>
+            </a:r>
+            <a:r>
+              <a:rPr lang="ko-KR" altLang="en-US" sz="2000" dirty="0" smtClean="0"/>
+              <a:t>페이지 </a:t>
+            </a:r>
+            <a:r>
+              <a:rPr lang="ko-KR" altLang="en-US" sz="2000" dirty="0"/>
+              <a:t>실습 </a:t>
+            </a:r>
+            <a:r>
+              <a:rPr lang="en-US" altLang="ko-KR" sz="2000" dirty="0" smtClean="0"/>
+              <a:t>– function</a:t>
+            </a:r>
+            <a:endParaRPr lang="ko-KR" altLang="en-US" sz="2000" dirty="0"/>
+          </a:p>
+        </p:txBody>
+      </p:sp>
+      <p:pic>
+        <p:nvPicPr>
+          <p:cNvPr id="3" name="그림 2"/>
+          <p:cNvPicPr>
+            <a:picLocks noChangeAspect="1"/>
+          </p:cNvPicPr>
+          <p:nvPr/>
+        </p:nvPicPr>
+        <p:blipFill>
+          <a:blip r:embed="rId2"/>
+          <a:stretch>
+            <a:fillRect/>
+          </a:stretch>
+        </p:blipFill>
+        <p:spPr>
+          <a:xfrm>
+            <a:off x="1965960" y="987592"/>
+            <a:ext cx="7964126" cy="422753"/>
+          </a:xfrm>
+          <a:prstGeom prst="rect">
+            <a:avLst/>
+          </a:prstGeom>
+        </p:spPr>
+      </p:pic>
+      <p:pic>
+        <p:nvPicPr>
+          <p:cNvPr id="4" name="그림 3"/>
+          <p:cNvPicPr>
+            <a:picLocks noChangeAspect="1"/>
+          </p:cNvPicPr>
+          <p:nvPr/>
+        </p:nvPicPr>
+        <p:blipFill>
+          <a:blip r:embed="rId3"/>
+          <a:stretch>
+            <a:fillRect/>
+          </a:stretch>
+        </p:blipFill>
+        <p:spPr>
+          <a:xfrm>
+            <a:off x="4019892" y="1781657"/>
+            <a:ext cx="3899741" cy="4679689"/>
+          </a:xfrm>
+          <a:prstGeom prst="rect">
+            <a:avLst/>
+          </a:prstGeom>
+        </p:spPr>
+      </p:pic>
+    </p:spTree>
+    <p:extLst>
+      <p:ext uri="{BB962C8B-B14F-4D97-AF65-F5344CB8AC3E}">
+        <p14:creationId xmlns:p14="http://schemas.microsoft.com/office/powerpoint/2010/main" val="2425447669"/>
+      </p:ext>
+    </p:extLst>
+  </p:cSld>
+  <p:clrMapOvr>
+    <a:masterClrMapping/>
+  </p:clrMapOvr>
+  <p:timing>
+    <p:tnLst>
+      <p:par>
+        <p:cTn id="1" dur="indefinite" restart="never" nodeType="tmRoot"/>
+      </p:par>
+    </p:tnLst>
+  </p:timing>
+</p:sld>
+</file>
+
+<file path=ppt/slides/slide34.xml><?xml version="1.0" encoding="utf-8"?>
+<p:sld xmlns:a="http://schemas.openxmlformats.org/drawingml/2006/main" xmlns:r="http://schemas.openxmlformats.org/officeDocument/2006/relationships" xmlns:p="http://schemas.openxmlformats.org/presentationml/2006/main">
+  <p:cSld>
+    <p:spTree>
+      <p:nvGrpSpPr>
+        <p:cNvPr id="1" name=""/>
+        <p:cNvGrpSpPr/>
+        <p:nvPr/>
+      </p:nvGrpSpPr>
+      <p:grpSpPr>
+        <a:xfrm>
+          <a:off x="0" y="0"/>
+          <a:ext cx="0" cy="0"/>
+          <a:chOff x="0" y="0"/>
+          <a:chExt cx="0" cy="0"/>
+        </a:xfrm>
+      </p:grpSpPr>
+      <p:sp>
+        <p:nvSpPr>
+          <p:cNvPr id="2" name="제목 1">
+            <a:extLst>
+              <a:ext uri="{FF2B5EF4-FFF2-40B4-BE49-F238E27FC236}">
+                <a16:creationId xmlns:a16="http://schemas.microsoft.com/office/drawing/2014/main" xmlns="" id="{2D7E6B8A-E1FD-472B-F033-346AC9F27163}"/>
+              </a:ext>
+            </a:extLst>
+          </p:cNvPr>
+          <p:cNvSpPr>
+            <a:spLocks noGrp="1"/>
+          </p:cNvSpPr>
+          <p:nvPr>
+            <p:ph type="title"/>
+          </p:nvPr>
+        </p:nvSpPr>
+        <p:spPr>
+          <a:xfrm>
+            <a:off x="705394" y="0"/>
+            <a:ext cx="9601200" cy="476794"/>
+          </a:xfrm>
+        </p:spPr>
+        <p:txBody>
+          <a:bodyPr>
+            <a:normAutofit/>
+          </a:bodyPr>
+          <a:lstStyle/>
+          <a:p>
+            <a:r>
+              <a:rPr lang="ko-KR" altLang="en-US" sz="2000" dirty="0"/>
+              <a:t>슬라이드 </a:t>
+            </a:r>
+            <a:r>
+              <a:rPr lang="en-US" altLang="ko-KR" sz="2000" dirty="0" smtClean="0"/>
+              <a:t>14</a:t>
+            </a:r>
+            <a:r>
+              <a:rPr lang="ko-KR" altLang="en-US" sz="2000" dirty="0" smtClean="0"/>
+              <a:t>페이지 </a:t>
+            </a:r>
+            <a:r>
+              <a:rPr lang="ko-KR" altLang="en-US" sz="2000" dirty="0"/>
+              <a:t>실습 </a:t>
+            </a:r>
+            <a:r>
+              <a:rPr lang="en-US" altLang="ko-KR" sz="2000" dirty="0"/>
+              <a:t>– </a:t>
+            </a:r>
+            <a:r>
+              <a:rPr lang="ko-KR" altLang="en-US" sz="2000" dirty="0" smtClean="0"/>
+              <a:t>데이터</a:t>
+            </a:r>
+            <a:r>
+              <a:rPr lang="en-US" altLang="ko-KR" sz="2000" dirty="0" smtClean="0"/>
+              <a:t> </a:t>
+            </a:r>
+            <a:r>
+              <a:rPr lang="ko-KR" altLang="en-US" sz="2000" dirty="0" smtClean="0"/>
+              <a:t>가지고 놀기</a:t>
+            </a:r>
+            <a:endParaRPr lang="ko-KR" altLang="en-US" sz="2000" dirty="0"/>
+          </a:p>
+        </p:txBody>
+      </p:sp>
+      <p:pic>
+        <p:nvPicPr>
+          <p:cNvPr id="3" name="그림 2"/>
+          <p:cNvPicPr>
+            <a:picLocks noChangeAspect="1"/>
+          </p:cNvPicPr>
+          <p:nvPr/>
+        </p:nvPicPr>
+        <p:blipFill>
+          <a:blip r:embed="rId2"/>
+          <a:stretch>
+            <a:fillRect/>
+          </a:stretch>
+        </p:blipFill>
+        <p:spPr>
+          <a:xfrm>
+            <a:off x="3179734" y="476794"/>
+            <a:ext cx="5801535" cy="5210902"/>
+          </a:xfrm>
+          <a:prstGeom prst="rect">
+            <a:avLst/>
+          </a:prstGeom>
+        </p:spPr>
+      </p:pic>
+      <p:pic>
+        <p:nvPicPr>
+          <p:cNvPr id="4" name="그림 3"/>
+          <p:cNvPicPr>
+            <a:picLocks noChangeAspect="1"/>
+          </p:cNvPicPr>
+          <p:nvPr/>
+        </p:nvPicPr>
+        <p:blipFill>
+          <a:blip r:embed="rId3"/>
+          <a:stretch>
+            <a:fillRect/>
+          </a:stretch>
+        </p:blipFill>
+        <p:spPr>
+          <a:xfrm>
+            <a:off x="2380860" y="6044345"/>
+            <a:ext cx="7404228" cy="604427"/>
+          </a:xfrm>
+          <a:prstGeom prst="rect">
+            <a:avLst/>
+          </a:prstGeom>
+        </p:spPr>
+      </p:pic>
+    </p:spTree>
+    <p:extLst>
+      <p:ext uri="{BB962C8B-B14F-4D97-AF65-F5344CB8AC3E}">
+        <p14:creationId xmlns:p14="http://schemas.microsoft.com/office/powerpoint/2010/main" val="1685123557"/>
+      </p:ext>
+    </p:extLst>
+  </p:cSld>
+  <p:clrMapOvr>
+    <a:masterClrMapping/>
+  </p:clrMapOvr>
+</p:sld>
+</file>
+
+<file path=ppt/slides/slide35.xml><?xml version="1.0" encoding="utf-8"?>
+<p:sld xmlns:a="http://schemas.openxmlformats.org/drawingml/2006/main" xmlns:r="http://schemas.openxmlformats.org/officeDocument/2006/relationships" xmlns:p="http://schemas.openxmlformats.org/presentationml/2006/main">
+  <p:cSld>
+    <p:spTree>
+      <p:nvGrpSpPr>
+        <p:cNvPr id="1" name=""/>
+        <p:cNvGrpSpPr/>
+        <p:nvPr/>
+      </p:nvGrpSpPr>
+      <p:grpSpPr>
+        <a:xfrm>
+          <a:off x="0" y="0"/>
+          <a:ext cx="0" cy="0"/>
+          <a:chOff x="0" y="0"/>
+          <a:chExt cx="0" cy="0"/>
+        </a:xfrm>
+      </p:grpSpPr>
+      <p:sp>
+        <p:nvSpPr>
+          <p:cNvPr id="2" name="제목 1">
+            <a:extLst>
+              <a:ext uri="{FF2B5EF4-FFF2-40B4-BE49-F238E27FC236}">
+                <a16:creationId xmlns:a16="http://schemas.microsoft.com/office/drawing/2014/main" xmlns="" id="{2D7E6B8A-E1FD-472B-F033-346AC9F27163}"/>
+              </a:ext>
+            </a:extLst>
+          </p:cNvPr>
+          <p:cNvSpPr>
+            <a:spLocks noGrp="1"/>
+          </p:cNvSpPr>
+          <p:nvPr>
+            <p:ph type="title"/>
+          </p:nvPr>
+        </p:nvSpPr>
+        <p:spPr>
+          <a:xfrm>
+            <a:off x="705394" y="0"/>
+            <a:ext cx="9601200" cy="476794"/>
+          </a:xfrm>
+        </p:spPr>
+        <p:txBody>
+          <a:bodyPr>
+            <a:normAutofit/>
+          </a:bodyPr>
+          <a:lstStyle/>
+          <a:p>
+            <a:r>
+              <a:rPr lang="ko-KR" altLang="en-US" sz="2000"/>
+              <a:t>슬라이드 </a:t>
+            </a:r>
+            <a:r>
+              <a:rPr lang="en-US" altLang="ko-KR" sz="2000"/>
+              <a:t>14</a:t>
+            </a:r>
+            <a:r>
+              <a:rPr lang="ko-KR" altLang="en-US" sz="2000"/>
+              <a:t>페이지 실습 </a:t>
+            </a:r>
+            <a:r>
+              <a:rPr lang="en-US" altLang="ko-KR" sz="2000"/>
+              <a:t>– </a:t>
+            </a:r>
+            <a:r>
+              <a:rPr lang="ko-KR" altLang="en-US" sz="2000"/>
+              <a:t>데이터</a:t>
+            </a:r>
+            <a:r>
+              <a:rPr lang="en-US" altLang="ko-KR" sz="2000"/>
+              <a:t> </a:t>
+            </a:r>
+            <a:r>
+              <a:rPr lang="ko-KR" altLang="en-US" sz="2000"/>
+              <a:t>가지고 놀기</a:t>
+            </a:r>
+            <a:endParaRPr lang="ko-KR" altLang="en-US" sz="2000" dirty="0"/>
+          </a:p>
+        </p:txBody>
+      </p:sp>
+      <p:pic>
+        <p:nvPicPr>
+          <p:cNvPr id="3" name="그림 2"/>
+          <p:cNvPicPr>
+            <a:picLocks noChangeAspect="1"/>
+          </p:cNvPicPr>
+          <p:nvPr/>
+        </p:nvPicPr>
+        <p:blipFill>
+          <a:blip r:embed="rId2"/>
+          <a:stretch>
+            <a:fillRect/>
+          </a:stretch>
+        </p:blipFill>
+        <p:spPr>
+          <a:xfrm>
+            <a:off x="3176235" y="646703"/>
+            <a:ext cx="6218798" cy="670654"/>
+          </a:xfrm>
+          <a:prstGeom prst="rect">
+            <a:avLst/>
+          </a:prstGeom>
+        </p:spPr>
+      </p:pic>
+      <p:pic>
+        <p:nvPicPr>
+          <p:cNvPr id="4" name="그림 3"/>
+          <p:cNvPicPr>
+            <a:picLocks noChangeAspect="1"/>
+          </p:cNvPicPr>
+          <p:nvPr/>
+        </p:nvPicPr>
+        <p:blipFill>
+          <a:blip r:embed="rId3"/>
+          <a:stretch>
+            <a:fillRect/>
+          </a:stretch>
+        </p:blipFill>
+        <p:spPr>
+          <a:xfrm>
+            <a:off x="2525467" y="1716606"/>
+            <a:ext cx="3332892" cy="4821766"/>
+          </a:xfrm>
+          <a:prstGeom prst="rect">
+            <a:avLst/>
+          </a:prstGeom>
+        </p:spPr>
+      </p:pic>
+      <p:pic>
+        <p:nvPicPr>
+          <p:cNvPr id="5" name="그림 4"/>
+          <p:cNvPicPr>
+            <a:picLocks noChangeAspect="1"/>
+          </p:cNvPicPr>
+          <p:nvPr/>
+        </p:nvPicPr>
+        <p:blipFill>
+          <a:blip r:embed="rId4"/>
+          <a:stretch>
+            <a:fillRect/>
+          </a:stretch>
+        </p:blipFill>
+        <p:spPr>
+          <a:xfrm>
+            <a:off x="6717982" y="1716606"/>
+            <a:ext cx="3588612" cy="4821766"/>
+          </a:xfrm>
+          <a:prstGeom prst="rect">
+            <a:avLst/>
+          </a:prstGeom>
+        </p:spPr>
+      </p:pic>
+    </p:spTree>
+    <p:extLst>
+      <p:ext uri="{BB962C8B-B14F-4D97-AF65-F5344CB8AC3E}">
+        <p14:creationId xmlns:p14="http://schemas.microsoft.com/office/powerpoint/2010/main" val="978888493"/>
+      </p:ext>
+    </p:extLst>
+  </p:cSld>
+  <p:clrMapOvr>
+    <a:masterClrMapping/>
+  </p:clrMapOvr>
+</p:sld>
+</file>
+
+<file path=ppt/slides/slide36.xml><?xml version="1.0" encoding="utf-8"?>
+<p:sld xmlns:a="http://schemas.openxmlformats.org/drawingml/2006/main" xmlns:r="http://schemas.openxmlformats.org/officeDocument/2006/relationships" xmlns:p="http://schemas.openxmlformats.org/presentationml/2006/main">
+  <p:cSld>
+    <p:spTree>
+      <p:nvGrpSpPr>
+        <p:cNvPr id="1" name=""/>
+        <p:cNvGrpSpPr/>
+        <p:nvPr/>
+      </p:nvGrpSpPr>
+      <p:grpSpPr>
+        <a:xfrm>
+          <a:off x="0" y="0"/>
+          <a:ext cx="0" cy="0"/>
+          <a:chOff x="0" y="0"/>
+          <a:chExt cx="0" cy="0"/>
+        </a:xfrm>
+      </p:grpSpPr>
+      <p:sp>
+        <p:nvSpPr>
+          <p:cNvPr id="2" name="제목 1">
+            <a:extLst>
+              <a:ext uri="{FF2B5EF4-FFF2-40B4-BE49-F238E27FC236}">
+                <a16:creationId xmlns:a16="http://schemas.microsoft.com/office/drawing/2014/main" xmlns="" id="{2D7E6B8A-E1FD-472B-F033-346AC9F27163}"/>
+              </a:ext>
+            </a:extLst>
+          </p:cNvPr>
+          <p:cNvSpPr>
+            <a:spLocks noGrp="1"/>
+          </p:cNvSpPr>
+          <p:nvPr>
+            <p:ph type="title"/>
+          </p:nvPr>
+        </p:nvSpPr>
+        <p:spPr>
+          <a:xfrm>
+            <a:off x="705394" y="0"/>
+            <a:ext cx="9601200" cy="476794"/>
+          </a:xfrm>
+        </p:spPr>
+        <p:txBody>
+          <a:bodyPr>
+            <a:normAutofit/>
+          </a:bodyPr>
+          <a:lstStyle/>
+          <a:p>
+            <a:r>
+              <a:rPr lang="ko-KR" altLang="en-US" sz="2000" dirty="0"/>
+              <a:t>슬라이드 </a:t>
+            </a:r>
+            <a:r>
+              <a:rPr lang="en-US" altLang="ko-KR" sz="2000" dirty="0" smtClean="0"/>
+              <a:t>15</a:t>
+            </a:r>
+            <a:r>
+              <a:rPr lang="ko-KR" altLang="en-US" sz="2000" dirty="0" smtClean="0"/>
+              <a:t>페이지 </a:t>
+            </a:r>
+            <a:r>
+              <a:rPr lang="en-US" altLang="ko-KR" sz="2000" dirty="0" smtClean="0"/>
+              <a:t>Basic Training 1,2 – Basic Training 1</a:t>
+            </a:r>
+            <a:endParaRPr lang="ko-KR" altLang="en-US" sz="2000" dirty="0"/>
+          </a:p>
+        </p:txBody>
+      </p:sp>
+      <p:pic>
+        <p:nvPicPr>
+          <p:cNvPr id="3" name="그림 2"/>
+          <p:cNvPicPr>
+            <a:picLocks noChangeAspect="1"/>
+          </p:cNvPicPr>
+          <p:nvPr/>
+        </p:nvPicPr>
+        <p:blipFill>
+          <a:blip r:embed="rId2"/>
+          <a:stretch>
+            <a:fillRect/>
+          </a:stretch>
+        </p:blipFill>
+        <p:spPr>
+          <a:xfrm>
+            <a:off x="3328814" y="1614091"/>
+            <a:ext cx="6096126" cy="1860605"/>
+          </a:xfrm>
+          <a:prstGeom prst="rect">
+            <a:avLst/>
+          </a:prstGeom>
+        </p:spPr>
+      </p:pic>
+      <p:pic>
+        <p:nvPicPr>
+          <p:cNvPr id="4" name="그림 3"/>
+          <p:cNvPicPr>
+            <a:picLocks noChangeAspect="1"/>
+          </p:cNvPicPr>
+          <p:nvPr/>
+        </p:nvPicPr>
+        <p:blipFill>
+          <a:blip r:embed="rId3"/>
+          <a:stretch>
+            <a:fillRect/>
+          </a:stretch>
+        </p:blipFill>
+        <p:spPr>
+          <a:xfrm>
+            <a:off x="1974348" y="4611994"/>
+            <a:ext cx="8805058" cy="951898"/>
+          </a:xfrm>
+          <a:prstGeom prst="rect">
+            <a:avLst/>
+          </a:prstGeom>
+        </p:spPr>
+      </p:pic>
+    </p:spTree>
+    <p:extLst>
+      <p:ext uri="{BB962C8B-B14F-4D97-AF65-F5344CB8AC3E}">
+        <p14:creationId xmlns:p14="http://schemas.microsoft.com/office/powerpoint/2010/main" val="4174385918"/>
+      </p:ext>
+    </p:extLst>
+  </p:cSld>
+  <p:clrMapOvr>
+    <a:masterClrMapping/>
+  </p:clrMapOvr>
+  <p:timing>
+    <p:tnLst>
+      <p:par>
+        <p:cTn id="1" dur="indefinite" restart="never" nodeType="tmRoot"/>
+      </p:par>
+    </p:tnLst>
+  </p:timing>
+</p:sld>
+</file>
+
+<file path=ppt/slides/slide37.xml><?xml version="1.0" encoding="utf-8"?>
+<p:sld xmlns:a="http://schemas.openxmlformats.org/drawingml/2006/main" xmlns:r="http://schemas.openxmlformats.org/officeDocument/2006/relationships" xmlns:p="http://schemas.openxmlformats.org/presentationml/2006/main">
+  <p:cSld>
+    <p:spTree>
+      <p:nvGrpSpPr>
+        <p:cNvPr id="1" name=""/>
+        <p:cNvGrpSpPr/>
+        <p:nvPr/>
+      </p:nvGrpSpPr>
+      <p:grpSpPr>
+        <a:xfrm>
+          <a:off x="0" y="0"/>
+          <a:ext cx="0" cy="0"/>
+          <a:chOff x="0" y="0"/>
+          <a:chExt cx="0" cy="0"/>
+        </a:xfrm>
+      </p:grpSpPr>
+      <p:sp>
+        <p:nvSpPr>
+          <p:cNvPr id="2" name="제목 1">
+            <a:extLst>
+              <a:ext uri="{FF2B5EF4-FFF2-40B4-BE49-F238E27FC236}">
+                <a16:creationId xmlns:a16="http://schemas.microsoft.com/office/drawing/2014/main" xmlns="" id="{2D7E6B8A-E1FD-472B-F033-346AC9F27163}"/>
+              </a:ext>
+            </a:extLst>
+          </p:cNvPr>
+          <p:cNvSpPr>
+            <a:spLocks noGrp="1"/>
+          </p:cNvSpPr>
+          <p:nvPr>
+            <p:ph type="title"/>
+          </p:nvPr>
+        </p:nvSpPr>
+        <p:spPr>
+          <a:xfrm>
+            <a:off x="705394" y="0"/>
+            <a:ext cx="9601200" cy="476794"/>
+          </a:xfrm>
+        </p:spPr>
+        <p:txBody>
+          <a:bodyPr>
+            <a:normAutofit/>
+          </a:bodyPr>
+          <a:lstStyle/>
+          <a:p>
+            <a:r>
+              <a:rPr lang="ko-KR" altLang="en-US" sz="2000"/>
+              <a:t>슬라이드 </a:t>
+            </a:r>
+            <a:r>
+              <a:rPr lang="en-US" altLang="ko-KR" sz="2000"/>
+              <a:t>15</a:t>
+            </a:r>
+            <a:r>
+              <a:rPr lang="ko-KR" altLang="en-US" sz="2000"/>
+              <a:t>페이지 </a:t>
+            </a:r>
+            <a:r>
+              <a:rPr lang="en-US" altLang="ko-KR" sz="2000"/>
+              <a:t>Basic Training 1,2 – Basic Training 1 </a:t>
+            </a:r>
+            <a:r>
+              <a:rPr lang="ko-KR" altLang="en-US" sz="2000"/>
+              <a:t>실습 </a:t>
+            </a:r>
+            <a:r>
+              <a:rPr lang="en-US" altLang="ko-KR" sz="2000"/>
+              <a:t>1</a:t>
+            </a:r>
+            <a:endParaRPr lang="ko-KR" altLang="en-US" sz="2000" dirty="0"/>
+          </a:p>
+        </p:txBody>
+      </p:sp>
+      <p:pic>
+        <p:nvPicPr>
+          <p:cNvPr id="3" name="그림 2"/>
+          <p:cNvPicPr>
+            <a:picLocks noChangeAspect="1"/>
+          </p:cNvPicPr>
+          <p:nvPr/>
+        </p:nvPicPr>
+        <p:blipFill>
+          <a:blip r:embed="rId2"/>
+          <a:stretch>
+            <a:fillRect/>
+          </a:stretch>
+        </p:blipFill>
+        <p:spPr>
+          <a:xfrm>
+            <a:off x="2757888" y="476794"/>
+            <a:ext cx="6758072" cy="4975897"/>
+          </a:xfrm>
+          <a:prstGeom prst="rect">
+            <a:avLst/>
+          </a:prstGeom>
+        </p:spPr>
+      </p:pic>
+      <p:pic>
+        <p:nvPicPr>
+          <p:cNvPr id="4" name="그림 3"/>
+          <p:cNvPicPr>
+            <a:picLocks noChangeAspect="1"/>
+          </p:cNvPicPr>
+          <p:nvPr/>
+        </p:nvPicPr>
+        <p:blipFill>
+          <a:blip r:embed="rId3"/>
+          <a:stretch>
+            <a:fillRect/>
+          </a:stretch>
+        </p:blipFill>
+        <p:spPr>
+          <a:xfrm>
+            <a:off x="3212341" y="5929485"/>
+            <a:ext cx="5849166" cy="523948"/>
+          </a:xfrm>
+          <a:prstGeom prst="rect">
+            <a:avLst/>
+          </a:prstGeom>
+        </p:spPr>
+      </p:pic>
+    </p:spTree>
+    <p:extLst>
+      <p:ext uri="{BB962C8B-B14F-4D97-AF65-F5344CB8AC3E}">
+        <p14:creationId xmlns:p14="http://schemas.microsoft.com/office/powerpoint/2010/main" val="2897076632"/>
+      </p:ext>
+    </p:extLst>
+  </p:cSld>
+  <p:clrMapOvr>
+    <a:masterClrMapping/>
+  </p:clrMapOvr>
+  <p:timing>
+    <p:tnLst>
+      <p:par>
+        <p:cTn id="1" dur="indefinite" restart="never" nodeType="tmRoot"/>
+      </p:par>
+    </p:tnLst>
+  </p:timing>
+</p:sld>
+</file>
+
+<file path=ppt/slides/slide38.xml><?xml version="1.0" encoding="utf-8"?>
+<p:sld xmlns:a="http://schemas.openxmlformats.org/drawingml/2006/main" xmlns:r="http://schemas.openxmlformats.org/officeDocument/2006/relationships" xmlns:p="http://schemas.openxmlformats.org/presentationml/2006/main">
+  <p:cSld>
+    <p:spTree>
+      <p:nvGrpSpPr>
+        <p:cNvPr id="1" name=""/>
+        <p:cNvGrpSpPr/>
+        <p:nvPr/>
+      </p:nvGrpSpPr>
+      <p:grpSpPr>
+        <a:xfrm>
+          <a:off x="0" y="0"/>
+          <a:ext cx="0" cy="0"/>
+          <a:chOff x="0" y="0"/>
+          <a:chExt cx="0" cy="0"/>
+        </a:xfrm>
+      </p:grpSpPr>
+      <p:sp>
+        <p:nvSpPr>
+          <p:cNvPr id="2" name="제목 1">
+            <a:extLst>
+              <a:ext uri="{FF2B5EF4-FFF2-40B4-BE49-F238E27FC236}">
+                <a16:creationId xmlns:a16="http://schemas.microsoft.com/office/drawing/2014/main" xmlns="" id="{2D7E6B8A-E1FD-472B-F033-346AC9F27163}"/>
+              </a:ext>
+            </a:extLst>
+          </p:cNvPr>
+          <p:cNvSpPr>
+            <a:spLocks noGrp="1"/>
+          </p:cNvSpPr>
+          <p:nvPr>
+            <p:ph type="title"/>
+          </p:nvPr>
+        </p:nvSpPr>
+        <p:spPr>
+          <a:xfrm>
+            <a:off x="705394" y="0"/>
+            <a:ext cx="9601200" cy="476794"/>
+          </a:xfrm>
+        </p:spPr>
+        <p:txBody>
+          <a:bodyPr>
+            <a:normAutofit/>
+          </a:bodyPr>
+          <a:lstStyle/>
+          <a:p>
+            <a:r>
+              <a:rPr lang="ko-KR" altLang="en-US" sz="2000" dirty="0"/>
+              <a:t>슬라이드 </a:t>
+            </a:r>
+            <a:r>
+              <a:rPr lang="en-US" altLang="ko-KR" sz="2000" dirty="0"/>
+              <a:t>15</a:t>
+            </a:r>
+            <a:r>
+              <a:rPr lang="ko-KR" altLang="en-US" sz="2000" dirty="0"/>
+              <a:t>페이지 </a:t>
+            </a:r>
+            <a:r>
+              <a:rPr lang="en-US" altLang="ko-KR" sz="2000" dirty="0"/>
+              <a:t>Basic Training 1,2 – Basic Training </a:t>
+            </a:r>
+            <a:r>
+              <a:rPr lang="en-US" altLang="ko-KR" sz="2000" dirty="0" smtClean="0"/>
+              <a:t>1 </a:t>
+            </a:r>
+            <a:r>
+              <a:rPr lang="ko-KR" altLang="en-US" sz="2000" dirty="0" smtClean="0"/>
+              <a:t>실습 </a:t>
+            </a:r>
+            <a:r>
+              <a:rPr lang="en-US" altLang="ko-KR" sz="2000" dirty="0" smtClean="0"/>
+              <a:t>1</a:t>
+            </a:r>
+            <a:endParaRPr lang="ko-KR" altLang="en-US" sz="2000" dirty="0"/>
+          </a:p>
+        </p:txBody>
+      </p:sp>
+      <p:pic>
+        <p:nvPicPr>
+          <p:cNvPr id="6" name="그림 5"/>
+          <p:cNvPicPr>
+            <a:picLocks noChangeAspect="1"/>
+          </p:cNvPicPr>
+          <p:nvPr/>
+        </p:nvPicPr>
+        <p:blipFill>
+          <a:blip r:embed="rId2"/>
+          <a:stretch>
+            <a:fillRect/>
+          </a:stretch>
+        </p:blipFill>
+        <p:spPr>
+          <a:xfrm>
+            <a:off x="1008184" y="2538505"/>
+            <a:ext cx="5127384" cy="2978891"/>
+          </a:xfrm>
+          <a:prstGeom prst="rect">
+            <a:avLst/>
+          </a:prstGeom>
+        </p:spPr>
+      </p:pic>
+      <p:pic>
+        <p:nvPicPr>
+          <p:cNvPr id="7" name="그림 6"/>
+          <p:cNvPicPr>
+            <a:picLocks noChangeAspect="1"/>
+          </p:cNvPicPr>
+          <p:nvPr/>
+        </p:nvPicPr>
+        <p:blipFill>
+          <a:blip r:embed="rId3"/>
+          <a:stretch>
+            <a:fillRect/>
+          </a:stretch>
+        </p:blipFill>
+        <p:spPr>
+          <a:xfrm>
+            <a:off x="6610377" y="2538505"/>
+            <a:ext cx="5375859" cy="2978891"/>
+          </a:xfrm>
+          <a:prstGeom prst="rect">
+            <a:avLst/>
+          </a:prstGeom>
+        </p:spPr>
+      </p:pic>
+      <p:pic>
+        <p:nvPicPr>
+          <p:cNvPr id="8" name="그림 7"/>
+          <p:cNvPicPr>
+            <a:picLocks noChangeAspect="1"/>
+          </p:cNvPicPr>
+          <p:nvPr/>
+        </p:nvPicPr>
+        <p:blipFill>
+          <a:blip r:embed="rId4"/>
+          <a:stretch>
+            <a:fillRect/>
+          </a:stretch>
+        </p:blipFill>
+        <p:spPr>
+          <a:xfrm>
+            <a:off x="1967977" y="1012280"/>
+            <a:ext cx="9030960" cy="990738"/>
+          </a:xfrm>
+          <a:prstGeom prst="rect">
+            <a:avLst/>
+          </a:prstGeom>
+        </p:spPr>
+      </p:pic>
+    </p:spTree>
+    <p:extLst>
+      <p:ext uri="{BB962C8B-B14F-4D97-AF65-F5344CB8AC3E}">
+        <p14:creationId xmlns:p14="http://schemas.microsoft.com/office/powerpoint/2010/main" val="2776082263"/>
+      </p:ext>
+    </p:extLst>
+  </p:cSld>
+  <p:clrMapOvr>
+    <a:masterClrMapping/>
+  </p:clrMapOvr>
+  <p:timing>
+    <p:tnLst>
+      <p:par>
+        <p:cTn id="1" dur="indefinite" restart="never" nodeType="tmRoot"/>
+      </p:par>
+    </p:tnLst>
+  </p:timing>
+</p:sld>
+</file>
+
+<file path=ppt/slides/slide39.xml><?xml version="1.0" encoding="utf-8"?>
+<p:sld xmlns:a="http://schemas.openxmlformats.org/drawingml/2006/main" xmlns:r="http://schemas.openxmlformats.org/officeDocument/2006/relationships" xmlns:p="http://schemas.openxmlformats.org/presentationml/2006/main">
+  <p:cSld>
+    <p:spTree>
+      <p:nvGrpSpPr>
+        <p:cNvPr id="1" name=""/>
+        <p:cNvGrpSpPr/>
+        <p:nvPr/>
+      </p:nvGrpSpPr>
+      <p:grpSpPr>
+        <a:xfrm>
+          <a:off x="0" y="0"/>
+          <a:ext cx="0" cy="0"/>
+          <a:chOff x="0" y="0"/>
+          <a:chExt cx="0" cy="0"/>
+        </a:xfrm>
+      </p:grpSpPr>
+      <p:sp>
+        <p:nvSpPr>
+          <p:cNvPr id="2" name="제목 1">
+            <a:extLst>
+              <a:ext uri="{FF2B5EF4-FFF2-40B4-BE49-F238E27FC236}">
+                <a16:creationId xmlns:a16="http://schemas.microsoft.com/office/drawing/2014/main" xmlns="" id="{2D7E6B8A-E1FD-472B-F033-346AC9F27163}"/>
+              </a:ext>
+            </a:extLst>
+          </p:cNvPr>
+          <p:cNvSpPr>
+            <a:spLocks noGrp="1"/>
+          </p:cNvSpPr>
+          <p:nvPr>
+            <p:ph type="title"/>
+          </p:nvPr>
+        </p:nvSpPr>
+        <p:spPr>
+          <a:xfrm>
+            <a:off x="705394" y="0"/>
+            <a:ext cx="9601200" cy="476794"/>
+          </a:xfrm>
+        </p:spPr>
+        <p:txBody>
+          <a:bodyPr>
+            <a:normAutofit/>
+          </a:bodyPr>
+          <a:lstStyle/>
+          <a:p>
+            <a:r>
+              <a:rPr lang="ko-KR" altLang="en-US" sz="2000" dirty="0"/>
+              <a:t>슬라이드 </a:t>
+            </a:r>
+            <a:r>
+              <a:rPr lang="en-US" altLang="ko-KR" sz="2000" dirty="0"/>
+              <a:t>15</a:t>
+            </a:r>
+            <a:r>
+              <a:rPr lang="ko-KR" altLang="en-US" sz="2000" dirty="0"/>
+              <a:t>페이지 </a:t>
+            </a:r>
+            <a:r>
+              <a:rPr lang="en-US" altLang="ko-KR" sz="2000" dirty="0"/>
+              <a:t>Basic Training 1,2 – Basic Training </a:t>
+            </a:r>
+            <a:r>
+              <a:rPr lang="en-US" altLang="ko-KR" sz="2000" dirty="0" smtClean="0"/>
+              <a:t>1 </a:t>
+            </a:r>
+            <a:r>
+              <a:rPr lang="ko-KR" altLang="en-US" sz="2000" dirty="0" smtClean="0"/>
+              <a:t>실습 </a:t>
+            </a:r>
+            <a:r>
+              <a:rPr lang="en-US" altLang="ko-KR" sz="2000" dirty="0" smtClean="0"/>
+              <a:t>2</a:t>
+            </a:r>
+            <a:endParaRPr lang="ko-KR" altLang="en-US" sz="2000" dirty="0"/>
+          </a:p>
+        </p:txBody>
+      </p:sp>
+      <p:pic>
+        <p:nvPicPr>
+          <p:cNvPr id="3" name="그림 2"/>
+          <p:cNvPicPr>
+            <a:picLocks noChangeAspect="1"/>
+          </p:cNvPicPr>
+          <p:nvPr/>
+        </p:nvPicPr>
+        <p:blipFill>
+          <a:blip r:embed="rId2"/>
+          <a:stretch>
+            <a:fillRect/>
+          </a:stretch>
+        </p:blipFill>
+        <p:spPr>
+          <a:xfrm>
+            <a:off x="2281414" y="1391990"/>
+            <a:ext cx="8183117" cy="2772162"/>
+          </a:xfrm>
+          <a:prstGeom prst="rect">
+            <a:avLst/>
+          </a:prstGeom>
+        </p:spPr>
+      </p:pic>
+      <p:pic>
+        <p:nvPicPr>
+          <p:cNvPr id="4" name="그림 3"/>
+          <p:cNvPicPr>
+            <a:picLocks noChangeAspect="1"/>
+          </p:cNvPicPr>
+          <p:nvPr/>
+        </p:nvPicPr>
+        <p:blipFill>
+          <a:blip r:embed="rId3"/>
+          <a:stretch>
+            <a:fillRect/>
+          </a:stretch>
+        </p:blipFill>
+        <p:spPr>
+          <a:xfrm>
+            <a:off x="2252414" y="4825345"/>
+            <a:ext cx="8241118" cy="769544"/>
+          </a:xfrm>
+          <a:prstGeom prst="rect">
+            <a:avLst/>
+          </a:prstGeom>
+        </p:spPr>
+      </p:pic>
+    </p:spTree>
+    <p:extLst>
+      <p:ext uri="{BB962C8B-B14F-4D97-AF65-F5344CB8AC3E}">
+        <p14:creationId xmlns:p14="http://schemas.microsoft.com/office/powerpoint/2010/main" val="499050209"/>
+      </p:ext>
+    </p:extLst>
+  </p:cSld>
+  <p:clrMapOvr>
+    <a:masterClrMapping/>
+  </p:clrMapOvr>
+  <p:timing>
+    <p:tnLst>
+      <p:par>
+        <p:cTn id="1" dur="indefinite" restart="never" nodeType="tmRoot"/>
+      </p:par>
+    </p:tnLst>
+  </p:timing>
 </p:sld>
 </file>
 
@@ -6693,7 +10140,7 @@
           <p:cNvPr id="2" name="제목 1">
             <a:extLst>
               <a:ext uri="{FF2B5EF4-FFF2-40B4-BE49-F238E27FC236}">
-                <a16:creationId xmlns="" xmlns:a16="http://schemas.microsoft.com/office/drawing/2014/main" id="{2D7E6B8A-E1FD-472B-F033-346AC9F27163}"/>
+                <a16:creationId xmlns:a16="http://schemas.microsoft.com/office/drawing/2014/main" xmlns="" id="{2D7E6B8A-E1FD-472B-F033-346AC9F27163}"/>
               </a:ext>
             </a:extLst>
           </p:cNvPr>
@@ -6800,6 +10247,1447 @@
   <p:clrMapOvr>
     <a:masterClrMapping/>
   </p:clrMapOvr>
+</p:sld>
+</file>
+
+<file path=ppt/slides/slide40.xml><?xml version="1.0" encoding="utf-8"?>
+<p:sld xmlns:a="http://schemas.openxmlformats.org/drawingml/2006/main" xmlns:r="http://schemas.openxmlformats.org/officeDocument/2006/relationships" xmlns:p="http://schemas.openxmlformats.org/presentationml/2006/main">
+  <p:cSld>
+    <p:spTree>
+      <p:nvGrpSpPr>
+        <p:cNvPr id="1" name=""/>
+        <p:cNvGrpSpPr/>
+        <p:nvPr/>
+      </p:nvGrpSpPr>
+      <p:grpSpPr>
+        <a:xfrm>
+          <a:off x="0" y="0"/>
+          <a:ext cx="0" cy="0"/>
+          <a:chOff x="0" y="0"/>
+          <a:chExt cx="0" cy="0"/>
+        </a:xfrm>
+      </p:grpSpPr>
+      <p:sp>
+        <p:nvSpPr>
+          <p:cNvPr id="2" name="제목 1">
+            <a:extLst>
+              <a:ext uri="{FF2B5EF4-FFF2-40B4-BE49-F238E27FC236}">
+                <a16:creationId xmlns:a16="http://schemas.microsoft.com/office/drawing/2014/main" xmlns="" id="{2D7E6B8A-E1FD-472B-F033-346AC9F27163}"/>
+              </a:ext>
+            </a:extLst>
+          </p:cNvPr>
+          <p:cNvSpPr>
+            <a:spLocks noGrp="1"/>
+          </p:cNvSpPr>
+          <p:nvPr>
+            <p:ph type="title"/>
+          </p:nvPr>
+        </p:nvSpPr>
+        <p:spPr>
+          <a:xfrm>
+            <a:off x="705394" y="0"/>
+            <a:ext cx="9601200" cy="476794"/>
+          </a:xfrm>
+        </p:spPr>
+        <p:txBody>
+          <a:bodyPr>
+            <a:normAutofit/>
+          </a:bodyPr>
+          <a:lstStyle/>
+          <a:p>
+            <a:r>
+              <a:rPr lang="ko-KR" altLang="en-US" sz="2000" dirty="0"/>
+              <a:t>슬라이드 </a:t>
+            </a:r>
+            <a:r>
+              <a:rPr lang="en-US" altLang="ko-KR" sz="2000" dirty="0"/>
+              <a:t>15</a:t>
+            </a:r>
+            <a:r>
+              <a:rPr lang="ko-KR" altLang="en-US" sz="2000" dirty="0"/>
+              <a:t>페이지 </a:t>
+            </a:r>
+            <a:r>
+              <a:rPr lang="en-US" altLang="ko-KR" sz="2000" dirty="0"/>
+              <a:t>Basic Training 1,2 – Basic Training 1 </a:t>
+            </a:r>
+            <a:r>
+              <a:rPr lang="ko-KR" altLang="en-US" sz="2000" dirty="0"/>
+              <a:t>실습 </a:t>
+            </a:r>
+            <a:r>
+              <a:rPr lang="en-US" altLang="ko-KR" sz="2000" dirty="0" smtClean="0"/>
+              <a:t>2,3</a:t>
+            </a:r>
+            <a:endParaRPr lang="ko-KR" altLang="en-US" sz="2000" dirty="0"/>
+          </a:p>
+        </p:txBody>
+      </p:sp>
+      <p:pic>
+        <p:nvPicPr>
+          <p:cNvPr id="3" name="그림 2"/>
+          <p:cNvPicPr>
+            <a:picLocks noChangeAspect="1"/>
+          </p:cNvPicPr>
+          <p:nvPr/>
+        </p:nvPicPr>
+        <p:blipFill>
+          <a:blip r:embed="rId2"/>
+          <a:stretch>
+            <a:fillRect/>
+          </a:stretch>
+        </p:blipFill>
+        <p:spPr>
+          <a:xfrm>
+            <a:off x="1698255" y="3266997"/>
+            <a:ext cx="4395583" cy="2603538"/>
+          </a:xfrm>
+          <a:prstGeom prst="rect">
+            <a:avLst/>
+          </a:prstGeom>
+        </p:spPr>
+      </p:pic>
+      <p:pic>
+        <p:nvPicPr>
+          <p:cNvPr id="4" name="그림 3"/>
+          <p:cNvPicPr>
+            <a:picLocks noChangeAspect="1"/>
+          </p:cNvPicPr>
+          <p:nvPr/>
+        </p:nvPicPr>
+        <p:blipFill>
+          <a:blip r:embed="rId3"/>
+          <a:stretch>
+            <a:fillRect/>
+          </a:stretch>
+        </p:blipFill>
+        <p:spPr>
+          <a:xfrm>
+            <a:off x="7045903" y="3266997"/>
+            <a:ext cx="4392753" cy="2603538"/>
+          </a:xfrm>
+          <a:prstGeom prst="rect">
+            <a:avLst/>
+          </a:prstGeom>
+        </p:spPr>
+      </p:pic>
+      <p:pic>
+        <p:nvPicPr>
+          <p:cNvPr id="5" name="그림 4"/>
+          <p:cNvPicPr>
+            <a:picLocks noChangeAspect="1"/>
+          </p:cNvPicPr>
+          <p:nvPr/>
+        </p:nvPicPr>
+        <p:blipFill>
+          <a:blip r:embed="rId4"/>
+          <a:stretch>
+            <a:fillRect/>
+          </a:stretch>
+        </p:blipFill>
+        <p:spPr>
+          <a:xfrm>
+            <a:off x="2294972" y="1100211"/>
+            <a:ext cx="8678486" cy="1247949"/>
+          </a:xfrm>
+          <a:prstGeom prst="rect">
+            <a:avLst/>
+          </a:prstGeom>
+        </p:spPr>
+      </p:pic>
+    </p:spTree>
+    <p:extLst>
+      <p:ext uri="{BB962C8B-B14F-4D97-AF65-F5344CB8AC3E}">
+        <p14:creationId xmlns:p14="http://schemas.microsoft.com/office/powerpoint/2010/main" val="3525607443"/>
+      </p:ext>
+    </p:extLst>
+  </p:cSld>
+  <p:clrMapOvr>
+    <a:masterClrMapping/>
+  </p:clrMapOvr>
+  <p:timing>
+    <p:tnLst>
+      <p:par>
+        <p:cTn id="1" dur="indefinite" restart="never" nodeType="tmRoot"/>
+      </p:par>
+    </p:tnLst>
+  </p:timing>
+</p:sld>
+</file>
+
+<file path=ppt/slides/slide41.xml><?xml version="1.0" encoding="utf-8"?>
+<p:sld xmlns:a="http://schemas.openxmlformats.org/drawingml/2006/main" xmlns:r="http://schemas.openxmlformats.org/officeDocument/2006/relationships" xmlns:p="http://schemas.openxmlformats.org/presentationml/2006/main">
+  <p:cSld>
+    <p:spTree>
+      <p:nvGrpSpPr>
+        <p:cNvPr id="1" name=""/>
+        <p:cNvGrpSpPr/>
+        <p:nvPr/>
+      </p:nvGrpSpPr>
+      <p:grpSpPr>
+        <a:xfrm>
+          <a:off x="0" y="0"/>
+          <a:ext cx="0" cy="0"/>
+          <a:chOff x="0" y="0"/>
+          <a:chExt cx="0" cy="0"/>
+        </a:xfrm>
+      </p:grpSpPr>
+      <p:sp>
+        <p:nvSpPr>
+          <p:cNvPr id="2" name="제목 1">
+            <a:extLst>
+              <a:ext uri="{FF2B5EF4-FFF2-40B4-BE49-F238E27FC236}">
+                <a16:creationId xmlns:a16="http://schemas.microsoft.com/office/drawing/2014/main" xmlns="" id="{2D7E6B8A-E1FD-472B-F033-346AC9F27163}"/>
+              </a:ext>
+            </a:extLst>
+          </p:cNvPr>
+          <p:cNvSpPr>
+            <a:spLocks noGrp="1"/>
+          </p:cNvSpPr>
+          <p:nvPr>
+            <p:ph type="title"/>
+          </p:nvPr>
+        </p:nvSpPr>
+        <p:spPr>
+          <a:xfrm>
+            <a:off x="705394" y="0"/>
+            <a:ext cx="9601200" cy="476794"/>
+          </a:xfrm>
+        </p:spPr>
+        <p:txBody>
+          <a:bodyPr>
+            <a:normAutofit fontScale="90000"/>
+          </a:bodyPr>
+          <a:lstStyle/>
+          <a:p>
+            <a:r>
+              <a:rPr lang="ko-KR" altLang="en-US" sz="2000" dirty="0"/>
+              <a:t>슬라이드 </a:t>
+            </a:r>
+            <a:r>
+              <a:rPr lang="en-US" altLang="ko-KR" sz="2000" dirty="0"/>
+              <a:t>15</a:t>
+            </a:r>
+            <a:r>
+              <a:rPr lang="ko-KR" altLang="en-US" sz="2000" dirty="0"/>
+              <a:t>페이지 </a:t>
+            </a:r>
+            <a:r>
+              <a:rPr lang="en-US" altLang="ko-KR" sz="2000" dirty="0"/>
+              <a:t>Basic Training 1,2 </a:t>
+            </a:r>
+            <a:r>
+              <a:rPr lang="en-US" altLang="ko-KR" sz="2000" dirty="0" smtClean="0"/>
+              <a:t/>
+            </a:r>
+            <a:br>
+              <a:rPr lang="en-US" altLang="ko-KR" sz="2000" dirty="0" smtClean="0"/>
+            </a:br>
+            <a:r>
+              <a:rPr lang="en-US" altLang="ko-KR" sz="2000" dirty="0" smtClean="0"/>
+              <a:t>– Basic </a:t>
+            </a:r>
+            <a:r>
+              <a:rPr lang="en-US" altLang="ko-KR" sz="2000" dirty="0"/>
+              <a:t>Training </a:t>
+            </a:r>
+            <a:r>
+              <a:rPr lang="en-US" altLang="ko-KR" sz="2000" dirty="0" smtClean="0"/>
+              <a:t>2 </a:t>
+            </a:r>
+            <a:r>
+              <a:rPr lang="ko-KR" altLang="en-US" sz="2000" dirty="0"/>
+              <a:t>실습 </a:t>
+            </a:r>
+            <a:r>
+              <a:rPr lang="en-US" altLang="ko-KR" sz="2000" dirty="0" smtClean="0"/>
+              <a:t>1</a:t>
+            </a:r>
+            <a:endParaRPr lang="ko-KR" altLang="en-US" sz="2000" dirty="0"/>
+          </a:p>
+        </p:txBody>
+      </p:sp>
+      <p:pic>
+        <p:nvPicPr>
+          <p:cNvPr id="3" name="그림 2"/>
+          <p:cNvPicPr>
+            <a:picLocks noChangeAspect="1"/>
+          </p:cNvPicPr>
+          <p:nvPr/>
+        </p:nvPicPr>
+        <p:blipFill>
+          <a:blip r:embed="rId2"/>
+          <a:stretch>
+            <a:fillRect/>
+          </a:stretch>
+        </p:blipFill>
+        <p:spPr>
+          <a:xfrm>
+            <a:off x="5350751" y="0"/>
+            <a:ext cx="4955843" cy="6858000"/>
+          </a:xfrm>
+          <a:prstGeom prst="rect">
+            <a:avLst/>
+          </a:prstGeom>
+        </p:spPr>
+      </p:pic>
+    </p:spTree>
+    <p:extLst>
+      <p:ext uri="{BB962C8B-B14F-4D97-AF65-F5344CB8AC3E}">
+        <p14:creationId xmlns:p14="http://schemas.microsoft.com/office/powerpoint/2010/main" val="1292581061"/>
+      </p:ext>
+    </p:extLst>
+  </p:cSld>
+  <p:clrMapOvr>
+    <a:masterClrMapping/>
+  </p:clrMapOvr>
+  <p:timing>
+    <p:tnLst>
+      <p:par>
+        <p:cTn id="1" dur="indefinite" restart="never" nodeType="tmRoot"/>
+      </p:par>
+    </p:tnLst>
+  </p:timing>
+</p:sld>
+</file>
+
+<file path=ppt/slides/slide42.xml><?xml version="1.0" encoding="utf-8"?>
+<p:sld xmlns:a="http://schemas.openxmlformats.org/drawingml/2006/main" xmlns:r="http://schemas.openxmlformats.org/officeDocument/2006/relationships" xmlns:p="http://schemas.openxmlformats.org/presentationml/2006/main">
+  <p:cSld>
+    <p:spTree>
+      <p:nvGrpSpPr>
+        <p:cNvPr id="1" name=""/>
+        <p:cNvGrpSpPr/>
+        <p:nvPr/>
+      </p:nvGrpSpPr>
+      <p:grpSpPr>
+        <a:xfrm>
+          <a:off x="0" y="0"/>
+          <a:ext cx="0" cy="0"/>
+          <a:chOff x="0" y="0"/>
+          <a:chExt cx="0" cy="0"/>
+        </a:xfrm>
+      </p:grpSpPr>
+      <p:sp>
+        <p:nvSpPr>
+          <p:cNvPr id="2" name="제목 1">
+            <a:extLst>
+              <a:ext uri="{FF2B5EF4-FFF2-40B4-BE49-F238E27FC236}">
+                <a16:creationId xmlns:a16="http://schemas.microsoft.com/office/drawing/2014/main" xmlns="" id="{2D7E6B8A-E1FD-472B-F033-346AC9F27163}"/>
+              </a:ext>
+            </a:extLst>
+          </p:cNvPr>
+          <p:cNvSpPr>
+            <a:spLocks noGrp="1"/>
+          </p:cNvSpPr>
+          <p:nvPr>
+            <p:ph type="title"/>
+          </p:nvPr>
+        </p:nvSpPr>
+        <p:spPr>
+          <a:xfrm>
+            <a:off x="705394" y="0"/>
+            <a:ext cx="9601200" cy="476794"/>
+          </a:xfrm>
+        </p:spPr>
+        <p:txBody>
+          <a:bodyPr>
+            <a:normAutofit/>
+          </a:bodyPr>
+          <a:lstStyle/>
+          <a:p>
+            <a:r>
+              <a:rPr lang="ko-KR" altLang="en-US" sz="2000" dirty="0"/>
+              <a:t>슬라이드 </a:t>
+            </a:r>
+            <a:r>
+              <a:rPr lang="en-US" altLang="ko-KR" sz="2000" dirty="0"/>
+              <a:t>15</a:t>
+            </a:r>
+            <a:r>
+              <a:rPr lang="ko-KR" altLang="en-US" sz="2000" dirty="0"/>
+              <a:t>페이지 </a:t>
+            </a:r>
+            <a:r>
+              <a:rPr lang="en-US" altLang="ko-KR" sz="2000" dirty="0"/>
+              <a:t>Basic Training </a:t>
+            </a:r>
+            <a:r>
+              <a:rPr lang="en-US" altLang="ko-KR" sz="2000" dirty="0" smtClean="0"/>
+              <a:t>1,2 – </a:t>
+            </a:r>
+            <a:r>
+              <a:rPr lang="en-US" altLang="ko-KR" sz="2000" dirty="0"/>
+              <a:t>Basic Training 2 </a:t>
+            </a:r>
+            <a:r>
+              <a:rPr lang="ko-KR" altLang="en-US" sz="2000" dirty="0"/>
+              <a:t>실습 </a:t>
+            </a:r>
+            <a:r>
+              <a:rPr lang="en-US" altLang="ko-KR" sz="2000" dirty="0"/>
+              <a:t>1</a:t>
+            </a:r>
+            <a:endParaRPr lang="ko-KR" altLang="en-US" sz="2000" dirty="0"/>
+          </a:p>
+        </p:txBody>
+      </p:sp>
+      <p:pic>
+        <p:nvPicPr>
+          <p:cNvPr id="5" name="그림 4"/>
+          <p:cNvPicPr>
+            <a:picLocks noChangeAspect="1"/>
+          </p:cNvPicPr>
+          <p:nvPr/>
+        </p:nvPicPr>
+        <p:blipFill>
+          <a:blip r:embed="rId2"/>
+          <a:stretch>
+            <a:fillRect/>
+          </a:stretch>
+        </p:blipFill>
+        <p:spPr>
+          <a:xfrm>
+            <a:off x="2052037" y="2893803"/>
+            <a:ext cx="8124087" cy="658710"/>
+          </a:xfrm>
+          <a:prstGeom prst="rect">
+            <a:avLst/>
+          </a:prstGeom>
+        </p:spPr>
+      </p:pic>
+      <p:sp>
+        <p:nvSpPr>
+          <p:cNvPr id="6" name="TextBox 5"/>
+          <p:cNvSpPr txBox="1"/>
+          <p:nvPr/>
+        </p:nvSpPr>
+        <p:spPr>
+          <a:xfrm>
+            <a:off x="4812223" y="4359012"/>
+            <a:ext cx="2603716" cy="369332"/>
+          </a:xfrm>
+          <a:prstGeom prst="rect">
+            <a:avLst/>
+          </a:prstGeom>
+          <a:noFill/>
+        </p:spPr>
+        <p:txBody>
+          <a:bodyPr wrap="square" rtlCol="0">
+            <a:spAutoFit/>
+          </a:bodyPr>
+          <a:lstStyle/>
+          <a:p>
+            <a:r>
+              <a:rPr lang="en-US" altLang="ko-KR" dirty="0" smtClean="0"/>
+              <a:t>1. </a:t>
+            </a:r>
+            <a:r>
+              <a:rPr lang="ko-KR" altLang="en-US" dirty="0" smtClean="0"/>
+              <a:t>프로시저 생성 결과</a:t>
+            </a:r>
+            <a:endParaRPr lang="ko-KR" altLang="en-US" dirty="0"/>
+          </a:p>
+        </p:txBody>
+      </p:sp>
+    </p:spTree>
+    <p:extLst>
+      <p:ext uri="{BB962C8B-B14F-4D97-AF65-F5344CB8AC3E}">
+        <p14:creationId xmlns:p14="http://schemas.microsoft.com/office/powerpoint/2010/main" val="562963759"/>
+      </p:ext>
+    </p:extLst>
+  </p:cSld>
+  <p:clrMapOvr>
+    <a:masterClrMapping/>
+  </p:clrMapOvr>
+  <p:timing>
+    <p:tnLst>
+      <p:par>
+        <p:cTn id="1" dur="indefinite" restart="never" nodeType="tmRoot"/>
+      </p:par>
+    </p:tnLst>
+  </p:timing>
+</p:sld>
+</file>
+
+<file path=ppt/slides/slide43.xml><?xml version="1.0" encoding="utf-8"?>
+<p:sld xmlns:a="http://schemas.openxmlformats.org/drawingml/2006/main" xmlns:r="http://schemas.openxmlformats.org/officeDocument/2006/relationships" xmlns:p="http://schemas.openxmlformats.org/presentationml/2006/main">
+  <p:cSld>
+    <p:spTree>
+      <p:nvGrpSpPr>
+        <p:cNvPr id="1" name=""/>
+        <p:cNvGrpSpPr/>
+        <p:nvPr/>
+      </p:nvGrpSpPr>
+      <p:grpSpPr>
+        <a:xfrm>
+          <a:off x="0" y="0"/>
+          <a:ext cx="0" cy="0"/>
+          <a:chOff x="0" y="0"/>
+          <a:chExt cx="0" cy="0"/>
+        </a:xfrm>
+      </p:grpSpPr>
+      <p:sp>
+        <p:nvSpPr>
+          <p:cNvPr id="2" name="제목 1">
+            <a:extLst>
+              <a:ext uri="{FF2B5EF4-FFF2-40B4-BE49-F238E27FC236}">
+                <a16:creationId xmlns:a16="http://schemas.microsoft.com/office/drawing/2014/main" xmlns="" id="{2D7E6B8A-E1FD-472B-F033-346AC9F27163}"/>
+              </a:ext>
+            </a:extLst>
+          </p:cNvPr>
+          <p:cNvSpPr>
+            <a:spLocks noGrp="1"/>
+          </p:cNvSpPr>
+          <p:nvPr>
+            <p:ph type="title"/>
+          </p:nvPr>
+        </p:nvSpPr>
+        <p:spPr>
+          <a:xfrm>
+            <a:off x="705394" y="0"/>
+            <a:ext cx="9601200" cy="476794"/>
+          </a:xfrm>
+        </p:spPr>
+        <p:txBody>
+          <a:bodyPr>
+            <a:normAutofit/>
+          </a:bodyPr>
+          <a:lstStyle/>
+          <a:p>
+            <a:r>
+              <a:rPr lang="ko-KR" altLang="en-US" sz="2000" dirty="0"/>
+              <a:t>슬라이드 </a:t>
+            </a:r>
+            <a:r>
+              <a:rPr lang="en-US" altLang="ko-KR" sz="2000" dirty="0"/>
+              <a:t>15</a:t>
+            </a:r>
+            <a:r>
+              <a:rPr lang="ko-KR" altLang="en-US" sz="2000" dirty="0"/>
+              <a:t>페이지 </a:t>
+            </a:r>
+            <a:r>
+              <a:rPr lang="en-US" altLang="ko-KR" sz="2000" dirty="0"/>
+              <a:t>Basic Training 1,2 – Basic Training 2 </a:t>
+            </a:r>
+            <a:r>
+              <a:rPr lang="ko-KR" altLang="en-US" sz="2000" dirty="0"/>
+              <a:t>실습 </a:t>
+            </a:r>
+            <a:r>
+              <a:rPr lang="en-US" altLang="ko-KR" sz="2000" dirty="0" smtClean="0"/>
+              <a:t>2</a:t>
+            </a:r>
+            <a:endParaRPr lang="ko-KR" altLang="en-US" sz="2000" dirty="0"/>
+          </a:p>
+        </p:txBody>
+      </p:sp>
+      <p:pic>
+        <p:nvPicPr>
+          <p:cNvPr id="3" name="그림 2"/>
+          <p:cNvPicPr>
+            <a:picLocks noChangeAspect="1"/>
+          </p:cNvPicPr>
+          <p:nvPr/>
+        </p:nvPicPr>
+        <p:blipFill>
+          <a:blip r:embed="rId2"/>
+          <a:stretch>
+            <a:fillRect/>
+          </a:stretch>
+        </p:blipFill>
+        <p:spPr>
+          <a:xfrm>
+            <a:off x="3070988" y="1435900"/>
+            <a:ext cx="5776220" cy="665891"/>
+          </a:xfrm>
+          <a:prstGeom prst="rect">
+            <a:avLst/>
+          </a:prstGeom>
+        </p:spPr>
+      </p:pic>
+      <p:pic>
+        <p:nvPicPr>
+          <p:cNvPr id="4" name="그림 3"/>
+          <p:cNvPicPr>
+            <a:picLocks noChangeAspect="1"/>
+          </p:cNvPicPr>
+          <p:nvPr/>
+        </p:nvPicPr>
+        <p:blipFill>
+          <a:blip r:embed="rId3"/>
+          <a:stretch>
+            <a:fillRect/>
+          </a:stretch>
+        </p:blipFill>
+        <p:spPr>
+          <a:xfrm>
+            <a:off x="5225314" y="2479728"/>
+            <a:ext cx="1467568" cy="2989488"/>
+          </a:xfrm>
+          <a:prstGeom prst="rect">
+            <a:avLst/>
+          </a:prstGeom>
+        </p:spPr>
+      </p:pic>
+      <p:sp>
+        <p:nvSpPr>
+          <p:cNvPr id="5" name="TextBox 4"/>
+          <p:cNvSpPr txBox="1"/>
+          <p:nvPr/>
+        </p:nvSpPr>
+        <p:spPr>
+          <a:xfrm>
+            <a:off x="5391024" y="5847153"/>
+            <a:ext cx="2603716" cy="369332"/>
+          </a:xfrm>
+          <a:prstGeom prst="rect">
+            <a:avLst/>
+          </a:prstGeom>
+          <a:noFill/>
+        </p:spPr>
+        <p:txBody>
+          <a:bodyPr wrap="square" rtlCol="0">
+            <a:spAutoFit/>
+          </a:bodyPr>
+          <a:lstStyle/>
+          <a:p>
+            <a:r>
+              <a:rPr lang="ko-KR" altLang="en-US" dirty="0" smtClean="0"/>
+              <a:t>출력 결과</a:t>
+            </a:r>
+            <a:endParaRPr lang="ko-KR" altLang="en-US" dirty="0"/>
+          </a:p>
+        </p:txBody>
+      </p:sp>
+    </p:spTree>
+    <p:extLst>
+      <p:ext uri="{BB962C8B-B14F-4D97-AF65-F5344CB8AC3E}">
+        <p14:creationId xmlns:p14="http://schemas.microsoft.com/office/powerpoint/2010/main" val="2989066211"/>
+      </p:ext>
+    </p:extLst>
+  </p:cSld>
+  <p:clrMapOvr>
+    <a:masterClrMapping/>
+  </p:clrMapOvr>
+</p:sld>
+</file>
+
+<file path=ppt/slides/slide44.xml><?xml version="1.0" encoding="utf-8"?>
+<p:sld xmlns:a="http://schemas.openxmlformats.org/drawingml/2006/main" xmlns:r="http://schemas.openxmlformats.org/officeDocument/2006/relationships" xmlns:p="http://schemas.openxmlformats.org/presentationml/2006/main">
+  <p:cSld>
+    <p:spTree>
+      <p:nvGrpSpPr>
+        <p:cNvPr id="1" name=""/>
+        <p:cNvGrpSpPr/>
+        <p:nvPr/>
+      </p:nvGrpSpPr>
+      <p:grpSpPr>
+        <a:xfrm>
+          <a:off x="0" y="0"/>
+          <a:ext cx="0" cy="0"/>
+          <a:chOff x="0" y="0"/>
+          <a:chExt cx="0" cy="0"/>
+        </a:xfrm>
+      </p:grpSpPr>
+      <p:sp>
+        <p:nvSpPr>
+          <p:cNvPr id="2" name="제목 1">
+            <a:extLst>
+              <a:ext uri="{FF2B5EF4-FFF2-40B4-BE49-F238E27FC236}">
+                <a16:creationId xmlns:a16="http://schemas.microsoft.com/office/drawing/2014/main" xmlns="" id="{2D7E6B8A-E1FD-472B-F033-346AC9F27163}"/>
+              </a:ext>
+            </a:extLst>
+          </p:cNvPr>
+          <p:cNvSpPr>
+            <a:spLocks noGrp="1"/>
+          </p:cNvSpPr>
+          <p:nvPr>
+            <p:ph type="title"/>
+          </p:nvPr>
+        </p:nvSpPr>
+        <p:spPr>
+          <a:xfrm>
+            <a:off x="705394" y="0"/>
+            <a:ext cx="9601200" cy="476794"/>
+          </a:xfrm>
+        </p:spPr>
+        <p:txBody>
+          <a:bodyPr>
+            <a:normAutofit/>
+          </a:bodyPr>
+          <a:lstStyle/>
+          <a:p>
+            <a:r>
+              <a:rPr lang="ko-KR" altLang="en-US" sz="2000" dirty="0"/>
+              <a:t>슬라이드 </a:t>
+            </a:r>
+            <a:r>
+              <a:rPr lang="en-US" altLang="ko-KR" sz="2000" dirty="0"/>
+              <a:t>15</a:t>
+            </a:r>
+            <a:r>
+              <a:rPr lang="ko-KR" altLang="en-US" sz="2000" dirty="0"/>
+              <a:t>페이지 </a:t>
+            </a:r>
+            <a:r>
+              <a:rPr lang="en-US" altLang="ko-KR" sz="2000" dirty="0"/>
+              <a:t>Basic Training 1,2 – Basic Training 2 </a:t>
+            </a:r>
+            <a:r>
+              <a:rPr lang="ko-KR" altLang="en-US" sz="2000" dirty="0"/>
+              <a:t>실습 </a:t>
+            </a:r>
+            <a:r>
+              <a:rPr lang="en-US" altLang="ko-KR" sz="2000" dirty="0" smtClean="0"/>
+              <a:t>3</a:t>
+            </a:r>
+            <a:endParaRPr lang="ko-KR" altLang="en-US" sz="2000" dirty="0"/>
+          </a:p>
+        </p:txBody>
+      </p:sp>
+      <p:pic>
+        <p:nvPicPr>
+          <p:cNvPr id="3" name="그림 2"/>
+          <p:cNvPicPr>
+            <a:picLocks noChangeAspect="1"/>
+          </p:cNvPicPr>
+          <p:nvPr/>
+        </p:nvPicPr>
+        <p:blipFill>
+          <a:blip r:embed="rId2"/>
+          <a:stretch>
+            <a:fillRect/>
+          </a:stretch>
+        </p:blipFill>
+        <p:spPr>
+          <a:xfrm>
+            <a:off x="2313608" y="1490592"/>
+            <a:ext cx="8235299" cy="2709449"/>
+          </a:xfrm>
+          <a:prstGeom prst="rect">
+            <a:avLst/>
+          </a:prstGeom>
+        </p:spPr>
+      </p:pic>
+      <p:pic>
+        <p:nvPicPr>
+          <p:cNvPr id="4" name="그림 3"/>
+          <p:cNvPicPr>
+            <a:picLocks noChangeAspect="1"/>
+          </p:cNvPicPr>
+          <p:nvPr/>
+        </p:nvPicPr>
+        <p:blipFill>
+          <a:blip r:embed="rId3"/>
+          <a:stretch>
+            <a:fillRect/>
+          </a:stretch>
+        </p:blipFill>
+        <p:spPr>
+          <a:xfrm>
+            <a:off x="2019141" y="4950656"/>
+            <a:ext cx="8831890" cy="783717"/>
+          </a:xfrm>
+          <a:prstGeom prst="rect">
+            <a:avLst/>
+          </a:prstGeom>
+        </p:spPr>
+      </p:pic>
+    </p:spTree>
+    <p:extLst>
+      <p:ext uri="{BB962C8B-B14F-4D97-AF65-F5344CB8AC3E}">
+        <p14:creationId xmlns:p14="http://schemas.microsoft.com/office/powerpoint/2010/main" val="3602267682"/>
+      </p:ext>
+    </p:extLst>
+  </p:cSld>
+  <p:clrMapOvr>
+    <a:masterClrMapping/>
+  </p:clrMapOvr>
+</p:sld>
+</file>
+
+<file path=ppt/slides/slide45.xml><?xml version="1.0" encoding="utf-8"?>
+<p:sld xmlns:a="http://schemas.openxmlformats.org/drawingml/2006/main" xmlns:r="http://schemas.openxmlformats.org/officeDocument/2006/relationships" xmlns:p="http://schemas.openxmlformats.org/presentationml/2006/main">
+  <p:cSld>
+    <p:spTree>
+      <p:nvGrpSpPr>
+        <p:cNvPr id="1" name=""/>
+        <p:cNvGrpSpPr/>
+        <p:nvPr/>
+      </p:nvGrpSpPr>
+      <p:grpSpPr>
+        <a:xfrm>
+          <a:off x="0" y="0"/>
+          <a:ext cx="0" cy="0"/>
+          <a:chOff x="0" y="0"/>
+          <a:chExt cx="0" cy="0"/>
+        </a:xfrm>
+      </p:grpSpPr>
+      <p:sp>
+        <p:nvSpPr>
+          <p:cNvPr id="2" name="제목 1">
+            <a:extLst>
+              <a:ext uri="{FF2B5EF4-FFF2-40B4-BE49-F238E27FC236}">
+                <a16:creationId xmlns:a16="http://schemas.microsoft.com/office/drawing/2014/main" xmlns="" id="{2D7E6B8A-E1FD-472B-F033-346AC9F27163}"/>
+              </a:ext>
+            </a:extLst>
+          </p:cNvPr>
+          <p:cNvSpPr>
+            <a:spLocks noGrp="1"/>
+          </p:cNvSpPr>
+          <p:nvPr>
+            <p:ph type="title"/>
+          </p:nvPr>
+        </p:nvSpPr>
+        <p:spPr>
+          <a:xfrm>
+            <a:off x="705394" y="0"/>
+            <a:ext cx="9601200" cy="476794"/>
+          </a:xfrm>
+        </p:spPr>
+        <p:txBody>
+          <a:bodyPr>
+            <a:normAutofit/>
+          </a:bodyPr>
+          <a:lstStyle/>
+          <a:p>
+            <a:r>
+              <a:rPr lang="ko-KR" altLang="en-US" sz="2000"/>
+              <a:t>슬라이드 </a:t>
+            </a:r>
+            <a:r>
+              <a:rPr lang="en-US" altLang="ko-KR" sz="2000"/>
+              <a:t>15</a:t>
+            </a:r>
+            <a:r>
+              <a:rPr lang="ko-KR" altLang="en-US" sz="2000"/>
+              <a:t>페이지 </a:t>
+            </a:r>
+            <a:r>
+              <a:rPr lang="en-US" altLang="ko-KR" sz="2000"/>
+              <a:t>Basic Training 1,2 – Basic Training 2 </a:t>
+            </a:r>
+            <a:r>
+              <a:rPr lang="ko-KR" altLang="en-US" sz="2000"/>
+              <a:t>실습 </a:t>
+            </a:r>
+            <a:r>
+              <a:rPr lang="en-US" altLang="ko-KR" sz="2000"/>
+              <a:t>3</a:t>
+            </a:r>
+            <a:endParaRPr lang="ko-KR" altLang="en-US" sz="2000" dirty="0"/>
+          </a:p>
+        </p:txBody>
+      </p:sp>
+      <p:pic>
+        <p:nvPicPr>
+          <p:cNvPr id="3" name="그림 2"/>
+          <p:cNvPicPr>
+            <a:picLocks noChangeAspect="1"/>
+          </p:cNvPicPr>
+          <p:nvPr/>
+        </p:nvPicPr>
+        <p:blipFill>
+          <a:blip r:embed="rId2"/>
+          <a:stretch>
+            <a:fillRect/>
+          </a:stretch>
+        </p:blipFill>
+        <p:spPr>
+          <a:xfrm>
+            <a:off x="1783966" y="1236847"/>
+            <a:ext cx="9372240" cy="669445"/>
+          </a:xfrm>
+          <a:prstGeom prst="rect">
+            <a:avLst/>
+          </a:prstGeom>
+        </p:spPr>
+      </p:pic>
+      <p:pic>
+        <p:nvPicPr>
+          <p:cNvPr id="4" name="그림 3"/>
+          <p:cNvPicPr>
+            <a:picLocks noChangeAspect="1"/>
+          </p:cNvPicPr>
+          <p:nvPr/>
+        </p:nvPicPr>
+        <p:blipFill>
+          <a:blip r:embed="rId3"/>
+          <a:stretch>
+            <a:fillRect/>
+          </a:stretch>
+        </p:blipFill>
+        <p:spPr>
+          <a:xfrm>
+            <a:off x="5332468" y="2350034"/>
+            <a:ext cx="1796752" cy="3151929"/>
+          </a:xfrm>
+          <a:prstGeom prst="rect">
+            <a:avLst/>
+          </a:prstGeom>
+        </p:spPr>
+      </p:pic>
+    </p:spTree>
+    <p:extLst>
+      <p:ext uri="{BB962C8B-B14F-4D97-AF65-F5344CB8AC3E}">
+        <p14:creationId xmlns:p14="http://schemas.microsoft.com/office/powerpoint/2010/main" val="2995774456"/>
+      </p:ext>
+    </p:extLst>
+  </p:cSld>
+  <p:clrMapOvr>
+    <a:masterClrMapping/>
+  </p:clrMapOvr>
+</p:sld>
+</file>
+
+<file path=ppt/slides/slide46.xml><?xml version="1.0" encoding="utf-8"?>
+<p:sld xmlns:a="http://schemas.openxmlformats.org/drawingml/2006/main" xmlns:r="http://schemas.openxmlformats.org/officeDocument/2006/relationships" xmlns:p="http://schemas.openxmlformats.org/presentationml/2006/main">
+  <p:cSld>
+    <p:spTree>
+      <p:nvGrpSpPr>
+        <p:cNvPr id="1" name=""/>
+        <p:cNvGrpSpPr/>
+        <p:nvPr/>
+      </p:nvGrpSpPr>
+      <p:grpSpPr>
+        <a:xfrm>
+          <a:off x="0" y="0"/>
+          <a:ext cx="0" cy="0"/>
+          <a:chOff x="0" y="0"/>
+          <a:chExt cx="0" cy="0"/>
+        </a:xfrm>
+      </p:grpSpPr>
+      <p:sp>
+        <p:nvSpPr>
+          <p:cNvPr id="2" name="제목 1">
+            <a:extLst>
+              <a:ext uri="{FF2B5EF4-FFF2-40B4-BE49-F238E27FC236}">
+                <a16:creationId xmlns:a16="http://schemas.microsoft.com/office/drawing/2014/main" xmlns="" id="{2D7E6B8A-E1FD-472B-F033-346AC9F27163}"/>
+              </a:ext>
+            </a:extLst>
+          </p:cNvPr>
+          <p:cNvSpPr>
+            <a:spLocks noGrp="1"/>
+          </p:cNvSpPr>
+          <p:nvPr>
+            <p:ph type="title"/>
+          </p:nvPr>
+        </p:nvSpPr>
+        <p:spPr>
+          <a:xfrm>
+            <a:off x="705394" y="0"/>
+            <a:ext cx="9601200" cy="476794"/>
+          </a:xfrm>
+        </p:spPr>
+        <p:txBody>
+          <a:bodyPr>
+            <a:normAutofit/>
+          </a:bodyPr>
+          <a:lstStyle/>
+          <a:p>
+            <a:r>
+              <a:rPr lang="ko-KR" altLang="en-US" sz="2000" dirty="0"/>
+              <a:t>슬라이드 </a:t>
+            </a:r>
+            <a:r>
+              <a:rPr lang="en-US" altLang="ko-KR" sz="2000" dirty="0" smtClean="0"/>
+              <a:t>16</a:t>
+            </a:r>
+            <a:r>
+              <a:rPr lang="ko-KR" altLang="en-US" sz="2000" dirty="0" smtClean="0"/>
+              <a:t>페이지 실습 </a:t>
+            </a:r>
+            <a:r>
+              <a:rPr lang="en-US" altLang="ko-KR" sz="2000" dirty="0" smtClean="0"/>
+              <a:t>– Training 1</a:t>
+            </a:r>
+            <a:endParaRPr lang="ko-KR" altLang="en-US" sz="2000" dirty="0"/>
+          </a:p>
+        </p:txBody>
+      </p:sp>
+      <p:pic>
+        <p:nvPicPr>
+          <p:cNvPr id="3" name="그림 2"/>
+          <p:cNvPicPr>
+            <a:picLocks noChangeAspect="1"/>
+          </p:cNvPicPr>
+          <p:nvPr/>
+        </p:nvPicPr>
+        <p:blipFill>
+          <a:blip r:embed="rId2"/>
+          <a:stretch>
+            <a:fillRect/>
+          </a:stretch>
+        </p:blipFill>
+        <p:spPr>
+          <a:xfrm>
+            <a:off x="3661446" y="857767"/>
+            <a:ext cx="5002106" cy="2654680"/>
+          </a:xfrm>
+          <a:prstGeom prst="rect">
+            <a:avLst/>
+          </a:prstGeom>
+        </p:spPr>
+      </p:pic>
+      <p:pic>
+        <p:nvPicPr>
+          <p:cNvPr id="4" name="그림 3"/>
+          <p:cNvPicPr>
+            <a:picLocks noChangeAspect="1"/>
+          </p:cNvPicPr>
+          <p:nvPr/>
+        </p:nvPicPr>
+        <p:blipFill>
+          <a:blip r:embed="rId3"/>
+          <a:stretch>
+            <a:fillRect/>
+          </a:stretch>
+        </p:blipFill>
+        <p:spPr>
+          <a:xfrm>
+            <a:off x="2461905" y="4483172"/>
+            <a:ext cx="7263692" cy="646767"/>
+          </a:xfrm>
+          <a:prstGeom prst="rect">
+            <a:avLst/>
+          </a:prstGeom>
+        </p:spPr>
+      </p:pic>
+    </p:spTree>
+    <p:extLst>
+      <p:ext uri="{BB962C8B-B14F-4D97-AF65-F5344CB8AC3E}">
+        <p14:creationId xmlns:p14="http://schemas.microsoft.com/office/powerpoint/2010/main" val="2420694428"/>
+      </p:ext>
+    </p:extLst>
+  </p:cSld>
+  <p:clrMapOvr>
+    <a:masterClrMapping/>
+  </p:clrMapOvr>
+</p:sld>
+</file>
+
+<file path=ppt/slides/slide47.xml><?xml version="1.0" encoding="utf-8"?>
+<p:sld xmlns:a="http://schemas.openxmlformats.org/drawingml/2006/main" xmlns:r="http://schemas.openxmlformats.org/officeDocument/2006/relationships" xmlns:p="http://schemas.openxmlformats.org/presentationml/2006/main">
+  <p:cSld>
+    <p:spTree>
+      <p:nvGrpSpPr>
+        <p:cNvPr id="1" name=""/>
+        <p:cNvGrpSpPr/>
+        <p:nvPr/>
+      </p:nvGrpSpPr>
+      <p:grpSpPr>
+        <a:xfrm>
+          <a:off x="0" y="0"/>
+          <a:ext cx="0" cy="0"/>
+          <a:chOff x="0" y="0"/>
+          <a:chExt cx="0" cy="0"/>
+        </a:xfrm>
+      </p:grpSpPr>
+      <p:sp>
+        <p:nvSpPr>
+          <p:cNvPr id="2" name="제목 1">
+            <a:extLst>
+              <a:ext uri="{FF2B5EF4-FFF2-40B4-BE49-F238E27FC236}">
+                <a16:creationId xmlns:a16="http://schemas.microsoft.com/office/drawing/2014/main" xmlns="" id="{2D7E6B8A-E1FD-472B-F033-346AC9F27163}"/>
+              </a:ext>
+            </a:extLst>
+          </p:cNvPr>
+          <p:cNvSpPr>
+            <a:spLocks noGrp="1"/>
+          </p:cNvSpPr>
+          <p:nvPr>
+            <p:ph type="title"/>
+          </p:nvPr>
+        </p:nvSpPr>
+        <p:spPr>
+          <a:xfrm>
+            <a:off x="705394" y="0"/>
+            <a:ext cx="9601200" cy="476794"/>
+          </a:xfrm>
+        </p:spPr>
+        <p:txBody>
+          <a:bodyPr>
+            <a:normAutofit/>
+          </a:bodyPr>
+          <a:lstStyle/>
+          <a:p>
+            <a:r>
+              <a:rPr lang="ko-KR" altLang="en-US" sz="2000"/>
+              <a:t>슬라이드 </a:t>
+            </a:r>
+            <a:r>
+              <a:rPr lang="en-US" altLang="ko-KR" sz="2000"/>
+              <a:t>16</a:t>
+            </a:r>
+            <a:r>
+              <a:rPr lang="ko-KR" altLang="en-US" sz="2000"/>
+              <a:t>페이지 실습 </a:t>
+            </a:r>
+            <a:r>
+              <a:rPr lang="en-US" altLang="ko-KR" sz="2000"/>
+              <a:t>– Training 1</a:t>
+            </a:r>
+            <a:endParaRPr lang="ko-KR" altLang="en-US" sz="2000" dirty="0"/>
+          </a:p>
+        </p:txBody>
+      </p:sp>
+      <p:pic>
+        <p:nvPicPr>
+          <p:cNvPr id="3" name="그림 2"/>
+          <p:cNvPicPr>
+            <a:picLocks noChangeAspect="1"/>
+          </p:cNvPicPr>
+          <p:nvPr/>
+        </p:nvPicPr>
+        <p:blipFill>
+          <a:blip r:embed="rId2"/>
+          <a:stretch>
+            <a:fillRect/>
+          </a:stretch>
+        </p:blipFill>
+        <p:spPr>
+          <a:xfrm>
+            <a:off x="5505994" y="0"/>
+            <a:ext cx="5233494" cy="6858000"/>
+          </a:xfrm>
+          <a:prstGeom prst="rect">
+            <a:avLst/>
+          </a:prstGeom>
+        </p:spPr>
+      </p:pic>
+      <p:sp>
+        <p:nvSpPr>
+          <p:cNvPr id="4" name="TextBox 3"/>
+          <p:cNvSpPr txBox="1"/>
+          <p:nvPr/>
+        </p:nvSpPr>
+        <p:spPr>
+          <a:xfrm>
+            <a:off x="2960176" y="3161654"/>
+            <a:ext cx="2417736" cy="369332"/>
+          </a:xfrm>
+          <a:prstGeom prst="rect">
+            <a:avLst/>
+          </a:prstGeom>
+          <a:noFill/>
+        </p:spPr>
+        <p:txBody>
+          <a:bodyPr wrap="square" rtlCol="0">
+            <a:spAutoFit/>
+          </a:bodyPr>
+          <a:lstStyle/>
+          <a:p>
+            <a:r>
+              <a:rPr lang="ko-KR" altLang="en-US" smtClean="0"/>
+              <a:t>테이블에 값 입력하기</a:t>
+            </a:r>
+            <a:endParaRPr lang="ko-KR" altLang="en-US"/>
+          </a:p>
+        </p:txBody>
+      </p:sp>
+    </p:spTree>
+    <p:extLst>
+      <p:ext uri="{BB962C8B-B14F-4D97-AF65-F5344CB8AC3E}">
+        <p14:creationId xmlns:p14="http://schemas.microsoft.com/office/powerpoint/2010/main" val="1105928375"/>
+      </p:ext>
+    </p:extLst>
+  </p:cSld>
+  <p:clrMapOvr>
+    <a:masterClrMapping/>
+  </p:clrMapOvr>
+</p:sld>
+</file>
+
+<file path=ppt/slides/slide48.xml><?xml version="1.0" encoding="utf-8"?>
+<p:sld xmlns:a="http://schemas.openxmlformats.org/drawingml/2006/main" xmlns:r="http://schemas.openxmlformats.org/officeDocument/2006/relationships" xmlns:p="http://schemas.openxmlformats.org/presentationml/2006/main">
+  <p:cSld>
+    <p:spTree>
+      <p:nvGrpSpPr>
+        <p:cNvPr id="1" name=""/>
+        <p:cNvGrpSpPr/>
+        <p:nvPr/>
+      </p:nvGrpSpPr>
+      <p:grpSpPr>
+        <a:xfrm>
+          <a:off x="0" y="0"/>
+          <a:ext cx="0" cy="0"/>
+          <a:chOff x="0" y="0"/>
+          <a:chExt cx="0" cy="0"/>
+        </a:xfrm>
+      </p:grpSpPr>
+      <p:sp>
+        <p:nvSpPr>
+          <p:cNvPr id="2" name="제목 1">
+            <a:extLst>
+              <a:ext uri="{FF2B5EF4-FFF2-40B4-BE49-F238E27FC236}">
+                <a16:creationId xmlns:a16="http://schemas.microsoft.com/office/drawing/2014/main" xmlns="" id="{2D7E6B8A-E1FD-472B-F033-346AC9F27163}"/>
+              </a:ext>
+            </a:extLst>
+          </p:cNvPr>
+          <p:cNvSpPr>
+            <a:spLocks noGrp="1"/>
+          </p:cNvSpPr>
+          <p:nvPr>
+            <p:ph type="title"/>
+          </p:nvPr>
+        </p:nvSpPr>
+        <p:spPr>
+          <a:xfrm>
+            <a:off x="705394" y="0"/>
+            <a:ext cx="9601200" cy="476794"/>
+          </a:xfrm>
+        </p:spPr>
+        <p:txBody>
+          <a:bodyPr>
+            <a:normAutofit/>
+          </a:bodyPr>
+          <a:lstStyle/>
+          <a:p>
+            <a:r>
+              <a:rPr lang="ko-KR" altLang="en-US" sz="2000"/>
+              <a:t>슬라이드 </a:t>
+            </a:r>
+            <a:r>
+              <a:rPr lang="en-US" altLang="ko-KR" sz="2000"/>
+              <a:t>16</a:t>
+            </a:r>
+            <a:r>
+              <a:rPr lang="ko-KR" altLang="en-US" sz="2000"/>
+              <a:t>페이지 실습 </a:t>
+            </a:r>
+            <a:r>
+              <a:rPr lang="en-US" altLang="ko-KR" sz="2000"/>
+              <a:t>– Training 1</a:t>
+            </a:r>
+            <a:endParaRPr lang="ko-KR" altLang="en-US" sz="2000" dirty="0"/>
+          </a:p>
+        </p:txBody>
+      </p:sp>
+      <p:pic>
+        <p:nvPicPr>
+          <p:cNvPr id="3" name="그림 2"/>
+          <p:cNvPicPr>
+            <a:picLocks noChangeAspect="1"/>
+          </p:cNvPicPr>
+          <p:nvPr/>
+        </p:nvPicPr>
+        <p:blipFill>
+          <a:blip r:embed="rId2"/>
+          <a:stretch>
+            <a:fillRect/>
+          </a:stretch>
+        </p:blipFill>
+        <p:spPr>
+          <a:xfrm>
+            <a:off x="4148640" y="930433"/>
+            <a:ext cx="4690737" cy="603897"/>
+          </a:xfrm>
+          <a:prstGeom prst="rect">
+            <a:avLst/>
+          </a:prstGeom>
+        </p:spPr>
+      </p:pic>
+      <p:pic>
+        <p:nvPicPr>
+          <p:cNvPr id="4" name="그림 3"/>
+          <p:cNvPicPr>
+            <a:picLocks noChangeAspect="1"/>
+          </p:cNvPicPr>
+          <p:nvPr/>
+        </p:nvPicPr>
+        <p:blipFill>
+          <a:blip r:embed="rId3"/>
+          <a:stretch>
+            <a:fillRect/>
+          </a:stretch>
+        </p:blipFill>
+        <p:spPr>
+          <a:xfrm>
+            <a:off x="1297070" y="2294517"/>
+            <a:ext cx="4835234" cy="3672330"/>
+          </a:xfrm>
+          <a:prstGeom prst="rect">
+            <a:avLst/>
+          </a:prstGeom>
+        </p:spPr>
+      </p:pic>
+      <p:pic>
+        <p:nvPicPr>
+          <p:cNvPr id="5" name="그림 4"/>
+          <p:cNvPicPr>
+            <a:picLocks noChangeAspect="1"/>
+          </p:cNvPicPr>
+          <p:nvPr/>
+        </p:nvPicPr>
+        <p:blipFill>
+          <a:blip r:embed="rId4"/>
+          <a:stretch>
+            <a:fillRect/>
+          </a:stretch>
+        </p:blipFill>
+        <p:spPr>
+          <a:xfrm>
+            <a:off x="6946649" y="2294517"/>
+            <a:ext cx="4884075" cy="3672330"/>
+          </a:xfrm>
+          <a:prstGeom prst="rect">
+            <a:avLst/>
+          </a:prstGeom>
+        </p:spPr>
+      </p:pic>
+    </p:spTree>
+    <p:extLst>
+      <p:ext uri="{BB962C8B-B14F-4D97-AF65-F5344CB8AC3E}">
+        <p14:creationId xmlns:p14="http://schemas.microsoft.com/office/powerpoint/2010/main" val="4043724468"/>
+      </p:ext>
+    </p:extLst>
+  </p:cSld>
+  <p:clrMapOvr>
+    <a:masterClrMapping/>
+  </p:clrMapOvr>
+</p:sld>
+</file>
+
+<file path=ppt/slides/slide49.xml><?xml version="1.0" encoding="utf-8"?>
+<p:sld xmlns:a="http://schemas.openxmlformats.org/drawingml/2006/main" xmlns:r="http://schemas.openxmlformats.org/officeDocument/2006/relationships" xmlns:p="http://schemas.openxmlformats.org/presentationml/2006/main">
+  <p:cSld>
+    <p:spTree>
+      <p:nvGrpSpPr>
+        <p:cNvPr id="1" name=""/>
+        <p:cNvGrpSpPr/>
+        <p:nvPr/>
+      </p:nvGrpSpPr>
+      <p:grpSpPr>
+        <a:xfrm>
+          <a:off x="0" y="0"/>
+          <a:ext cx="0" cy="0"/>
+          <a:chOff x="0" y="0"/>
+          <a:chExt cx="0" cy="0"/>
+        </a:xfrm>
+      </p:grpSpPr>
+      <p:sp>
+        <p:nvSpPr>
+          <p:cNvPr id="2" name="제목 1">
+            <a:extLst>
+              <a:ext uri="{FF2B5EF4-FFF2-40B4-BE49-F238E27FC236}">
+                <a16:creationId xmlns:a16="http://schemas.microsoft.com/office/drawing/2014/main" xmlns="" id="{2D7E6B8A-E1FD-472B-F033-346AC9F27163}"/>
+              </a:ext>
+            </a:extLst>
+          </p:cNvPr>
+          <p:cNvSpPr>
+            <a:spLocks noGrp="1"/>
+          </p:cNvSpPr>
+          <p:nvPr>
+            <p:ph type="title"/>
+          </p:nvPr>
+        </p:nvSpPr>
+        <p:spPr>
+          <a:xfrm>
+            <a:off x="705394" y="0"/>
+            <a:ext cx="9601200" cy="476794"/>
+          </a:xfrm>
+        </p:spPr>
+        <p:txBody>
+          <a:bodyPr>
+            <a:normAutofit/>
+          </a:bodyPr>
+          <a:lstStyle/>
+          <a:p>
+            <a:r>
+              <a:rPr lang="ko-KR" altLang="en-US" sz="2000" dirty="0"/>
+              <a:t>슬라이드 </a:t>
+            </a:r>
+            <a:r>
+              <a:rPr lang="en-US" altLang="ko-KR" sz="2000" dirty="0"/>
+              <a:t>16</a:t>
+            </a:r>
+            <a:r>
+              <a:rPr lang="ko-KR" altLang="en-US" sz="2000" dirty="0"/>
+              <a:t>페이지 실습 </a:t>
+            </a:r>
+            <a:r>
+              <a:rPr lang="en-US" altLang="ko-KR" sz="2000" dirty="0"/>
+              <a:t>– Training 1 </a:t>
+            </a:r>
+            <a:r>
+              <a:rPr lang="ko-KR" altLang="en-US" sz="2000" dirty="0"/>
+              <a:t>실습 </a:t>
+            </a:r>
+            <a:r>
+              <a:rPr lang="ko-KR" altLang="en-US" sz="2000" dirty="0" smtClean="0"/>
+              <a:t>내용테이블</a:t>
+            </a:r>
+            <a:endParaRPr lang="ko-KR" altLang="en-US" sz="2000" dirty="0"/>
+          </a:p>
+        </p:txBody>
+      </p:sp>
+      <p:pic>
+        <p:nvPicPr>
+          <p:cNvPr id="3" name="그림 2"/>
+          <p:cNvPicPr>
+            <a:picLocks noChangeAspect="1"/>
+          </p:cNvPicPr>
+          <p:nvPr/>
+        </p:nvPicPr>
+        <p:blipFill>
+          <a:blip r:embed="rId2"/>
+          <a:stretch>
+            <a:fillRect/>
+          </a:stretch>
+        </p:blipFill>
+        <p:spPr>
+          <a:xfrm>
+            <a:off x="2810192" y="888304"/>
+            <a:ext cx="6814255" cy="4432036"/>
+          </a:xfrm>
+          <a:prstGeom prst="rect">
+            <a:avLst/>
+          </a:prstGeom>
+        </p:spPr>
+      </p:pic>
+      <p:pic>
+        <p:nvPicPr>
+          <p:cNvPr id="4" name="그림 3"/>
+          <p:cNvPicPr>
+            <a:picLocks noChangeAspect="1"/>
+          </p:cNvPicPr>
+          <p:nvPr/>
+        </p:nvPicPr>
+        <p:blipFill>
+          <a:blip r:embed="rId3"/>
+          <a:stretch>
+            <a:fillRect/>
+          </a:stretch>
+        </p:blipFill>
+        <p:spPr>
+          <a:xfrm>
+            <a:off x="2100680" y="5731850"/>
+            <a:ext cx="8028801" cy="699947"/>
+          </a:xfrm>
+          <a:prstGeom prst="rect">
+            <a:avLst/>
+          </a:prstGeom>
+        </p:spPr>
+      </p:pic>
+    </p:spTree>
+    <p:extLst>
+      <p:ext uri="{BB962C8B-B14F-4D97-AF65-F5344CB8AC3E}">
+        <p14:creationId xmlns:p14="http://schemas.microsoft.com/office/powerpoint/2010/main" val="2359018088"/>
+      </p:ext>
+    </p:extLst>
+  </p:cSld>
+  <p:clrMapOvr>
+    <a:masterClrMapping/>
+  </p:clrMapOvr>
+  <p:timing>
+    <p:tnLst>
+      <p:par>
+        <p:cTn id="1" dur="indefinite" restart="never" nodeType="tmRoot"/>
+      </p:par>
+    </p:tnLst>
+  </p:timing>
 </p:sld>
 </file>
 
@@ -6825,7 +11713,7 @@
           <p:cNvPr id="2" name="제목 1">
             <a:extLst>
               <a:ext uri="{FF2B5EF4-FFF2-40B4-BE49-F238E27FC236}">
-                <a16:creationId xmlns="" xmlns:a16="http://schemas.microsoft.com/office/drawing/2014/main" id="{2D7E6B8A-E1FD-472B-F033-346AC9F27163}"/>
+                <a16:creationId xmlns:a16="http://schemas.microsoft.com/office/drawing/2014/main" xmlns="" id="{2D7E6B8A-E1FD-472B-F033-346AC9F27163}"/>
               </a:ext>
             </a:extLst>
           </p:cNvPr>
@@ -6864,7 +11752,6 @@
               <a:rPr lang="ko-KR" altLang="en-US" sz="2000" dirty="0"/>
               <a:t>실습</a:t>
             </a:r>
-            <a:endParaRPr lang="ko-KR" altLang="en-US" sz="2000" dirty="0"/>
           </a:p>
         </p:txBody>
       </p:sp>
@@ -6940,6 +11827,1367 @@
   <p:clrMapOvr>
     <a:masterClrMapping/>
   </p:clrMapOvr>
+</p:sld>
+</file>
+
+<file path=ppt/slides/slide50.xml><?xml version="1.0" encoding="utf-8"?>
+<p:sld xmlns:a="http://schemas.openxmlformats.org/drawingml/2006/main" xmlns:r="http://schemas.openxmlformats.org/officeDocument/2006/relationships" xmlns:p="http://schemas.openxmlformats.org/presentationml/2006/main">
+  <p:cSld>
+    <p:spTree>
+      <p:nvGrpSpPr>
+        <p:cNvPr id="1" name=""/>
+        <p:cNvGrpSpPr/>
+        <p:nvPr/>
+      </p:nvGrpSpPr>
+      <p:grpSpPr>
+        <a:xfrm>
+          <a:off x="0" y="0"/>
+          <a:ext cx="0" cy="0"/>
+          <a:chOff x="0" y="0"/>
+          <a:chExt cx="0" cy="0"/>
+        </a:xfrm>
+      </p:grpSpPr>
+      <p:sp>
+        <p:nvSpPr>
+          <p:cNvPr id="2" name="제목 1">
+            <a:extLst>
+              <a:ext uri="{FF2B5EF4-FFF2-40B4-BE49-F238E27FC236}">
+                <a16:creationId xmlns:a16="http://schemas.microsoft.com/office/drawing/2014/main" xmlns="" id="{2D7E6B8A-E1FD-472B-F033-346AC9F27163}"/>
+              </a:ext>
+            </a:extLst>
+          </p:cNvPr>
+          <p:cNvSpPr>
+            <a:spLocks noGrp="1"/>
+          </p:cNvSpPr>
+          <p:nvPr>
+            <p:ph type="title"/>
+          </p:nvPr>
+        </p:nvSpPr>
+        <p:spPr>
+          <a:xfrm>
+            <a:off x="736391" y="0"/>
+            <a:ext cx="9601200" cy="476794"/>
+          </a:xfrm>
+        </p:spPr>
+        <p:txBody>
+          <a:bodyPr>
+            <a:normAutofit/>
+          </a:bodyPr>
+          <a:lstStyle/>
+          <a:p>
+            <a:r>
+              <a:rPr lang="ko-KR" altLang="en-US" sz="2000"/>
+              <a:t>슬라이드 </a:t>
+            </a:r>
+            <a:r>
+              <a:rPr lang="en-US" altLang="ko-KR" sz="2000"/>
+              <a:t>16</a:t>
+            </a:r>
+            <a:r>
+              <a:rPr lang="ko-KR" altLang="en-US" sz="2000"/>
+              <a:t>페이지 실습 </a:t>
+            </a:r>
+            <a:r>
+              <a:rPr lang="en-US" altLang="ko-KR" sz="2000"/>
+              <a:t>– Training 1 </a:t>
+            </a:r>
+            <a:r>
+              <a:rPr lang="ko-KR" altLang="en-US" sz="2000"/>
+              <a:t>실습 내용테이블</a:t>
+            </a:r>
+            <a:endParaRPr lang="ko-KR" altLang="en-US" sz="2000" dirty="0"/>
+          </a:p>
+        </p:txBody>
+      </p:sp>
+      <p:pic>
+        <p:nvPicPr>
+          <p:cNvPr id="3" name="그림 2"/>
+          <p:cNvPicPr>
+            <a:picLocks noChangeAspect="1"/>
+          </p:cNvPicPr>
+          <p:nvPr/>
+        </p:nvPicPr>
+        <p:blipFill>
+          <a:blip r:embed="rId2"/>
+          <a:stretch>
+            <a:fillRect/>
+          </a:stretch>
+        </p:blipFill>
+        <p:spPr>
+          <a:xfrm>
+            <a:off x="2478523" y="728421"/>
+            <a:ext cx="6891231" cy="580722"/>
+          </a:xfrm>
+          <a:prstGeom prst="rect">
+            <a:avLst/>
+          </a:prstGeom>
+        </p:spPr>
+      </p:pic>
+      <p:pic>
+        <p:nvPicPr>
+          <p:cNvPr id="4" name="그림 3"/>
+          <p:cNvPicPr>
+            <a:picLocks noChangeAspect="1"/>
+          </p:cNvPicPr>
+          <p:nvPr/>
+        </p:nvPicPr>
+        <p:blipFill>
+          <a:blip r:embed="rId3"/>
+          <a:stretch>
+            <a:fillRect/>
+          </a:stretch>
+        </p:blipFill>
+        <p:spPr>
+          <a:xfrm>
+            <a:off x="1108351" y="1963082"/>
+            <a:ext cx="4954475" cy="3718976"/>
+          </a:xfrm>
+          <a:prstGeom prst="rect">
+            <a:avLst/>
+          </a:prstGeom>
+        </p:spPr>
+      </p:pic>
+      <p:pic>
+        <p:nvPicPr>
+          <p:cNvPr id="5" name="그림 4"/>
+          <p:cNvPicPr>
+            <a:picLocks noChangeAspect="1"/>
+          </p:cNvPicPr>
+          <p:nvPr/>
+        </p:nvPicPr>
+        <p:blipFill>
+          <a:blip r:embed="rId4"/>
+          <a:stretch>
+            <a:fillRect/>
+          </a:stretch>
+        </p:blipFill>
+        <p:spPr>
+          <a:xfrm>
+            <a:off x="6534816" y="1963082"/>
+            <a:ext cx="4987950" cy="3718976"/>
+          </a:xfrm>
+          <a:prstGeom prst="rect">
+            <a:avLst/>
+          </a:prstGeom>
+        </p:spPr>
+      </p:pic>
+    </p:spTree>
+    <p:extLst>
+      <p:ext uri="{BB962C8B-B14F-4D97-AF65-F5344CB8AC3E}">
+        <p14:creationId xmlns:p14="http://schemas.microsoft.com/office/powerpoint/2010/main" val="4208173376"/>
+      </p:ext>
+    </p:extLst>
+  </p:cSld>
+  <p:clrMapOvr>
+    <a:masterClrMapping/>
+  </p:clrMapOvr>
+  <p:timing>
+    <p:tnLst>
+      <p:par>
+        <p:cTn id="1" dur="indefinite" restart="never" nodeType="tmRoot"/>
+      </p:par>
+    </p:tnLst>
+  </p:timing>
+</p:sld>
+</file>
+
+<file path=ppt/slides/slide51.xml><?xml version="1.0" encoding="utf-8"?>
+<p:sld xmlns:a="http://schemas.openxmlformats.org/drawingml/2006/main" xmlns:r="http://schemas.openxmlformats.org/officeDocument/2006/relationships" xmlns:p="http://schemas.openxmlformats.org/presentationml/2006/main">
+  <p:cSld>
+    <p:spTree>
+      <p:nvGrpSpPr>
+        <p:cNvPr id="1" name=""/>
+        <p:cNvGrpSpPr/>
+        <p:nvPr/>
+      </p:nvGrpSpPr>
+      <p:grpSpPr>
+        <a:xfrm>
+          <a:off x="0" y="0"/>
+          <a:ext cx="0" cy="0"/>
+          <a:chOff x="0" y="0"/>
+          <a:chExt cx="0" cy="0"/>
+        </a:xfrm>
+      </p:grpSpPr>
+      <p:sp>
+        <p:nvSpPr>
+          <p:cNvPr id="2" name="제목 1">
+            <a:extLst>
+              <a:ext uri="{FF2B5EF4-FFF2-40B4-BE49-F238E27FC236}">
+                <a16:creationId xmlns:a16="http://schemas.microsoft.com/office/drawing/2014/main" xmlns="" id="{2D7E6B8A-E1FD-472B-F033-346AC9F27163}"/>
+              </a:ext>
+            </a:extLst>
+          </p:cNvPr>
+          <p:cNvSpPr>
+            <a:spLocks noGrp="1"/>
+          </p:cNvSpPr>
+          <p:nvPr>
+            <p:ph type="title"/>
+          </p:nvPr>
+        </p:nvSpPr>
+        <p:spPr>
+          <a:xfrm>
+            <a:off x="705394" y="0"/>
+            <a:ext cx="9601200" cy="476794"/>
+          </a:xfrm>
+        </p:spPr>
+        <p:txBody>
+          <a:bodyPr>
+            <a:normAutofit fontScale="90000"/>
+          </a:bodyPr>
+          <a:lstStyle/>
+          <a:p>
+            <a:r>
+              <a:rPr lang="ko-KR" altLang="en-US" sz="2000" dirty="0"/>
+              <a:t>슬라이드 </a:t>
+            </a:r>
+            <a:r>
+              <a:rPr lang="en-US" altLang="ko-KR" sz="2000" dirty="0"/>
+              <a:t>16</a:t>
+            </a:r>
+            <a:r>
+              <a:rPr lang="ko-KR" altLang="en-US" sz="2000" dirty="0"/>
+              <a:t>페이지 실습 </a:t>
+            </a:r>
+            <a:r>
+              <a:rPr lang="en-US" altLang="ko-KR" sz="2000" dirty="0" smtClean="0"/>
+              <a:t/>
+            </a:r>
+            <a:br>
+              <a:rPr lang="en-US" altLang="ko-KR" sz="2000" dirty="0" smtClean="0"/>
+            </a:br>
+            <a:r>
+              <a:rPr lang="en-US" altLang="ko-KR" sz="2000" dirty="0" smtClean="0"/>
+              <a:t>– </a:t>
+            </a:r>
+            <a:r>
+              <a:rPr lang="en-US" altLang="ko-KR" sz="2000" dirty="0"/>
+              <a:t>Training 1 </a:t>
+            </a:r>
+            <a:r>
+              <a:rPr lang="ko-KR" altLang="en-US" sz="2000" dirty="0"/>
+              <a:t>실습 현재테이블</a:t>
+            </a:r>
+            <a:endParaRPr lang="ko-KR" altLang="en-US" sz="2000" dirty="0"/>
+          </a:p>
+        </p:txBody>
+      </p:sp>
+      <p:pic>
+        <p:nvPicPr>
+          <p:cNvPr id="3" name="그림 2"/>
+          <p:cNvPicPr>
+            <a:picLocks noChangeAspect="1"/>
+          </p:cNvPicPr>
+          <p:nvPr/>
+        </p:nvPicPr>
+        <p:blipFill>
+          <a:blip r:embed="rId2"/>
+          <a:stretch>
+            <a:fillRect/>
+          </a:stretch>
+        </p:blipFill>
+        <p:spPr>
+          <a:xfrm>
+            <a:off x="5225032" y="0"/>
+            <a:ext cx="6422424" cy="6858000"/>
+          </a:xfrm>
+          <a:prstGeom prst="rect">
+            <a:avLst/>
+          </a:prstGeom>
+        </p:spPr>
+      </p:pic>
+    </p:spTree>
+    <p:extLst>
+      <p:ext uri="{BB962C8B-B14F-4D97-AF65-F5344CB8AC3E}">
+        <p14:creationId xmlns:p14="http://schemas.microsoft.com/office/powerpoint/2010/main" val="3963420214"/>
+      </p:ext>
+    </p:extLst>
+  </p:cSld>
+  <p:clrMapOvr>
+    <a:masterClrMapping/>
+  </p:clrMapOvr>
+  <p:timing>
+    <p:tnLst>
+      <p:par>
+        <p:cTn id="1" dur="indefinite" restart="never" nodeType="tmRoot"/>
+      </p:par>
+    </p:tnLst>
+  </p:timing>
+</p:sld>
+</file>
+
+<file path=ppt/slides/slide52.xml><?xml version="1.0" encoding="utf-8"?>
+<p:sld xmlns:a="http://schemas.openxmlformats.org/drawingml/2006/main" xmlns:r="http://schemas.openxmlformats.org/officeDocument/2006/relationships" xmlns:p="http://schemas.openxmlformats.org/presentationml/2006/main">
+  <p:cSld>
+    <p:spTree>
+      <p:nvGrpSpPr>
+        <p:cNvPr id="1" name=""/>
+        <p:cNvGrpSpPr/>
+        <p:nvPr/>
+      </p:nvGrpSpPr>
+      <p:grpSpPr>
+        <a:xfrm>
+          <a:off x="0" y="0"/>
+          <a:ext cx="0" cy="0"/>
+          <a:chOff x="0" y="0"/>
+          <a:chExt cx="0" cy="0"/>
+        </a:xfrm>
+      </p:grpSpPr>
+      <p:sp>
+        <p:nvSpPr>
+          <p:cNvPr id="2" name="제목 1">
+            <a:extLst>
+              <a:ext uri="{FF2B5EF4-FFF2-40B4-BE49-F238E27FC236}">
+                <a16:creationId xmlns:a16="http://schemas.microsoft.com/office/drawing/2014/main" xmlns="" id="{2D7E6B8A-E1FD-472B-F033-346AC9F27163}"/>
+              </a:ext>
+            </a:extLst>
+          </p:cNvPr>
+          <p:cNvSpPr>
+            <a:spLocks noGrp="1"/>
+          </p:cNvSpPr>
+          <p:nvPr>
+            <p:ph type="title"/>
+          </p:nvPr>
+        </p:nvSpPr>
+        <p:spPr>
+          <a:xfrm>
+            <a:off x="705394" y="0"/>
+            <a:ext cx="9601200" cy="476794"/>
+          </a:xfrm>
+        </p:spPr>
+        <p:txBody>
+          <a:bodyPr>
+            <a:normAutofit fontScale="90000"/>
+          </a:bodyPr>
+          <a:lstStyle/>
+          <a:p>
+            <a:r>
+              <a:rPr lang="ko-KR" altLang="en-US" sz="2000" dirty="0"/>
+              <a:t>슬라이드 </a:t>
+            </a:r>
+            <a:r>
+              <a:rPr lang="en-US" altLang="ko-KR" sz="2000" dirty="0"/>
+              <a:t>16</a:t>
+            </a:r>
+            <a:r>
+              <a:rPr lang="ko-KR" altLang="en-US" sz="2000" dirty="0"/>
+              <a:t>페이지 실습 </a:t>
+            </a:r>
+            <a:r>
+              <a:rPr lang="en-US" altLang="ko-KR" sz="2000" dirty="0"/>
+              <a:t/>
+            </a:r>
+            <a:br>
+              <a:rPr lang="en-US" altLang="ko-KR" sz="2000" dirty="0"/>
+            </a:br>
+            <a:r>
+              <a:rPr lang="en-US" altLang="ko-KR" sz="2000" dirty="0"/>
+              <a:t>– Training 1 </a:t>
+            </a:r>
+            <a:r>
+              <a:rPr lang="ko-KR" altLang="en-US" sz="2000" dirty="0"/>
+              <a:t>실습 현재테이블</a:t>
+            </a:r>
+            <a:endParaRPr lang="ko-KR" altLang="en-US" sz="2000" dirty="0"/>
+          </a:p>
+        </p:txBody>
+      </p:sp>
+      <p:pic>
+        <p:nvPicPr>
+          <p:cNvPr id="3" name="그림 2"/>
+          <p:cNvPicPr>
+            <a:picLocks noChangeAspect="1"/>
+          </p:cNvPicPr>
+          <p:nvPr/>
+        </p:nvPicPr>
+        <p:blipFill>
+          <a:blip r:embed="rId2"/>
+          <a:stretch>
+            <a:fillRect/>
+          </a:stretch>
+        </p:blipFill>
+        <p:spPr>
+          <a:xfrm>
+            <a:off x="2616400" y="758920"/>
+            <a:ext cx="6773220" cy="4782217"/>
+          </a:xfrm>
+          <a:prstGeom prst="rect">
+            <a:avLst/>
+          </a:prstGeom>
+        </p:spPr>
+      </p:pic>
+      <p:pic>
+        <p:nvPicPr>
+          <p:cNvPr id="4" name="그림 3"/>
+          <p:cNvPicPr>
+            <a:picLocks noChangeAspect="1"/>
+          </p:cNvPicPr>
+          <p:nvPr/>
+        </p:nvPicPr>
+        <p:blipFill>
+          <a:blip r:embed="rId3"/>
+          <a:stretch>
+            <a:fillRect/>
+          </a:stretch>
+        </p:blipFill>
+        <p:spPr>
+          <a:xfrm>
+            <a:off x="2091154" y="5823263"/>
+            <a:ext cx="7652581" cy="717022"/>
+          </a:xfrm>
+          <a:prstGeom prst="rect">
+            <a:avLst/>
+          </a:prstGeom>
+        </p:spPr>
+      </p:pic>
+    </p:spTree>
+    <p:extLst>
+      <p:ext uri="{BB962C8B-B14F-4D97-AF65-F5344CB8AC3E}">
+        <p14:creationId xmlns:p14="http://schemas.microsoft.com/office/powerpoint/2010/main" val="1374184349"/>
+      </p:ext>
+    </p:extLst>
+  </p:cSld>
+  <p:clrMapOvr>
+    <a:masterClrMapping/>
+  </p:clrMapOvr>
+</p:sld>
+</file>
+
+<file path=ppt/slides/slide53.xml><?xml version="1.0" encoding="utf-8"?>
+<p:sld xmlns:a="http://schemas.openxmlformats.org/drawingml/2006/main" xmlns:r="http://schemas.openxmlformats.org/officeDocument/2006/relationships" xmlns:p="http://schemas.openxmlformats.org/presentationml/2006/main">
+  <p:cSld>
+    <p:spTree>
+      <p:nvGrpSpPr>
+        <p:cNvPr id="1" name=""/>
+        <p:cNvGrpSpPr/>
+        <p:nvPr/>
+      </p:nvGrpSpPr>
+      <p:grpSpPr>
+        <a:xfrm>
+          <a:off x="0" y="0"/>
+          <a:ext cx="0" cy="0"/>
+          <a:chOff x="0" y="0"/>
+          <a:chExt cx="0" cy="0"/>
+        </a:xfrm>
+      </p:grpSpPr>
+      <p:sp>
+        <p:nvSpPr>
+          <p:cNvPr id="2" name="제목 1">
+            <a:extLst>
+              <a:ext uri="{FF2B5EF4-FFF2-40B4-BE49-F238E27FC236}">
+                <a16:creationId xmlns:a16="http://schemas.microsoft.com/office/drawing/2014/main" xmlns="" id="{2D7E6B8A-E1FD-472B-F033-346AC9F27163}"/>
+              </a:ext>
+            </a:extLst>
+          </p:cNvPr>
+          <p:cNvSpPr>
+            <a:spLocks noGrp="1"/>
+          </p:cNvSpPr>
+          <p:nvPr>
+            <p:ph type="title"/>
+          </p:nvPr>
+        </p:nvSpPr>
+        <p:spPr>
+          <a:xfrm>
+            <a:off x="705394" y="0"/>
+            <a:ext cx="9601200" cy="476794"/>
+          </a:xfrm>
+        </p:spPr>
+        <p:txBody>
+          <a:bodyPr>
+            <a:normAutofit/>
+          </a:bodyPr>
+          <a:lstStyle/>
+          <a:p>
+            <a:r>
+              <a:rPr lang="ko-KR" altLang="en-US" sz="2000" dirty="0"/>
+              <a:t>슬라이드 </a:t>
+            </a:r>
+            <a:r>
+              <a:rPr lang="en-US" altLang="ko-KR" sz="2000" dirty="0"/>
+              <a:t>16</a:t>
+            </a:r>
+            <a:r>
+              <a:rPr lang="ko-KR" altLang="en-US" sz="2000" dirty="0"/>
+              <a:t>페이지 실습 </a:t>
+            </a:r>
+            <a:r>
+              <a:rPr lang="en-US" altLang="ko-KR" sz="2000" dirty="0" smtClean="0"/>
+              <a:t>– </a:t>
+            </a:r>
+            <a:r>
+              <a:rPr lang="en-US" altLang="ko-KR" sz="2000" dirty="0"/>
+              <a:t>Training 1 </a:t>
+            </a:r>
+            <a:r>
+              <a:rPr lang="ko-KR" altLang="en-US" sz="2000" dirty="0"/>
+              <a:t>실습 현재테이블</a:t>
+            </a:r>
+            <a:endParaRPr lang="ko-KR" altLang="en-US" sz="2000" dirty="0"/>
+          </a:p>
+        </p:txBody>
+      </p:sp>
+      <p:pic>
+        <p:nvPicPr>
+          <p:cNvPr id="3" name="그림 2"/>
+          <p:cNvPicPr>
+            <a:picLocks noChangeAspect="1"/>
+          </p:cNvPicPr>
+          <p:nvPr/>
+        </p:nvPicPr>
+        <p:blipFill>
+          <a:blip r:embed="rId2"/>
+          <a:stretch>
+            <a:fillRect/>
+          </a:stretch>
+        </p:blipFill>
+        <p:spPr>
+          <a:xfrm>
+            <a:off x="2735950" y="2060529"/>
+            <a:ext cx="6860235" cy="543186"/>
+          </a:xfrm>
+          <a:prstGeom prst="rect">
+            <a:avLst/>
+          </a:prstGeom>
+        </p:spPr>
+      </p:pic>
+      <p:pic>
+        <p:nvPicPr>
+          <p:cNvPr id="4" name="그림 3"/>
+          <p:cNvPicPr>
+            <a:picLocks noChangeAspect="1"/>
+          </p:cNvPicPr>
+          <p:nvPr/>
+        </p:nvPicPr>
+        <p:blipFill>
+          <a:blip r:embed="rId3"/>
+          <a:stretch>
+            <a:fillRect/>
+          </a:stretch>
+        </p:blipFill>
+        <p:spPr>
+          <a:xfrm>
+            <a:off x="2735950" y="3415313"/>
+            <a:ext cx="6914063" cy="1203182"/>
+          </a:xfrm>
+          <a:prstGeom prst="rect">
+            <a:avLst/>
+          </a:prstGeom>
+        </p:spPr>
+      </p:pic>
+    </p:spTree>
+    <p:extLst>
+      <p:ext uri="{BB962C8B-B14F-4D97-AF65-F5344CB8AC3E}">
+        <p14:creationId xmlns:p14="http://schemas.microsoft.com/office/powerpoint/2010/main" val="3094161866"/>
+      </p:ext>
+    </p:extLst>
+  </p:cSld>
+  <p:clrMapOvr>
+    <a:masterClrMapping/>
+  </p:clrMapOvr>
+</p:sld>
+</file>
+
+<file path=ppt/slides/slide54.xml><?xml version="1.0" encoding="utf-8"?>
+<p:sld xmlns:a="http://schemas.openxmlformats.org/drawingml/2006/main" xmlns:r="http://schemas.openxmlformats.org/officeDocument/2006/relationships" xmlns:p="http://schemas.openxmlformats.org/presentationml/2006/main">
+  <p:cSld>
+    <p:spTree>
+      <p:nvGrpSpPr>
+        <p:cNvPr id="1" name=""/>
+        <p:cNvGrpSpPr/>
+        <p:nvPr/>
+      </p:nvGrpSpPr>
+      <p:grpSpPr>
+        <a:xfrm>
+          <a:off x="0" y="0"/>
+          <a:ext cx="0" cy="0"/>
+          <a:chOff x="0" y="0"/>
+          <a:chExt cx="0" cy="0"/>
+        </a:xfrm>
+      </p:grpSpPr>
+      <p:sp>
+        <p:nvSpPr>
+          <p:cNvPr id="2" name="제목 1">
+            <a:extLst>
+              <a:ext uri="{FF2B5EF4-FFF2-40B4-BE49-F238E27FC236}">
+                <a16:creationId xmlns:a16="http://schemas.microsoft.com/office/drawing/2014/main" xmlns="" id="{2D7E6B8A-E1FD-472B-F033-346AC9F27163}"/>
+              </a:ext>
+            </a:extLst>
+          </p:cNvPr>
+          <p:cNvSpPr>
+            <a:spLocks noGrp="1"/>
+          </p:cNvSpPr>
+          <p:nvPr>
+            <p:ph type="title"/>
+          </p:nvPr>
+        </p:nvSpPr>
+        <p:spPr>
+          <a:xfrm>
+            <a:off x="705394" y="0"/>
+            <a:ext cx="9601200" cy="476794"/>
+          </a:xfrm>
+        </p:spPr>
+        <p:txBody>
+          <a:bodyPr>
+            <a:normAutofit fontScale="90000"/>
+          </a:bodyPr>
+          <a:lstStyle/>
+          <a:p>
+            <a:r>
+              <a:rPr lang="ko-KR" altLang="en-US" sz="2000" dirty="0"/>
+              <a:t>슬라이드 </a:t>
+            </a:r>
+            <a:r>
+              <a:rPr lang="en-US" altLang="ko-KR" sz="2000" dirty="0"/>
+              <a:t>16</a:t>
+            </a:r>
+            <a:r>
+              <a:rPr lang="ko-KR" altLang="en-US" sz="2000" dirty="0"/>
+              <a:t>페이지 실습 </a:t>
+            </a:r>
+            <a:r>
+              <a:rPr lang="en-US" altLang="ko-KR" sz="2000" dirty="0"/>
+              <a:t/>
+            </a:r>
+            <a:br>
+              <a:rPr lang="en-US" altLang="ko-KR" sz="2000" dirty="0"/>
+            </a:br>
+            <a:r>
+              <a:rPr lang="en-US" altLang="ko-KR" sz="2000" dirty="0"/>
+              <a:t>– Training 1 </a:t>
+            </a:r>
+            <a:r>
+              <a:rPr lang="ko-KR" altLang="en-US" sz="2000" dirty="0"/>
+              <a:t>실습 </a:t>
+            </a:r>
+            <a:r>
+              <a:rPr lang="ko-KR" altLang="en-US" sz="2000" dirty="0" smtClean="0"/>
+              <a:t>누적테이블</a:t>
+            </a:r>
+            <a:endParaRPr lang="ko-KR" altLang="en-US" sz="2000" dirty="0"/>
+          </a:p>
+        </p:txBody>
+      </p:sp>
+      <p:pic>
+        <p:nvPicPr>
+          <p:cNvPr id="3" name="그림 2"/>
+          <p:cNvPicPr>
+            <a:picLocks noChangeAspect="1"/>
+          </p:cNvPicPr>
+          <p:nvPr/>
+        </p:nvPicPr>
+        <p:blipFill>
+          <a:blip r:embed="rId2"/>
+          <a:stretch>
+            <a:fillRect/>
+          </a:stretch>
+        </p:blipFill>
+        <p:spPr>
+          <a:xfrm>
+            <a:off x="5247340" y="0"/>
+            <a:ext cx="6439799" cy="6658904"/>
+          </a:xfrm>
+          <a:prstGeom prst="rect">
+            <a:avLst/>
+          </a:prstGeom>
+        </p:spPr>
+      </p:pic>
+    </p:spTree>
+    <p:extLst>
+      <p:ext uri="{BB962C8B-B14F-4D97-AF65-F5344CB8AC3E}">
+        <p14:creationId xmlns:p14="http://schemas.microsoft.com/office/powerpoint/2010/main" val="3891746753"/>
+      </p:ext>
+    </p:extLst>
+  </p:cSld>
+  <p:clrMapOvr>
+    <a:masterClrMapping/>
+  </p:clrMapOvr>
+</p:sld>
+</file>
+
+<file path=ppt/slides/slide55.xml><?xml version="1.0" encoding="utf-8"?>
+<p:sld xmlns:a="http://schemas.openxmlformats.org/drawingml/2006/main" xmlns:r="http://schemas.openxmlformats.org/officeDocument/2006/relationships" xmlns:p="http://schemas.openxmlformats.org/presentationml/2006/main">
+  <p:cSld>
+    <p:spTree>
+      <p:nvGrpSpPr>
+        <p:cNvPr id="1" name=""/>
+        <p:cNvGrpSpPr/>
+        <p:nvPr/>
+      </p:nvGrpSpPr>
+      <p:grpSpPr>
+        <a:xfrm>
+          <a:off x="0" y="0"/>
+          <a:ext cx="0" cy="0"/>
+          <a:chOff x="0" y="0"/>
+          <a:chExt cx="0" cy="0"/>
+        </a:xfrm>
+      </p:grpSpPr>
+      <p:sp>
+        <p:nvSpPr>
+          <p:cNvPr id="2" name="제목 1">
+            <a:extLst>
+              <a:ext uri="{FF2B5EF4-FFF2-40B4-BE49-F238E27FC236}">
+                <a16:creationId xmlns:a16="http://schemas.microsoft.com/office/drawing/2014/main" xmlns="" id="{2D7E6B8A-E1FD-472B-F033-346AC9F27163}"/>
+              </a:ext>
+            </a:extLst>
+          </p:cNvPr>
+          <p:cNvSpPr>
+            <a:spLocks noGrp="1"/>
+          </p:cNvSpPr>
+          <p:nvPr>
+            <p:ph type="title"/>
+          </p:nvPr>
+        </p:nvSpPr>
+        <p:spPr>
+          <a:xfrm>
+            <a:off x="705394" y="0"/>
+            <a:ext cx="9601200" cy="476794"/>
+          </a:xfrm>
+        </p:spPr>
+        <p:txBody>
+          <a:bodyPr>
+            <a:normAutofit fontScale="90000"/>
+          </a:bodyPr>
+          <a:lstStyle/>
+          <a:p>
+            <a:r>
+              <a:rPr lang="ko-KR" altLang="en-US" sz="2000" dirty="0"/>
+              <a:t>슬라이드 </a:t>
+            </a:r>
+            <a:r>
+              <a:rPr lang="en-US" altLang="ko-KR" sz="2000" dirty="0"/>
+              <a:t>16</a:t>
+            </a:r>
+            <a:r>
+              <a:rPr lang="ko-KR" altLang="en-US" sz="2000" dirty="0"/>
+              <a:t>페이지 실습 </a:t>
+            </a:r>
+            <a:r>
+              <a:rPr lang="en-US" altLang="ko-KR" sz="2000" dirty="0"/>
+              <a:t/>
+            </a:r>
+            <a:br>
+              <a:rPr lang="en-US" altLang="ko-KR" sz="2000" dirty="0"/>
+            </a:br>
+            <a:r>
+              <a:rPr lang="en-US" altLang="ko-KR" sz="2000" dirty="0"/>
+              <a:t>– Training 1 </a:t>
+            </a:r>
+            <a:r>
+              <a:rPr lang="ko-KR" altLang="en-US" sz="2000" dirty="0"/>
+              <a:t>실습 누적테이블</a:t>
+            </a:r>
+            <a:endParaRPr lang="ko-KR" altLang="en-US" sz="2000" dirty="0"/>
+          </a:p>
+        </p:txBody>
+      </p:sp>
+      <p:pic>
+        <p:nvPicPr>
+          <p:cNvPr id="3" name="그림 2"/>
+          <p:cNvPicPr>
+            <a:picLocks noChangeAspect="1"/>
+          </p:cNvPicPr>
+          <p:nvPr/>
+        </p:nvPicPr>
+        <p:blipFill>
+          <a:blip r:embed="rId2"/>
+          <a:stretch>
+            <a:fillRect/>
+          </a:stretch>
+        </p:blipFill>
+        <p:spPr>
+          <a:xfrm>
+            <a:off x="4832440" y="0"/>
+            <a:ext cx="6401693" cy="5925377"/>
+          </a:xfrm>
+          <a:prstGeom prst="rect">
+            <a:avLst/>
+          </a:prstGeom>
+        </p:spPr>
+      </p:pic>
+      <p:pic>
+        <p:nvPicPr>
+          <p:cNvPr id="4" name="그림 3"/>
+          <p:cNvPicPr>
+            <a:picLocks noChangeAspect="1"/>
+          </p:cNvPicPr>
+          <p:nvPr/>
+        </p:nvPicPr>
+        <p:blipFill>
+          <a:blip r:embed="rId3"/>
+          <a:stretch>
+            <a:fillRect/>
+          </a:stretch>
+        </p:blipFill>
+        <p:spPr>
+          <a:xfrm>
+            <a:off x="4412836" y="6111631"/>
+            <a:ext cx="7240899" cy="521643"/>
+          </a:xfrm>
+          <a:prstGeom prst="rect">
+            <a:avLst/>
+          </a:prstGeom>
+        </p:spPr>
+      </p:pic>
+    </p:spTree>
+    <p:extLst>
+      <p:ext uri="{BB962C8B-B14F-4D97-AF65-F5344CB8AC3E}">
+        <p14:creationId xmlns:p14="http://schemas.microsoft.com/office/powerpoint/2010/main" val="3937060902"/>
+      </p:ext>
+    </p:extLst>
+  </p:cSld>
+  <p:clrMapOvr>
+    <a:masterClrMapping/>
+  </p:clrMapOvr>
+</p:sld>
+</file>
+
+<file path=ppt/slides/slide56.xml><?xml version="1.0" encoding="utf-8"?>
+<p:sld xmlns:a="http://schemas.openxmlformats.org/drawingml/2006/main" xmlns:r="http://schemas.openxmlformats.org/officeDocument/2006/relationships" xmlns:p="http://schemas.openxmlformats.org/presentationml/2006/main">
+  <p:cSld>
+    <p:spTree>
+      <p:nvGrpSpPr>
+        <p:cNvPr id="1" name=""/>
+        <p:cNvGrpSpPr/>
+        <p:nvPr/>
+      </p:nvGrpSpPr>
+      <p:grpSpPr>
+        <a:xfrm>
+          <a:off x="0" y="0"/>
+          <a:ext cx="0" cy="0"/>
+          <a:chOff x="0" y="0"/>
+          <a:chExt cx="0" cy="0"/>
+        </a:xfrm>
+      </p:grpSpPr>
+      <p:sp>
+        <p:nvSpPr>
+          <p:cNvPr id="2" name="제목 1">
+            <a:extLst>
+              <a:ext uri="{FF2B5EF4-FFF2-40B4-BE49-F238E27FC236}">
+                <a16:creationId xmlns:a16="http://schemas.microsoft.com/office/drawing/2014/main" xmlns="" id="{2D7E6B8A-E1FD-472B-F033-346AC9F27163}"/>
+              </a:ext>
+            </a:extLst>
+          </p:cNvPr>
+          <p:cNvSpPr>
+            <a:spLocks noGrp="1"/>
+          </p:cNvSpPr>
+          <p:nvPr>
+            <p:ph type="title"/>
+          </p:nvPr>
+        </p:nvSpPr>
+        <p:spPr>
+          <a:xfrm>
+            <a:off x="705394" y="0"/>
+            <a:ext cx="9601200" cy="476794"/>
+          </a:xfrm>
+        </p:spPr>
+        <p:txBody>
+          <a:bodyPr>
+            <a:normAutofit/>
+          </a:bodyPr>
+          <a:lstStyle/>
+          <a:p>
+            <a:r>
+              <a:rPr lang="ko-KR" altLang="en-US" sz="2000" dirty="0"/>
+              <a:t>슬라이드 </a:t>
+            </a:r>
+            <a:r>
+              <a:rPr lang="en-US" altLang="ko-KR" sz="2000" dirty="0"/>
+              <a:t>16</a:t>
+            </a:r>
+            <a:r>
+              <a:rPr lang="ko-KR" altLang="en-US" sz="2000" dirty="0"/>
+              <a:t>페이지 실습 </a:t>
+            </a:r>
+            <a:r>
+              <a:rPr lang="en-US" altLang="ko-KR" sz="2000" dirty="0" smtClean="0"/>
+              <a:t>– </a:t>
+            </a:r>
+            <a:r>
+              <a:rPr lang="en-US" altLang="ko-KR" sz="2000" dirty="0"/>
+              <a:t>Training 1 </a:t>
+            </a:r>
+            <a:r>
+              <a:rPr lang="ko-KR" altLang="en-US" sz="2000" dirty="0"/>
+              <a:t>실습 누적테이블</a:t>
+            </a:r>
+            <a:endParaRPr lang="ko-KR" altLang="en-US" sz="2000" dirty="0"/>
+          </a:p>
+        </p:txBody>
+      </p:sp>
+      <p:pic>
+        <p:nvPicPr>
+          <p:cNvPr id="3" name="그림 2"/>
+          <p:cNvPicPr>
+            <a:picLocks noChangeAspect="1"/>
+          </p:cNvPicPr>
+          <p:nvPr/>
+        </p:nvPicPr>
+        <p:blipFill>
+          <a:blip r:embed="rId2"/>
+          <a:stretch>
+            <a:fillRect/>
+          </a:stretch>
+        </p:blipFill>
+        <p:spPr>
+          <a:xfrm>
+            <a:off x="2448592" y="1937288"/>
+            <a:ext cx="7858002" cy="516384"/>
+          </a:xfrm>
+          <a:prstGeom prst="rect">
+            <a:avLst/>
+          </a:prstGeom>
+        </p:spPr>
+      </p:pic>
+      <p:pic>
+        <p:nvPicPr>
+          <p:cNvPr id="4" name="그림 3"/>
+          <p:cNvPicPr>
+            <a:picLocks noChangeAspect="1"/>
+          </p:cNvPicPr>
+          <p:nvPr/>
+        </p:nvPicPr>
+        <p:blipFill>
+          <a:blip r:embed="rId3"/>
+          <a:stretch>
+            <a:fillRect/>
+          </a:stretch>
+        </p:blipFill>
+        <p:spPr>
+          <a:xfrm>
+            <a:off x="2448592" y="3181927"/>
+            <a:ext cx="8015046" cy="1464477"/>
+          </a:xfrm>
+          <a:prstGeom prst="rect">
+            <a:avLst/>
+          </a:prstGeom>
+        </p:spPr>
+      </p:pic>
+    </p:spTree>
+    <p:extLst>
+      <p:ext uri="{BB962C8B-B14F-4D97-AF65-F5344CB8AC3E}">
+        <p14:creationId xmlns:p14="http://schemas.microsoft.com/office/powerpoint/2010/main" val="4027019541"/>
+      </p:ext>
+    </p:extLst>
+  </p:cSld>
+  <p:clrMapOvr>
+    <a:masterClrMapping/>
+  </p:clrMapOvr>
+</p:sld>
+</file>
+
+<file path=ppt/slides/slide57.xml><?xml version="1.0" encoding="utf-8"?>
+<p:sld xmlns:a="http://schemas.openxmlformats.org/drawingml/2006/main" xmlns:r="http://schemas.openxmlformats.org/officeDocument/2006/relationships" xmlns:p="http://schemas.openxmlformats.org/presentationml/2006/main">
+  <p:cSld>
+    <p:spTree>
+      <p:nvGrpSpPr>
+        <p:cNvPr id="1" name=""/>
+        <p:cNvGrpSpPr/>
+        <p:nvPr/>
+      </p:nvGrpSpPr>
+      <p:grpSpPr>
+        <a:xfrm>
+          <a:off x="0" y="0"/>
+          <a:ext cx="0" cy="0"/>
+          <a:chOff x="0" y="0"/>
+          <a:chExt cx="0" cy="0"/>
+        </a:xfrm>
+      </p:grpSpPr>
+      <p:sp>
+        <p:nvSpPr>
+          <p:cNvPr id="2" name="제목 1">
+            <a:extLst>
+              <a:ext uri="{FF2B5EF4-FFF2-40B4-BE49-F238E27FC236}">
+                <a16:creationId xmlns:a16="http://schemas.microsoft.com/office/drawing/2014/main" xmlns="" id="{2D7E6B8A-E1FD-472B-F033-346AC9F27163}"/>
+              </a:ext>
+            </a:extLst>
+          </p:cNvPr>
+          <p:cNvSpPr>
+            <a:spLocks noGrp="1"/>
+          </p:cNvSpPr>
+          <p:nvPr>
+            <p:ph type="title"/>
+          </p:nvPr>
+        </p:nvSpPr>
+        <p:spPr>
+          <a:xfrm>
+            <a:off x="705394" y="0"/>
+            <a:ext cx="9601200" cy="476794"/>
+          </a:xfrm>
+        </p:spPr>
+        <p:txBody>
+          <a:bodyPr>
+            <a:normAutofit/>
+          </a:bodyPr>
+          <a:lstStyle/>
+          <a:p>
+            <a:r>
+              <a:rPr lang="ko-KR" altLang="en-US" sz="2000" dirty="0"/>
+              <a:t>슬라이드 </a:t>
+            </a:r>
+            <a:r>
+              <a:rPr lang="en-US" altLang="ko-KR" sz="2000" dirty="0" smtClean="0"/>
+              <a:t>17</a:t>
+            </a:r>
+            <a:r>
+              <a:rPr lang="ko-KR" altLang="en-US" sz="2000" dirty="0" smtClean="0"/>
+              <a:t>페이지 </a:t>
+            </a:r>
+            <a:r>
+              <a:rPr lang="ko-KR" altLang="en-US" sz="2000" dirty="0"/>
+              <a:t>실습 </a:t>
+            </a:r>
+            <a:r>
+              <a:rPr lang="en-US" altLang="ko-KR" sz="2000" dirty="0"/>
+              <a:t>– Training </a:t>
+            </a:r>
+            <a:r>
+              <a:rPr lang="en-US" altLang="ko-KR" sz="2000" dirty="0" smtClean="0"/>
+              <a:t>2 </a:t>
+            </a:r>
+            <a:r>
+              <a:rPr lang="ko-KR" altLang="en-US" sz="2000" dirty="0"/>
+              <a:t>실습 </a:t>
+            </a:r>
+            <a:r>
+              <a:rPr lang="en-US" altLang="ko-KR" sz="2000" dirty="0" err="1" smtClean="0"/>
+              <a:t>wifi</a:t>
+            </a:r>
+            <a:endParaRPr lang="ko-KR" altLang="en-US" sz="2000" dirty="0"/>
+          </a:p>
+        </p:txBody>
+      </p:sp>
+      <p:pic>
+        <p:nvPicPr>
+          <p:cNvPr id="3" name="그림 2"/>
+          <p:cNvPicPr>
+            <a:picLocks noChangeAspect="1"/>
+          </p:cNvPicPr>
+          <p:nvPr/>
+        </p:nvPicPr>
+        <p:blipFill>
+          <a:blip r:embed="rId2"/>
+          <a:stretch>
+            <a:fillRect/>
+          </a:stretch>
+        </p:blipFill>
+        <p:spPr>
+          <a:xfrm>
+            <a:off x="3619382" y="1185099"/>
+            <a:ext cx="5420921" cy="2773863"/>
+          </a:xfrm>
+          <a:prstGeom prst="rect">
+            <a:avLst/>
+          </a:prstGeom>
+        </p:spPr>
+      </p:pic>
+      <p:pic>
+        <p:nvPicPr>
+          <p:cNvPr id="4" name="그림 3"/>
+          <p:cNvPicPr>
+            <a:picLocks noChangeAspect="1"/>
+          </p:cNvPicPr>
+          <p:nvPr/>
+        </p:nvPicPr>
+        <p:blipFill>
+          <a:blip r:embed="rId3"/>
+          <a:stretch>
+            <a:fillRect/>
+          </a:stretch>
+        </p:blipFill>
+        <p:spPr>
+          <a:xfrm>
+            <a:off x="2399588" y="4667267"/>
+            <a:ext cx="7860511" cy="695147"/>
+          </a:xfrm>
+          <a:prstGeom prst="rect">
+            <a:avLst/>
+          </a:prstGeom>
+        </p:spPr>
+      </p:pic>
+    </p:spTree>
+    <p:extLst>
+      <p:ext uri="{BB962C8B-B14F-4D97-AF65-F5344CB8AC3E}">
+        <p14:creationId xmlns:p14="http://schemas.microsoft.com/office/powerpoint/2010/main" val="1514477041"/>
+      </p:ext>
+    </p:extLst>
+  </p:cSld>
+  <p:clrMapOvr>
+    <a:masterClrMapping/>
+  </p:clrMapOvr>
+</p:sld>
+</file>
+
+<file path=ppt/slides/slide58.xml><?xml version="1.0" encoding="utf-8"?>
+<p:sld xmlns:a="http://schemas.openxmlformats.org/drawingml/2006/main" xmlns:r="http://schemas.openxmlformats.org/officeDocument/2006/relationships" xmlns:p="http://schemas.openxmlformats.org/presentationml/2006/main">
+  <p:cSld>
+    <p:spTree>
+      <p:nvGrpSpPr>
+        <p:cNvPr id="1" name=""/>
+        <p:cNvGrpSpPr/>
+        <p:nvPr/>
+      </p:nvGrpSpPr>
+      <p:grpSpPr>
+        <a:xfrm>
+          <a:off x="0" y="0"/>
+          <a:ext cx="0" cy="0"/>
+          <a:chOff x="0" y="0"/>
+          <a:chExt cx="0" cy="0"/>
+        </a:xfrm>
+      </p:grpSpPr>
+      <p:sp>
+        <p:nvSpPr>
+          <p:cNvPr id="2" name="제목 1">
+            <a:extLst>
+              <a:ext uri="{FF2B5EF4-FFF2-40B4-BE49-F238E27FC236}">
+                <a16:creationId xmlns:a16="http://schemas.microsoft.com/office/drawing/2014/main" xmlns="" id="{2D7E6B8A-E1FD-472B-F033-346AC9F27163}"/>
+              </a:ext>
+            </a:extLst>
+          </p:cNvPr>
+          <p:cNvSpPr>
+            <a:spLocks noGrp="1"/>
+          </p:cNvSpPr>
+          <p:nvPr>
+            <p:ph type="title"/>
+          </p:nvPr>
+        </p:nvSpPr>
+        <p:spPr>
+          <a:xfrm>
+            <a:off x="705394" y="0"/>
+            <a:ext cx="9601200" cy="476794"/>
+          </a:xfrm>
+        </p:spPr>
+        <p:txBody>
+          <a:bodyPr>
+            <a:normAutofit/>
+          </a:bodyPr>
+          <a:lstStyle/>
+          <a:p>
+            <a:r>
+              <a:rPr lang="ko-KR" altLang="en-US" sz="2000"/>
+              <a:t>슬라이드 </a:t>
+            </a:r>
+            <a:r>
+              <a:rPr lang="en-US" altLang="ko-KR" sz="2000"/>
+              <a:t>17</a:t>
+            </a:r>
+            <a:r>
+              <a:rPr lang="ko-KR" altLang="en-US" sz="2000"/>
+              <a:t>페이지 실습 </a:t>
+            </a:r>
+            <a:r>
+              <a:rPr lang="en-US" altLang="ko-KR" sz="2000"/>
+              <a:t>– Training 2 </a:t>
+            </a:r>
+            <a:r>
+              <a:rPr lang="ko-KR" altLang="en-US" sz="2000"/>
+              <a:t>실습 </a:t>
+            </a:r>
+            <a:r>
+              <a:rPr lang="en-US" altLang="ko-KR" sz="2000"/>
+              <a:t>wifi</a:t>
+            </a:r>
+            <a:endParaRPr lang="ko-KR" altLang="en-US" sz="2000" dirty="0"/>
+          </a:p>
+        </p:txBody>
+      </p:sp>
+      <p:pic>
+        <p:nvPicPr>
+          <p:cNvPr id="3" name="그림 2"/>
+          <p:cNvPicPr>
+            <a:picLocks noChangeAspect="1"/>
+          </p:cNvPicPr>
+          <p:nvPr/>
+        </p:nvPicPr>
+        <p:blipFill>
+          <a:blip r:embed="rId2"/>
+          <a:stretch>
+            <a:fillRect/>
+          </a:stretch>
+        </p:blipFill>
+        <p:spPr>
+          <a:xfrm>
+            <a:off x="2466468" y="837466"/>
+            <a:ext cx="7840126" cy="3642264"/>
+          </a:xfrm>
+          <a:prstGeom prst="rect">
+            <a:avLst/>
+          </a:prstGeom>
+        </p:spPr>
+      </p:pic>
+      <p:pic>
+        <p:nvPicPr>
+          <p:cNvPr id="4" name="그림 3"/>
+          <p:cNvPicPr>
+            <a:picLocks noChangeAspect="1"/>
+          </p:cNvPicPr>
+          <p:nvPr/>
+        </p:nvPicPr>
+        <p:blipFill>
+          <a:blip r:embed="rId3"/>
+          <a:stretch>
+            <a:fillRect/>
+          </a:stretch>
+        </p:blipFill>
+        <p:spPr>
+          <a:xfrm>
+            <a:off x="2140067" y="5173416"/>
+            <a:ext cx="8837501" cy="700442"/>
+          </a:xfrm>
+          <a:prstGeom prst="rect">
+            <a:avLst/>
+          </a:prstGeom>
+        </p:spPr>
+      </p:pic>
+    </p:spTree>
+    <p:extLst>
+      <p:ext uri="{BB962C8B-B14F-4D97-AF65-F5344CB8AC3E}">
+        <p14:creationId xmlns:p14="http://schemas.microsoft.com/office/powerpoint/2010/main" val="989685611"/>
+      </p:ext>
+    </p:extLst>
+  </p:cSld>
+  <p:clrMapOvr>
+    <a:masterClrMapping/>
+  </p:clrMapOvr>
+</p:sld>
+</file>
+
+<file path=ppt/slides/slide59.xml><?xml version="1.0" encoding="utf-8"?>
+<p:sld xmlns:a="http://schemas.openxmlformats.org/drawingml/2006/main" xmlns:r="http://schemas.openxmlformats.org/officeDocument/2006/relationships" xmlns:p="http://schemas.openxmlformats.org/presentationml/2006/main">
+  <p:cSld>
+    <p:spTree>
+      <p:nvGrpSpPr>
+        <p:cNvPr id="1" name=""/>
+        <p:cNvGrpSpPr/>
+        <p:nvPr/>
+      </p:nvGrpSpPr>
+      <p:grpSpPr>
+        <a:xfrm>
+          <a:off x="0" y="0"/>
+          <a:ext cx="0" cy="0"/>
+          <a:chOff x="0" y="0"/>
+          <a:chExt cx="0" cy="0"/>
+        </a:xfrm>
+      </p:grpSpPr>
+      <p:sp>
+        <p:nvSpPr>
+          <p:cNvPr id="2" name="제목 1">
+            <a:extLst>
+              <a:ext uri="{FF2B5EF4-FFF2-40B4-BE49-F238E27FC236}">
+                <a16:creationId xmlns:a16="http://schemas.microsoft.com/office/drawing/2014/main" xmlns="" id="{2D7E6B8A-E1FD-472B-F033-346AC9F27163}"/>
+              </a:ext>
+            </a:extLst>
+          </p:cNvPr>
+          <p:cNvSpPr>
+            <a:spLocks noGrp="1"/>
+          </p:cNvSpPr>
+          <p:nvPr>
+            <p:ph type="title"/>
+          </p:nvPr>
+        </p:nvSpPr>
+        <p:spPr>
+          <a:xfrm>
+            <a:off x="705394" y="0"/>
+            <a:ext cx="9601200" cy="476794"/>
+          </a:xfrm>
+        </p:spPr>
+        <p:txBody>
+          <a:bodyPr>
+            <a:normAutofit/>
+          </a:bodyPr>
+          <a:lstStyle/>
+          <a:p>
+            <a:r>
+              <a:rPr lang="ko-KR" altLang="en-US" sz="2000"/>
+              <a:t>슬라이드 </a:t>
+            </a:r>
+            <a:r>
+              <a:rPr lang="en-US" altLang="ko-KR" sz="2000"/>
+              <a:t>17</a:t>
+            </a:r>
+            <a:r>
+              <a:rPr lang="ko-KR" altLang="en-US" sz="2000"/>
+              <a:t>페이지 실습 </a:t>
+            </a:r>
+            <a:r>
+              <a:rPr lang="en-US" altLang="ko-KR" sz="2000"/>
+              <a:t>– Training 2 </a:t>
+            </a:r>
+            <a:r>
+              <a:rPr lang="ko-KR" altLang="en-US" sz="2000"/>
+              <a:t>실습 </a:t>
+            </a:r>
+            <a:r>
+              <a:rPr lang="en-US" altLang="ko-KR" sz="2000"/>
+              <a:t>wifi</a:t>
+            </a:r>
+            <a:endParaRPr lang="ko-KR" altLang="en-US" sz="2000" dirty="0"/>
+          </a:p>
+        </p:txBody>
+      </p:sp>
+      <p:pic>
+        <p:nvPicPr>
+          <p:cNvPr id="3" name="그림 2"/>
+          <p:cNvPicPr>
+            <a:picLocks noChangeAspect="1"/>
+          </p:cNvPicPr>
+          <p:nvPr/>
+        </p:nvPicPr>
+        <p:blipFill>
+          <a:blip r:embed="rId2"/>
+          <a:stretch>
+            <a:fillRect/>
+          </a:stretch>
+        </p:blipFill>
+        <p:spPr>
+          <a:xfrm>
+            <a:off x="1181288" y="1996407"/>
+            <a:ext cx="10628532" cy="1010264"/>
+          </a:xfrm>
+          <a:prstGeom prst="rect">
+            <a:avLst/>
+          </a:prstGeom>
+        </p:spPr>
+      </p:pic>
+      <p:pic>
+        <p:nvPicPr>
+          <p:cNvPr id="4" name="그림 3"/>
+          <p:cNvPicPr>
+            <a:picLocks noChangeAspect="1"/>
+          </p:cNvPicPr>
+          <p:nvPr/>
+        </p:nvPicPr>
+        <p:blipFill>
+          <a:blip r:embed="rId3"/>
+          <a:stretch>
+            <a:fillRect/>
+          </a:stretch>
+        </p:blipFill>
+        <p:spPr>
+          <a:xfrm>
+            <a:off x="1046884" y="3845764"/>
+            <a:ext cx="10897340" cy="307156"/>
+          </a:xfrm>
+          <a:prstGeom prst="rect">
+            <a:avLst/>
+          </a:prstGeom>
+        </p:spPr>
+      </p:pic>
+    </p:spTree>
+    <p:extLst>
+      <p:ext uri="{BB962C8B-B14F-4D97-AF65-F5344CB8AC3E}">
+        <p14:creationId xmlns:p14="http://schemas.microsoft.com/office/powerpoint/2010/main" val="1485073"/>
+      </p:ext>
+    </p:extLst>
+  </p:cSld>
+  <p:clrMapOvr>
+    <a:masterClrMapping/>
+  </p:clrMapOvr>
+  <p:timing>
+    <p:tnLst>
+      <p:par>
+        <p:cTn id="1" dur="indefinite" restart="never" nodeType="tmRoot"/>
+      </p:par>
+    </p:tnLst>
+  </p:timing>
 </p:sld>
 </file>
 
@@ -6965,7 +13213,7 @@
           <p:cNvPr id="2" name="제목 1">
             <a:extLst>
               <a:ext uri="{FF2B5EF4-FFF2-40B4-BE49-F238E27FC236}">
-                <a16:creationId xmlns="" xmlns:a16="http://schemas.microsoft.com/office/drawing/2014/main" id="{2D7E6B8A-E1FD-472B-F033-346AC9F27163}"/>
+                <a16:creationId xmlns:a16="http://schemas.microsoft.com/office/drawing/2014/main" xmlns="" id="{2D7E6B8A-E1FD-472B-F033-346AC9F27163}"/>
               </a:ext>
             </a:extLst>
           </p:cNvPr>
@@ -7000,7 +13248,6 @@
               <a:rPr lang="ko-KR" altLang="en-US" sz="2000" dirty="0"/>
               <a:t>페이지 실습</a:t>
             </a:r>
-            <a:endParaRPr lang="ko-KR" altLang="en-US" sz="2000" dirty="0"/>
           </a:p>
         </p:txBody>
       </p:sp>
@@ -7280,6 +13527,862 @@
 </p:sld>
 </file>
 
+<file path=ppt/slides/slide60.xml><?xml version="1.0" encoding="utf-8"?>
+<p:sld xmlns:a="http://schemas.openxmlformats.org/drawingml/2006/main" xmlns:r="http://schemas.openxmlformats.org/officeDocument/2006/relationships" xmlns:p="http://schemas.openxmlformats.org/presentationml/2006/main">
+  <p:cSld>
+    <p:spTree>
+      <p:nvGrpSpPr>
+        <p:cNvPr id="1" name=""/>
+        <p:cNvGrpSpPr/>
+        <p:nvPr/>
+      </p:nvGrpSpPr>
+      <p:grpSpPr>
+        <a:xfrm>
+          <a:off x="0" y="0"/>
+          <a:ext cx="0" cy="0"/>
+          <a:chOff x="0" y="0"/>
+          <a:chExt cx="0" cy="0"/>
+        </a:xfrm>
+      </p:grpSpPr>
+      <p:sp>
+        <p:nvSpPr>
+          <p:cNvPr id="2" name="제목 1">
+            <a:extLst>
+              <a:ext uri="{FF2B5EF4-FFF2-40B4-BE49-F238E27FC236}">
+                <a16:creationId xmlns:a16="http://schemas.microsoft.com/office/drawing/2014/main" xmlns="" id="{2D7E6B8A-E1FD-472B-F033-346AC9F27163}"/>
+              </a:ext>
+            </a:extLst>
+          </p:cNvPr>
+          <p:cNvSpPr>
+            <a:spLocks noGrp="1"/>
+          </p:cNvSpPr>
+          <p:nvPr>
+            <p:ph type="title"/>
+          </p:nvPr>
+        </p:nvSpPr>
+        <p:spPr>
+          <a:xfrm>
+            <a:off x="705394" y="0"/>
+            <a:ext cx="9601200" cy="476794"/>
+          </a:xfrm>
+        </p:spPr>
+        <p:txBody>
+          <a:bodyPr>
+            <a:normAutofit/>
+          </a:bodyPr>
+          <a:lstStyle/>
+          <a:p>
+            <a:r>
+              <a:rPr lang="ko-KR" altLang="en-US" sz="2000"/>
+              <a:t>슬라이드 </a:t>
+            </a:r>
+            <a:r>
+              <a:rPr lang="en-US" altLang="ko-KR" sz="2000"/>
+              <a:t>17</a:t>
+            </a:r>
+            <a:r>
+              <a:rPr lang="ko-KR" altLang="en-US" sz="2000"/>
+              <a:t>페이지 실습 </a:t>
+            </a:r>
+            <a:r>
+              <a:rPr lang="en-US" altLang="ko-KR" sz="2000"/>
+              <a:t>– Training 2 </a:t>
+            </a:r>
+            <a:r>
+              <a:rPr lang="ko-KR" altLang="en-US" sz="2000"/>
+              <a:t>실습 </a:t>
+            </a:r>
+            <a:r>
+              <a:rPr lang="en-US" altLang="ko-KR" sz="2000"/>
+              <a:t>wifi</a:t>
+            </a:r>
+            <a:endParaRPr lang="ko-KR" altLang="en-US" sz="2000" dirty="0"/>
+          </a:p>
+        </p:txBody>
+      </p:sp>
+      <p:pic>
+        <p:nvPicPr>
+          <p:cNvPr id="3" name="그림 2"/>
+          <p:cNvPicPr>
+            <a:picLocks noChangeAspect="1"/>
+          </p:cNvPicPr>
+          <p:nvPr/>
+        </p:nvPicPr>
+        <p:blipFill>
+          <a:blip r:embed="rId2"/>
+          <a:stretch>
+            <a:fillRect/>
+          </a:stretch>
+        </p:blipFill>
+        <p:spPr>
+          <a:xfrm>
+            <a:off x="2980674" y="589648"/>
+            <a:ext cx="6152111" cy="5051733"/>
+          </a:xfrm>
+          <a:prstGeom prst="rect">
+            <a:avLst/>
+          </a:prstGeom>
+        </p:spPr>
+      </p:pic>
+      <p:pic>
+        <p:nvPicPr>
+          <p:cNvPr id="4" name="그림 3"/>
+          <p:cNvPicPr>
+            <a:picLocks noChangeAspect="1"/>
+          </p:cNvPicPr>
+          <p:nvPr/>
+        </p:nvPicPr>
+        <p:blipFill>
+          <a:blip r:embed="rId3"/>
+          <a:stretch>
+            <a:fillRect/>
+          </a:stretch>
+        </p:blipFill>
+        <p:spPr>
+          <a:xfrm>
+            <a:off x="2751609" y="5930486"/>
+            <a:ext cx="6606132" cy="609797"/>
+          </a:xfrm>
+          <a:prstGeom prst="rect">
+            <a:avLst/>
+          </a:prstGeom>
+        </p:spPr>
+      </p:pic>
+    </p:spTree>
+    <p:extLst>
+      <p:ext uri="{BB962C8B-B14F-4D97-AF65-F5344CB8AC3E}">
+        <p14:creationId xmlns:p14="http://schemas.microsoft.com/office/powerpoint/2010/main" val="3711579890"/>
+      </p:ext>
+    </p:extLst>
+  </p:cSld>
+  <p:clrMapOvr>
+    <a:masterClrMapping/>
+  </p:clrMapOvr>
+  <p:timing>
+    <p:tnLst>
+      <p:par>
+        <p:cTn id="1" dur="indefinite" restart="never" nodeType="tmRoot"/>
+      </p:par>
+    </p:tnLst>
+  </p:timing>
+</p:sld>
+</file>
+
+<file path=ppt/slides/slide61.xml><?xml version="1.0" encoding="utf-8"?>
+<p:sld xmlns:a="http://schemas.openxmlformats.org/drawingml/2006/main" xmlns:r="http://schemas.openxmlformats.org/officeDocument/2006/relationships" xmlns:p="http://schemas.openxmlformats.org/presentationml/2006/main">
+  <p:cSld>
+    <p:spTree>
+      <p:nvGrpSpPr>
+        <p:cNvPr id="1" name=""/>
+        <p:cNvGrpSpPr/>
+        <p:nvPr/>
+      </p:nvGrpSpPr>
+      <p:grpSpPr>
+        <a:xfrm>
+          <a:off x="0" y="0"/>
+          <a:ext cx="0" cy="0"/>
+          <a:chOff x="0" y="0"/>
+          <a:chExt cx="0" cy="0"/>
+        </a:xfrm>
+      </p:grpSpPr>
+      <p:sp>
+        <p:nvSpPr>
+          <p:cNvPr id="2" name="제목 1">
+            <a:extLst>
+              <a:ext uri="{FF2B5EF4-FFF2-40B4-BE49-F238E27FC236}">
+                <a16:creationId xmlns:a16="http://schemas.microsoft.com/office/drawing/2014/main" xmlns="" id="{2D7E6B8A-E1FD-472B-F033-346AC9F27163}"/>
+              </a:ext>
+            </a:extLst>
+          </p:cNvPr>
+          <p:cNvSpPr>
+            <a:spLocks noGrp="1"/>
+          </p:cNvSpPr>
+          <p:nvPr>
+            <p:ph type="title"/>
+          </p:nvPr>
+        </p:nvSpPr>
+        <p:spPr>
+          <a:xfrm>
+            <a:off x="705394" y="0"/>
+            <a:ext cx="9601200" cy="476794"/>
+          </a:xfrm>
+        </p:spPr>
+        <p:txBody>
+          <a:bodyPr>
+            <a:normAutofit/>
+          </a:bodyPr>
+          <a:lstStyle/>
+          <a:p>
+            <a:r>
+              <a:rPr lang="ko-KR" altLang="en-US" sz="2000"/>
+              <a:t>슬라이드 </a:t>
+            </a:r>
+            <a:r>
+              <a:rPr lang="en-US" altLang="ko-KR" sz="2000"/>
+              <a:t>17</a:t>
+            </a:r>
+            <a:r>
+              <a:rPr lang="ko-KR" altLang="en-US" sz="2000"/>
+              <a:t>페이지 실습 </a:t>
+            </a:r>
+            <a:r>
+              <a:rPr lang="en-US" altLang="ko-KR" sz="2000"/>
+              <a:t>– Training 2 </a:t>
+            </a:r>
+            <a:r>
+              <a:rPr lang="ko-KR" altLang="en-US" sz="2000"/>
+              <a:t>실습 </a:t>
+            </a:r>
+            <a:r>
+              <a:rPr lang="en-US" altLang="ko-KR" sz="2000"/>
+              <a:t>wifi</a:t>
+            </a:r>
+            <a:endParaRPr lang="ko-KR" altLang="en-US" sz="2000" dirty="0"/>
+          </a:p>
+        </p:txBody>
+      </p:sp>
+      <p:pic>
+        <p:nvPicPr>
+          <p:cNvPr id="3" name="그림 2"/>
+          <p:cNvPicPr>
+            <a:picLocks noChangeAspect="1"/>
+          </p:cNvPicPr>
+          <p:nvPr/>
+        </p:nvPicPr>
+        <p:blipFill>
+          <a:blip r:embed="rId2"/>
+          <a:stretch>
+            <a:fillRect/>
+          </a:stretch>
+        </p:blipFill>
+        <p:spPr>
+          <a:xfrm>
+            <a:off x="3055731" y="1518835"/>
+            <a:ext cx="5397291" cy="455526"/>
+          </a:xfrm>
+          <a:prstGeom prst="rect">
+            <a:avLst/>
+          </a:prstGeom>
+        </p:spPr>
+      </p:pic>
+      <p:pic>
+        <p:nvPicPr>
+          <p:cNvPr id="4" name="그림 3"/>
+          <p:cNvPicPr>
+            <a:picLocks noChangeAspect="1"/>
+          </p:cNvPicPr>
+          <p:nvPr/>
+        </p:nvPicPr>
+        <p:blipFill>
+          <a:blip r:embed="rId3"/>
+          <a:stretch>
+            <a:fillRect/>
+          </a:stretch>
+        </p:blipFill>
+        <p:spPr>
+          <a:xfrm>
+            <a:off x="2178876" y="2490728"/>
+            <a:ext cx="7163115" cy="3026668"/>
+          </a:xfrm>
+          <a:prstGeom prst="rect">
+            <a:avLst/>
+          </a:prstGeom>
+        </p:spPr>
+      </p:pic>
+    </p:spTree>
+    <p:extLst>
+      <p:ext uri="{BB962C8B-B14F-4D97-AF65-F5344CB8AC3E}">
+        <p14:creationId xmlns:p14="http://schemas.microsoft.com/office/powerpoint/2010/main" val="528145424"/>
+      </p:ext>
+    </p:extLst>
+  </p:cSld>
+  <p:clrMapOvr>
+    <a:masterClrMapping/>
+  </p:clrMapOvr>
+  <p:timing>
+    <p:tnLst>
+      <p:par>
+        <p:cTn id="1" dur="indefinite" restart="never" nodeType="tmRoot"/>
+      </p:par>
+    </p:tnLst>
+  </p:timing>
+</p:sld>
+</file>
+
+<file path=ppt/slides/slide62.xml><?xml version="1.0" encoding="utf-8"?>
+<p:sld xmlns:a="http://schemas.openxmlformats.org/drawingml/2006/main" xmlns:r="http://schemas.openxmlformats.org/officeDocument/2006/relationships" xmlns:p="http://schemas.openxmlformats.org/presentationml/2006/main">
+  <p:cSld>
+    <p:spTree>
+      <p:nvGrpSpPr>
+        <p:cNvPr id="1" name=""/>
+        <p:cNvGrpSpPr/>
+        <p:nvPr/>
+      </p:nvGrpSpPr>
+      <p:grpSpPr>
+        <a:xfrm>
+          <a:off x="0" y="0"/>
+          <a:ext cx="0" cy="0"/>
+          <a:chOff x="0" y="0"/>
+          <a:chExt cx="0" cy="0"/>
+        </a:xfrm>
+      </p:grpSpPr>
+      <p:sp>
+        <p:nvSpPr>
+          <p:cNvPr id="2" name="제목 1">
+            <a:extLst>
+              <a:ext uri="{FF2B5EF4-FFF2-40B4-BE49-F238E27FC236}">
+                <a16:creationId xmlns:a16="http://schemas.microsoft.com/office/drawing/2014/main" xmlns="" id="{2D7E6B8A-E1FD-472B-F033-346AC9F27163}"/>
+              </a:ext>
+            </a:extLst>
+          </p:cNvPr>
+          <p:cNvSpPr>
+            <a:spLocks noGrp="1"/>
+          </p:cNvSpPr>
+          <p:nvPr>
+            <p:ph type="title"/>
+          </p:nvPr>
+        </p:nvSpPr>
+        <p:spPr>
+          <a:xfrm>
+            <a:off x="705394" y="0"/>
+            <a:ext cx="9601200" cy="476794"/>
+          </a:xfrm>
+        </p:spPr>
+        <p:txBody>
+          <a:bodyPr>
+            <a:normAutofit/>
+          </a:bodyPr>
+          <a:lstStyle/>
+          <a:p>
+            <a:r>
+              <a:rPr lang="ko-KR" altLang="en-US" sz="2000"/>
+              <a:t>슬라이드 </a:t>
+            </a:r>
+            <a:r>
+              <a:rPr lang="en-US" altLang="ko-KR" sz="2000"/>
+              <a:t>17</a:t>
+            </a:r>
+            <a:r>
+              <a:rPr lang="ko-KR" altLang="en-US" sz="2000"/>
+              <a:t>페이지 실습 </a:t>
+            </a:r>
+            <a:r>
+              <a:rPr lang="en-US" altLang="ko-KR" sz="2000"/>
+              <a:t>– Training 2 </a:t>
+            </a:r>
+            <a:r>
+              <a:rPr lang="ko-KR" altLang="en-US" sz="2000"/>
+              <a:t>실습 </a:t>
+            </a:r>
+            <a:r>
+              <a:rPr lang="en-US" altLang="ko-KR" sz="2000"/>
+              <a:t>wifi</a:t>
+            </a:r>
+            <a:endParaRPr lang="ko-KR" altLang="en-US" sz="2000" dirty="0"/>
+          </a:p>
+        </p:txBody>
+      </p:sp>
+      <p:pic>
+        <p:nvPicPr>
+          <p:cNvPr id="3" name="그림 2"/>
+          <p:cNvPicPr>
+            <a:picLocks noChangeAspect="1"/>
+          </p:cNvPicPr>
+          <p:nvPr/>
+        </p:nvPicPr>
+        <p:blipFill>
+          <a:blip r:embed="rId2"/>
+          <a:stretch>
+            <a:fillRect/>
+          </a:stretch>
+        </p:blipFill>
+        <p:spPr>
+          <a:xfrm>
+            <a:off x="2429500" y="1232532"/>
+            <a:ext cx="7240010" cy="3277057"/>
+          </a:xfrm>
+          <a:prstGeom prst="rect">
+            <a:avLst/>
+          </a:prstGeom>
+        </p:spPr>
+      </p:pic>
+      <p:pic>
+        <p:nvPicPr>
+          <p:cNvPr id="4" name="그림 3"/>
+          <p:cNvPicPr>
+            <a:picLocks noChangeAspect="1"/>
+          </p:cNvPicPr>
+          <p:nvPr/>
+        </p:nvPicPr>
+        <p:blipFill>
+          <a:blip r:embed="rId3"/>
+          <a:stretch>
+            <a:fillRect/>
+          </a:stretch>
+        </p:blipFill>
+        <p:spPr>
+          <a:xfrm>
+            <a:off x="2305514" y="5101105"/>
+            <a:ext cx="7480479" cy="695260"/>
+          </a:xfrm>
+          <a:prstGeom prst="rect">
+            <a:avLst/>
+          </a:prstGeom>
+        </p:spPr>
+      </p:pic>
+    </p:spTree>
+    <p:extLst>
+      <p:ext uri="{BB962C8B-B14F-4D97-AF65-F5344CB8AC3E}">
+        <p14:creationId xmlns:p14="http://schemas.microsoft.com/office/powerpoint/2010/main" val="3445882848"/>
+      </p:ext>
+    </p:extLst>
+  </p:cSld>
+  <p:clrMapOvr>
+    <a:masterClrMapping/>
+  </p:clrMapOvr>
+  <p:timing>
+    <p:tnLst>
+      <p:par>
+        <p:cTn id="1" dur="indefinite" restart="never" nodeType="tmRoot"/>
+      </p:par>
+    </p:tnLst>
+  </p:timing>
+</p:sld>
+</file>
+
+<file path=ppt/slides/slide63.xml><?xml version="1.0" encoding="utf-8"?>
+<p:sld xmlns:a="http://schemas.openxmlformats.org/drawingml/2006/main" xmlns:r="http://schemas.openxmlformats.org/officeDocument/2006/relationships" xmlns:p="http://schemas.openxmlformats.org/presentationml/2006/main">
+  <p:cSld>
+    <p:spTree>
+      <p:nvGrpSpPr>
+        <p:cNvPr id="1" name=""/>
+        <p:cNvGrpSpPr/>
+        <p:nvPr/>
+      </p:nvGrpSpPr>
+      <p:grpSpPr>
+        <a:xfrm>
+          <a:off x="0" y="0"/>
+          <a:ext cx="0" cy="0"/>
+          <a:chOff x="0" y="0"/>
+          <a:chExt cx="0" cy="0"/>
+        </a:xfrm>
+      </p:grpSpPr>
+      <p:sp>
+        <p:nvSpPr>
+          <p:cNvPr id="2" name="제목 1">
+            <a:extLst>
+              <a:ext uri="{FF2B5EF4-FFF2-40B4-BE49-F238E27FC236}">
+                <a16:creationId xmlns:a16="http://schemas.microsoft.com/office/drawing/2014/main" xmlns="" id="{2D7E6B8A-E1FD-472B-F033-346AC9F27163}"/>
+              </a:ext>
+            </a:extLst>
+          </p:cNvPr>
+          <p:cNvSpPr>
+            <a:spLocks noGrp="1"/>
+          </p:cNvSpPr>
+          <p:nvPr>
+            <p:ph type="title"/>
+          </p:nvPr>
+        </p:nvSpPr>
+        <p:spPr>
+          <a:xfrm>
+            <a:off x="705394" y="0"/>
+            <a:ext cx="9601200" cy="476794"/>
+          </a:xfrm>
+        </p:spPr>
+        <p:txBody>
+          <a:bodyPr>
+            <a:normAutofit/>
+          </a:bodyPr>
+          <a:lstStyle/>
+          <a:p>
+            <a:r>
+              <a:rPr lang="ko-KR" altLang="en-US" sz="2000"/>
+              <a:t>슬라이드 </a:t>
+            </a:r>
+            <a:r>
+              <a:rPr lang="en-US" altLang="ko-KR" sz="2000"/>
+              <a:t>17</a:t>
+            </a:r>
+            <a:r>
+              <a:rPr lang="ko-KR" altLang="en-US" sz="2000"/>
+              <a:t>페이지 실습 </a:t>
+            </a:r>
+            <a:r>
+              <a:rPr lang="en-US" altLang="ko-KR" sz="2000"/>
+              <a:t>– Training 2 </a:t>
+            </a:r>
+            <a:r>
+              <a:rPr lang="ko-KR" altLang="en-US" sz="2000"/>
+              <a:t>실습 </a:t>
+            </a:r>
+            <a:r>
+              <a:rPr lang="en-US" altLang="ko-KR" sz="2000"/>
+              <a:t>wifi</a:t>
+            </a:r>
+            <a:endParaRPr lang="ko-KR" altLang="en-US" sz="2000" dirty="0"/>
+          </a:p>
+        </p:txBody>
+      </p:sp>
+      <p:pic>
+        <p:nvPicPr>
+          <p:cNvPr id="3" name="그림 2"/>
+          <p:cNvPicPr>
+            <a:picLocks noChangeAspect="1"/>
+          </p:cNvPicPr>
+          <p:nvPr/>
+        </p:nvPicPr>
+        <p:blipFill>
+          <a:blip r:embed="rId2"/>
+          <a:stretch>
+            <a:fillRect/>
+          </a:stretch>
+        </p:blipFill>
+        <p:spPr>
+          <a:xfrm>
+            <a:off x="1273314" y="2358912"/>
+            <a:ext cx="10269239" cy="1128206"/>
+          </a:xfrm>
+          <a:prstGeom prst="rect">
+            <a:avLst/>
+          </a:prstGeom>
+        </p:spPr>
+      </p:pic>
+      <p:pic>
+        <p:nvPicPr>
+          <p:cNvPr id="4" name="그림 3"/>
+          <p:cNvPicPr>
+            <a:picLocks noChangeAspect="1"/>
+          </p:cNvPicPr>
+          <p:nvPr/>
+        </p:nvPicPr>
+        <p:blipFill>
+          <a:blip r:embed="rId3"/>
+          <a:stretch>
+            <a:fillRect/>
+          </a:stretch>
+        </p:blipFill>
+        <p:spPr>
+          <a:xfrm>
+            <a:off x="999325" y="4264987"/>
+            <a:ext cx="10817218" cy="647975"/>
+          </a:xfrm>
+          <a:prstGeom prst="rect">
+            <a:avLst/>
+          </a:prstGeom>
+        </p:spPr>
+      </p:pic>
+    </p:spTree>
+    <p:extLst>
+      <p:ext uri="{BB962C8B-B14F-4D97-AF65-F5344CB8AC3E}">
+        <p14:creationId xmlns:p14="http://schemas.microsoft.com/office/powerpoint/2010/main" val="868584400"/>
+      </p:ext>
+    </p:extLst>
+  </p:cSld>
+  <p:clrMapOvr>
+    <a:masterClrMapping/>
+  </p:clrMapOvr>
+  <p:timing>
+    <p:tnLst>
+      <p:par>
+        <p:cTn id="1" dur="indefinite" restart="never" nodeType="tmRoot"/>
+      </p:par>
+    </p:tnLst>
+  </p:timing>
+</p:sld>
+</file>
+
+<file path=ppt/slides/slide64.xml><?xml version="1.0" encoding="utf-8"?>
+<p:sld xmlns:a="http://schemas.openxmlformats.org/drawingml/2006/main" xmlns:r="http://schemas.openxmlformats.org/officeDocument/2006/relationships" xmlns:p="http://schemas.openxmlformats.org/presentationml/2006/main">
+  <p:cSld>
+    <p:spTree>
+      <p:nvGrpSpPr>
+        <p:cNvPr id="1" name=""/>
+        <p:cNvGrpSpPr/>
+        <p:nvPr/>
+      </p:nvGrpSpPr>
+      <p:grpSpPr>
+        <a:xfrm>
+          <a:off x="0" y="0"/>
+          <a:ext cx="0" cy="0"/>
+          <a:chOff x="0" y="0"/>
+          <a:chExt cx="0" cy="0"/>
+        </a:xfrm>
+      </p:grpSpPr>
+      <p:sp>
+        <p:nvSpPr>
+          <p:cNvPr id="2" name="제목 1">
+            <a:extLst>
+              <a:ext uri="{FF2B5EF4-FFF2-40B4-BE49-F238E27FC236}">
+                <a16:creationId xmlns:a16="http://schemas.microsoft.com/office/drawing/2014/main" xmlns="" id="{2D7E6B8A-E1FD-472B-F033-346AC9F27163}"/>
+              </a:ext>
+            </a:extLst>
+          </p:cNvPr>
+          <p:cNvSpPr>
+            <a:spLocks noGrp="1"/>
+          </p:cNvSpPr>
+          <p:nvPr>
+            <p:ph type="title"/>
+          </p:nvPr>
+        </p:nvSpPr>
+        <p:spPr>
+          <a:xfrm>
+            <a:off x="705394" y="0"/>
+            <a:ext cx="9601200" cy="476794"/>
+          </a:xfrm>
+        </p:spPr>
+        <p:txBody>
+          <a:bodyPr>
+            <a:normAutofit/>
+          </a:bodyPr>
+          <a:lstStyle/>
+          <a:p>
+            <a:r>
+              <a:rPr lang="ko-KR" altLang="en-US" sz="2000"/>
+              <a:t>슬라이드 </a:t>
+            </a:r>
+            <a:r>
+              <a:rPr lang="en-US" altLang="ko-KR" sz="2000"/>
+              <a:t>17</a:t>
+            </a:r>
+            <a:r>
+              <a:rPr lang="ko-KR" altLang="en-US" sz="2000"/>
+              <a:t>페이지 실습 </a:t>
+            </a:r>
+            <a:r>
+              <a:rPr lang="en-US" altLang="ko-KR" sz="2000"/>
+              <a:t>– Training 2 </a:t>
+            </a:r>
+            <a:r>
+              <a:rPr lang="ko-KR" altLang="en-US" sz="2000"/>
+              <a:t>실습 </a:t>
+            </a:r>
+            <a:r>
+              <a:rPr lang="en-US" altLang="ko-KR" sz="2000"/>
+              <a:t>wifi</a:t>
+            </a:r>
+            <a:endParaRPr lang="ko-KR" altLang="en-US" sz="2000" dirty="0"/>
+          </a:p>
+        </p:txBody>
+      </p:sp>
+      <p:pic>
+        <p:nvPicPr>
+          <p:cNvPr id="3" name="그림 2"/>
+          <p:cNvPicPr>
+            <a:picLocks noChangeAspect="1"/>
+          </p:cNvPicPr>
+          <p:nvPr/>
+        </p:nvPicPr>
+        <p:blipFill>
+          <a:blip r:embed="rId2"/>
+          <a:stretch>
+            <a:fillRect/>
+          </a:stretch>
+        </p:blipFill>
+        <p:spPr>
+          <a:xfrm>
+            <a:off x="2019085" y="588513"/>
+            <a:ext cx="8554644" cy="4906060"/>
+          </a:xfrm>
+          <a:prstGeom prst="rect">
+            <a:avLst/>
+          </a:prstGeom>
+        </p:spPr>
+      </p:pic>
+      <p:pic>
+        <p:nvPicPr>
+          <p:cNvPr id="4" name="그림 3"/>
+          <p:cNvPicPr>
+            <a:picLocks noChangeAspect="1"/>
+          </p:cNvPicPr>
+          <p:nvPr/>
+        </p:nvPicPr>
+        <p:blipFill>
+          <a:blip r:embed="rId3"/>
+          <a:stretch>
+            <a:fillRect/>
+          </a:stretch>
+        </p:blipFill>
+        <p:spPr>
+          <a:xfrm>
+            <a:off x="2378981" y="5937595"/>
+            <a:ext cx="7834851" cy="618187"/>
+          </a:xfrm>
+          <a:prstGeom prst="rect">
+            <a:avLst/>
+          </a:prstGeom>
+        </p:spPr>
+      </p:pic>
+    </p:spTree>
+    <p:extLst>
+      <p:ext uri="{BB962C8B-B14F-4D97-AF65-F5344CB8AC3E}">
+        <p14:creationId xmlns:p14="http://schemas.microsoft.com/office/powerpoint/2010/main" val="152573386"/>
+      </p:ext>
+    </p:extLst>
+  </p:cSld>
+  <p:clrMapOvr>
+    <a:masterClrMapping/>
+  </p:clrMapOvr>
+</p:sld>
+</file>
+
+<file path=ppt/slides/slide65.xml><?xml version="1.0" encoding="utf-8"?>
+<p:sld xmlns:a="http://schemas.openxmlformats.org/drawingml/2006/main" xmlns:r="http://schemas.openxmlformats.org/officeDocument/2006/relationships" xmlns:p="http://schemas.openxmlformats.org/presentationml/2006/main">
+  <p:cSld>
+    <p:spTree>
+      <p:nvGrpSpPr>
+        <p:cNvPr id="1" name=""/>
+        <p:cNvGrpSpPr/>
+        <p:nvPr/>
+      </p:nvGrpSpPr>
+      <p:grpSpPr>
+        <a:xfrm>
+          <a:off x="0" y="0"/>
+          <a:ext cx="0" cy="0"/>
+          <a:chOff x="0" y="0"/>
+          <a:chExt cx="0" cy="0"/>
+        </a:xfrm>
+      </p:grpSpPr>
+      <p:sp>
+        <p:nvSpPr>
+          <p:cNvPr id="2" name="제목 1">
+            <a:extLst>
+              <a:ext uri="{FF2B5EF4-FFF2-40B4-BE49-F238E27FC236}">
+                <a16:creationId xmlns:a16="http://schemas.microsoft.com/office/drawing/2014/main" xmlns="" id="{2D7E6B8A-E1FD-472B-F033-346AC9F27163}"/>
+              </a:ext>
+            </a:extLst>
+          </p:cNvPr>
+          <p:cNvSpPr>
+            <a:spLocks noGrp="1"/>
+          </p:cNvSpPr>
+          <p:nvPr>
+            <p:ph type="title"/>
+          </p:nvPr>
+        </p:nvSpPr>
+        <p:spPr>
+          <a:xfrm>
+            <a:off x="705394" y="0"/>
+            <a:ext cx="9601200" cy="476794"/>
+          </a:xfrm>
+        </p:spPr>
+        <p:txBody>
+          <a:bodyPr>
+            <a:normAutofit/>
+          </a:bodyPr>
+          <a:lstStyle/>
+          <a:p>
+            <a:r>
+              <a:rPr lang="ko-KR" altLang="en-US" sz="2000"/>
+              <a:t>슬라이드 </a:t>
+            </a:r>
+            <a:r>
+              <a:rPr lang="en-US" altLang="ko-KR" sz="2000"/>
+              <a:t>17</a:t>
+            </a:r>
+            <a:r>
+              <a:rPr lang="ko-KR" altLang="en-US" sz="2000"/>
+              <a:t>페이지 실습 </a:t>
+            </a:r>
+            <a:r>
+              <a:rPr lang="en-US" altLang="ko-KR" sz="2000"/>
+              <a:t>– Training 2 </a:t>
+            </a:r>
+            <a:r>
+              <a:rPr lang="ko-KR" altLang="en-US" sz="2000"/>
+              <a:t>실습 </a:t>
+            </a:r>
+            <a:r>
+              <a:rPr lang="en-US" altLang="ko-KR" sz="2000"/>
+              <a:t>wifi</a:t>
+            </a:r>
+            <a:endParaRPr lang="ko-KR" altLang="en-US" sz="2000" dirty="0"/>
+          </a:p>
+        </p:txBody>
+      </p:sp>
+      <p:pic>
+        <p:nvPicPr>
+          <p:cNvPr id="3" name="그림 2"/>
+          <p:cNvPicPr>
+            <a:picLocks noChangeAspect="1"/>
+          </p:cNvPicPr>
+          <p:nvPr/>
+        </p:nvPicPr>
+        <p:blipFill>
+          <a:blip r:embed="rId2"/>
+          <a:stretch>
+            <a:fillRect/>
+          </a:stretch>
+        </p:blipFill>
+        <p:spPr>
+          <a:xfrm>
+            <a:off x="1622578" y="1627785"/>
+            <a:ext cx="8949073" cy="464485"/>
+          </a:xfrm>
+          <a:prstGeom prst="rect">
+            <a:avLst/>
+          </a:prstGeom>
+        </p:spPr>
+      </p:pic>
+      <p:pic>
+        <p:nvPicPr>
+          <p:cNvPr id="4" name="그림 3"/>
+          <p:cNvPicPr>
+            <a:picLocks noChangeAspect="1"/>
+          </p:cNvPicPr>
+          <p:nvPr/>
+        </p:nvPicPr>
+        <p:blipFill>
+          <a:blip r:embed="rId3"/>
+          <a:stretch>
+            <a:fillRect/>
+          </a:stretch>
+        </p:blipFill>
+        <p:spPr>
+          <a:xfrm>
+            <a:off x="67423" y="2881740"/>
+            <a:ext cx="6346045" cy="2635656"/>
+          </a:xfrm>
+          <a:prstGeom prst="rect">
+            <a:avLst/>
+          </a:prstGeom>
+        </p:spPr>
+      </p:pic>
+      <p:pic>
+        <p:nvPicPr>
+          <p:cNvPr id="5" name="그림 4"/>
+          <p:cNvPicPr>
+            <a:picLocks noChangeAspect="1"/>
+          </p:cNvPicPr>
+          <p:nvPr/>
+        </p:nvPicPr>
+        <p:blipFill>
+          <a:blip r:embed="rId4"/>
+          <a:stretch>
+            <a:fillRect/>
+          </a:stretch>
+        </p:blipFill>
+        <p:spPr>
+          <a:xfrm>
+            <a:off x="6537454" y="3098715"/>
+            <a:ext cx="5541810" cy="2248199"/>
+          </a:xfrm>
+          <a:prstGeom prst="rect">
+            <a:avLst/>
+          </a:prstGeom>
+        </p:spPr>
+      </p:pic>
+    </p:spTree>
+    <p:extLst>
+      <p:ext uri="{BB962C8B-B14F-4D97-AF65-F5344CB8AC3E}">
+        <p14:creationId xmlns:p14="http://schemas.microsoft.com/office/powerpoint/2010/main" val="2677225668"/>
+      </p:ext>
+    </p:extLst>
+  </p:cSld>
+  <p:clrMapOvr>
+    <a:masterClrMapping/>
+  </p:clrMapOvr>
+</p:sld>
+</file>
+
 <file path=ppt/slides/slide7.xml><?xml version="1.0" encoding="utf-8"?>
 <p:sld xmlns:a="http://schemas.openxmlformats.org/drawingml/2006/main" xmlns:r="http://schemas.openxmlformats.org/officeDocument/2006/relationships" xmlns:p="http://schemas.openxmlformats.org/presentationml/2006/main">
   <p:cSld>
@@ -7302,7 +14405,7 @@
           <p:cNvPr id="2" name="제목 1">
             <a:extLst>
               <a:ext uri="{FF2B5EF4-FFF2-40B4-BE49-F238E27FC236}">
-                <a16:creationId xmlns="" xmlns:a16="http://schemas.microsoft.com/office/drawing/2014/main" id="{2D7E6B8A-E1FD-472B-F033-346AC9F27163}"/>
+                <a16:creationId xmlns:a16="http://schemas.microsoft.com/office/drawing/2014/main" xmlns="" id="{2D7E6B8A-E1FD-472B-F033-346AC9F27163}"/>
               </a:ext>
             </a:extLst>
           </p:cNvPr>
@@ -7337,7 +14440,6 @@
               <a:rPr lang="ko-KR" altLang="en-US" sz="2000" dirty="0"/>
               <a:t>페이지 실습</a:t>
             </a:r>
-            <a:endParaRPr lang="ko-KR" altLang="en-US" sz="2000" dirty="0"/>
           </a:p>
         </p:txBody>
       </p:sp>
@@ -7643,7 +14745,7 @@
           <p:cNvPr id="2" name="제목 1">
             <a:extLst>
               <a:ext uri="{FF2B5EF4-FFF2-40B4-BE49-F238E27FC236}">
-                <a16:creationId xmlns="" xmlns:a16="http://schemas.microsoft.com/office/drawing/2014/main" id="{2D7E6B8A-E1FD-472B-F033-346AC9F27163}"/>
+                <a16:creationId xmlns:a16="http://schemas.microsoft.com/office/drawing/2014/main" xmlns="" id="{2D7E6B8A-E1FD-472B-F033-346AC9F27163}"/>
               </a:ext>
             </a:extLst>
           </p:cNvPr>
@@ -7678,7 +14780,6 @@
               <a:rPr lang="ko-KR" altLang="en-US" sz="2000" dirty="0"/>
               <a:t>페이지 실습</a:t>
             </a:r>
-            <a:endParaRPr lang="ko-KR" altLang="en-US" sz="2000" dirty="0"/>
           </a:p>
         </p:txBody>
       </p:sp>
@@ -7980,7 +15081,7 @@
           <p:cNvPr id="2" name="제목 1">
             <a:extLst>
               <a:ext uri="{FF2B5EF4-FFF2-40B4-BE49-F238E27FC236}">
-                <a16:creationId xmlns="" xmlns:a16="http://schemas.microsoft.com/office/drawing/2014/main" id="{2D7E6B8A-E1FD-472B-F033-346AC9F27163}"/>
+                <a16:creationId xmlns:a16="http://schemas.microsoft.com/office/drawing/2014/main" xmlns="" id="{2D7E6B8A-E1FD-472B-F033-346AC9F27163}"/>
               </a:ext>
             </a:extLst>
           </p:cNvPr>

--- a/데이터베이스프로그래밍 과제/20230518 데이터베이스 3강 과제 남정현.pptx
+++ b/데이터베이스프로그래밍 과제/20230518 데이터베이스 3강 과제 남정현.pptx
@@ -346,7 +346,7 @@
             <a:fld id="{87DE6118-2437-4B30-8E3C-4D2BE6020583}" type="datetimeFigureOut">
               <a:rPr lang="en-US" dirty="0"/>
               <a:pPr/>
-              <a:t>5/24/2023</a:t>
+              <a:t>5/30/2023</a:t>
             </a:fld>
             <a:endParaRPr lang="en-US" dirty="0"/>
           </a:p>
@@ -672,7 +672,7 @@
           <a:p>
             <a:fld id="{87DE6118-2437-4B30-8E3C-4D2BE6020583}" type="datetimeFigureOut">
               <a:rPr lang="en-US" dirty="0"/>
-              <a:t>5/24/2023</a:t>
+              <a:t>5/30/2023</a:t>
             </a:fld>
             <a:endParaRPr lang="en-US" dirty="0"/>
           </a:p>
@@ -847,7 +847,7 @@
           <a:p>
             <a:fld id="{87DE6118-2437-4B30-8E3C-4D2BE6020583}" type="datetimeFigureOut">
               <a:rPr lang="en-US" dirty="0"/>
-              <a:t>5/24/2023</a:t>
+              <a:t>5/30/2023</a:t>
             </a:fld>
             <a:endParaRPr lang="en-US" dirty="0"/>
           </a:p>
@@ -1012,7 +1012,7 @@
           <a:p>
             <a:fld id="{87DE6118-2437-4B30-8E3C-4D2BE6020583}" type="datetimeFigureOut">
               <a:rPr lang="en-US" dirty="0"/>
-              <a:t>5/24/2023</a:t>
+              <a:t>5/30/2023</a:t>
             </a:fld>
             <a:endParaRPr lang="en-US" dirty="0"/>
           </a:p>
@@ -1285,7 +1285,7 @@
             <a:fld id="{87DE6118-2437-4B30-8E3C-4D2BE6020583}" type="datetimeFigureOut">
               <a:rPr lang="en-US" dirty="0"/>
               <a:pPr/>
-              <a:t>5/24/2023</a:t>
+              <a:t>5/30/2023</a:t>
             </a:fld>
             <a:endParaRPr lang="en-US" dirty="0"/>
           </a:p>
@@ -1675,7 +1675,7 @@
           <a:p>
             <a:fld id="{87DE6118-2437-4B30-8E3C-4D2BE6020583}" type="datetimeFigureOut">
               <a:rPr lang="en-US" dirty="0"/>
-              <a:t>5/24/2023</a:t>
+              <a:t>5/30/2023</a:t>
             </a:fld>
             <a:endParaRPr lang="en-US" dirty="0"/>
           </a:p>
@@ -2147,7 +2147,7 @@
           <a:p>
             <a:fld id="{87DE6118-2437-4B30-8E3C-4D2BE6020583}" type="datetimeFigureOut">
               <a:rPr lang="en-US" dirty="0"/>
-              <a:t>5/24/2023</a:t>
+              <a:t>5/30/2023</a:t>
             </a:fld>
             <a:endParaRPr lang="en-US" dirty="0"/>
           </a:p>
@@ -2260,7 +2260,7 @@
           <a:p>
             <a:fld id="{87DE6118-2437-4B30-8E3C-4D2BE6020583}" type="datetimeFigureOut">
               <a:rPr lang="en-US" dirty="0"/>
-              <a:t>5/24/2023</a:t>
+              <a:t>5/30/2023</a:t>
             </a:fld>
             <a:endParaRPr lang="en-US" dirty="0"/>
           </a:p>
@@ -2350,7 +2350,7 @@
           <a:p>
             <a:fld id="{87DE6118-2437-4B30-8E3C-4D2BE6020583}" type="datetimeFigureOut">
               <a:rPr lang="en-US" dirty="0"/>
-              <a:t>5/24/2023</a:t>
+              <a:t>5/30/2023</a:t>
             </a:fld>
             <a:endParaRPr lang="en-US" dirty="0"/>
           </a:p>
@@ -2692,7 +2692,7 @@
             <a:fld id="{87DE6118-2437-4B30-8E3C-4D2BE6020583}" type="datetimeFigureOut">
               <a:rPr lang="en-US" dirty="0"/>
               <a:pPr/>
-              <a:t>5/24/2023</a:t>
+              <a:t>5/30/2023</a:t>
             </a:fld>
             <a:endParaRPr lang="en-US" dirty="0"/>
           </a:p>
@@ -3077,7 +3077,7 @@
             <a:fld id="{87DE6118-2437-4B30-8E3C-4D2BE6020583}" type="datetimeFigureOut">
               <a:rPr lang="en-US" dirty="0"/>
               <a:pPr/>
-              <a:t>5/24/2023</a:t>
+              <a:t>5/30/2023</a:t>
             </a:fld>
             <a:endParaRPr lang="en-US" dirty="0"/>
           </a:p>
@@ -3352,7 +3352,7 @@
             <a:fld id="{87DE6118-2437-4B30-8E3C-4D2BE6020583}" type="datetimeFigureOut">
               <a:rPr lang="en-US" dirty="0"/>
               <a:pPr/>
-              <a:t>5/24/2023</a:t>
+              <a:t>5/30/2023</a:t>
             </a:fld>
             <a:endParaRPr lang="en-US" dirty="0"/>
           </a:p>
@@ -3885,12 +3885,16 @@
               <a:t>데이터베이스 </a:t>
             </a:r>
             <a:r>
-              <a:rPr lang="en-US" altLang="ko-KR" sz="6000" dirty="0"/>
-              <a:t>2</a:t>
+              <a:rPr lang="en-US" altLang="ko-KR" sz="6000" dirty="0" smtClean="0"/>
+              <a:t>3</a:t>
+            </a:r>
+            <a:r>
+              <a:rPr lang="ko-KR" altLang="en-US" sz="6000" dirty="0" smtClean="0"/>
+              <a:t>강 </a:t>
             </a:r>
             <a:r>
               <a:rPr lang="ko-KR" altLang="en-US" sz="6000" dirty="0"/>
-              <a:t>강 과제</a:t>
+              <a:t>과제</a:t>
             </a:r>
           </a:p>
         </p:txBody>
@@ -3937,7 +3941,7 @@
           <p:cNvPr id="2" name="제목 1">
             <a:extLst>
               <a:ext uri="{FF2B5EF4-FFF2-40B4-BE49-F238E27FC236}">
-                <a16:creationId xmlns:a16="http://schemas.microsoft.com/office/drawing/2014/main" xmlns="" id="{2D7E6B8A-E1FD-472B-F033-346AC9F27163}"/>
+                <a16:creationId xmlns="" xmlns:a16="http://schemas.microsoft.com/office/drawing/2014/main" id="{2D7E6B8A-E1FD-472B-F033-346AC9F27163}"/>
               </a:ext>
             </a:extLst>
           </p:cNvPr>
@@ -4261,7 +4265,7 @@
           <p:cNvPr id="2" name="제목 1">
             <a:extLst>
               <a:ext uri="{FF2B5EF4-FFF2-40B4-BE49-F238E27FC236}">
-                <a16:creationId xmlns:a16="http://schemas.microsoft.com/office/drawing/2014/main" xmlns="" id="{2D7E6B8A-E1FD-472B-F033-346AC9F27163}"/>
+                <a16:creationId xmlns="" xmlns:a16="http://schemas.microsoft.com/office/drawing/2014/main" id="{2D7E6B8A-E1FD-472B-F033-346AC9F27163}"/>
               </a:ext>
             </a:extLst>
           </p:cNvPr>
@@ -4427,7 +4431,7 @@
           <p:cNvPr id="2" name="제목 1">
             <a:extLst>
               <a:ext uri="{FF2B5EF4-FFF2-40B4-BE49-F238E27FC236}">
-                <a16:creationId xmlns:a16="http://schemas.microsoft.com/office/drawing/2014/main" xmlns="" id="{2D7E6B8A-E1FD-472B-F033-346AC9F27163}"/>
+                <a16:creationId xmlns="" xmlns:a16="http://schemas.microsoft.com/office/drawing/2014/main" id="{2D7E6B8A-E1FD-472B-F033-346AC9F27163}"/>
               </a:ext>
             </a:extLst>
           </p:cNvPr>
@@ -4535,7 +4539,7 @@
           <p:cNvPr id="2" name="제목 1">
             <a:extLst>
               <a:ext uri="{FF2B5EF4-FFF2-40B4-BE49-F238E27FC236}">
-                <a16:creationId xmlns:a16="http://schemas.microsoft.com/office/drawing/2014/main" xmlns="" id="{2D7E6B8A-E1FD-472B-F033-346AC9F27163}"/>
+                <a16:creationId xmlns="" xmlns:a16="http://schemas.microsoft.com/office/drawing/2014/main" id="{2D7E6B8A-E1FD-472B-F033-346AC9F27163}"/>
               </a:ext>
             </a:extLst>
           </p:cNvPr>
@@ -4757,7 +4761,7 @@
           <p:cNvPr id="2" name="제목 1">
             <a:extLst>
               <a:ext uri="{FF2B5EF4-FFF2-40B4-BE49-F238E27FC236}">
-                <a16:creationId xmlns:a16="http://schemas.microsoft.com/office/drawing/2014/main" xmlns="" id="{2D7E6B8A-E1FD-472B-F033-346AC9F27163}"/>
+                <a16:creationId xmlns="" xmlns:a16="http://schemas.microsoft.com/office/drawing/2014/main" id="{2D7E6B8A-E1FD-472B-F033-346AC9F27163}"/>
               </a:ext>
             </a:extLst>
           </p:cNvPr>
@@ -4939,7 +4943,7 @@
           <p:cNvPr id="2" name="제목 1">
             <a:extLst>
               <a:ext uri="{FF2B5EF4-FFF2-40B4-BE49-F238E27FC236}">
-                <a16:creationId xmlns:a16="http://schemas.microsoft.com/office/drawing/2014/main" xmlns="" id="{2D7E6B8A-E1FD-472B-F033-346AC9F27163}"/>
+                <a16:creationId xmlns="" xmlns:a16="http://schemas.microsoft.com/office/drawing/2014/main" id="{2D7E6B8A-E1FD-472B-F033-346AC9F27163}"/>
               </a:ext>
             </a:extLst>
           </p:cNvPr>
@@ -5122,7 +5126,7 @@
           <p:cNvPr id="2" name="제목 1">
             <a:extLst>
               <a:ext uri="{FF2B5EF4-FFF2-40B4-BE49-F238E27FC236}">
-                <a16:creationId xmlns:a16="http://schemas.microsoft.com/office/drawing/2014/main" xmlns="" id="{2D7E6B8A-E1FD-472B-F033-346AC9F27163}"/>
+                <a16:creationId xmlns="" xmlns:a16="http://schemas.microsoft.com/office/drawing/2014/main" id="{2D7E6B8A-E1FD-472B-F033-346AC9F27163}"/>
               </a:ext>
             </a:extLst>
           </p:cNvPr>
@@ -5297,7 +5301,7 @@
           <p:cNvPr id="2" name="제목 1">
             <a:extLst>
               <a:ext uri="{FF2B5EF4-FFF2-40B4-BE49-F238E27FC236}">
-                <a16:creationId xmlns:a16="http://schemas.microsoft.com/office/drawing/2014/main" xmlns="" id="{2D7E6B8A-E1FD-472B-F033-346AC9F27163}"/>
+                <a16:creationId xmlns="" xmlns:a16="http://schemas.microsoft.com/office/drawing/2014/main" id="{2D7E6B8A-E1FD-472B-F033-346AC9F27163}"/>
               </a:ext>
             </a:extLst>
           </p:cNvPr>
@@ -5405,7 +5409,7 @@
           <p:cNvPr id="2" name="제목 1">
             <a:extLst>
               <a:ext uri="{FF2B5EF4-FFF2-40B4-BE49-F238E27FC236}">
-                <a16:creationId xmlns:a16="http://schemas.microsoft.com/office/drawing/2014/main" xmlns="" id="{2D7E6B8A-E1FD-472B-F033-346AC9F27163}"/>
+                <a16:creationId xmlns="" xmlns:a16="http://schemas.microsoft.com/office/drawing/2014/main" id="{2D7E6B8A-E1FD-472B-F033-346AC9F27163}"/>
               </a:ext>
             </a:extLst>
           </p:cNvPr>
@@ -5665,7 +5669,7 @@
           <p:cNvPr id="2" name="제목 1">
             <a:extLst>
               <a:ext uri="{FF2B5EF4-FFF2-40B4-BE49-F238E27FC236}">
-                <a16:creationId xmlns:a16="http://schemas.microsoft.com/office/drawing/2014/main" xmlns="" id="{2D7E6B8A-E1FD-472B-F033-346AC9F27163}"/>
+                <a16:creationId xmlns="" xmlns:a16="http://schemas.microsoft.com/office/drawing/2014/main" id="{2D7E6B8A-E1FD-472B-F033-346AC9F27163}"/>
               </a:ext>
             </a:extLst>
           </p:cNvPr>
@@ -5942,11 +5946,7 @@
             </a:r>
             <a:r>
               <a:rPr lang="ko-KR" altLang="en-US" dirty="0" smtClean="0"/>
-              <a:t>조건 충</a:t>
-            </a:r>
-            <a:r>
-              <a:rPr lang="ko-KR" altLang="en-US" dirty="0" smtClean="0"/>
-              <a:t>족</a:t>
+              <a:t>조건 충족</a:t>
             </a:r>
             <a:endParaRPr lang="ko-KR" altLang="en-US" dirty="0"/>
           </a:p>
@@ -5994,7 +5994,7 @@
           <p:cNvPr id="2" name="제목 1">
             <a:extLst>
               <a:ext uri="{FF2B5EF4-FFF2-40B4-BE49-F238E27FC236}">
-                <a16:creationId xmlns:a16="http://schemas.microsoft.com/office/drawing/2014/main" xmlns="" id="{2D7E6B8A-E1FD-472B-F033-346AC9F27163}"/>
+                <a16:creationId xmlns="" xmlns:a16="http://schemas.microsoft.com/office/drawing/2014/main" id="{2D7E6B8A-E1FD-472B-F033-346AC9F27163}"/>
               </a:ext>
             </a:extLst>
           </p:cNvPr>
@@ -6198,7 +6198,7 @@
           <p:cNvPr id="2" name="제목 1">
             <a:extLst>
               <a:ext uri="{FF2B5EF4-FFF2-40B4-BE49-F238E27FC236}">
-                <a16:creationId xmlns:a16="http://schemas.microsoft.com/office/drawing/2014/main" xmlns="" id="{2D7E6B8A-E1FD-472B-F033-346AC9F27163}"/>
+                <a16:creationId xmlns="" xmlns:a16="http://schemas.microsoft.com/office/drawing/2014/main" id="{2D7E6B8A-E1FD-472B-F033-346AC9F27163}"/>
               </a:ext>
             </a:extLst>
           </p:cNvPr>
@@ -6475,11 +6475,7 @@
             </a:r>
             <a:r>
               <a:rPr lang="ko-KR" altLang="en-US" dirty="0" smtClean="0"/>
-              <a:t>조건 충</a:t>
-            </a:r>
-            <a:r>
-              <a:rPr lang="ko-KR" altLang="en-US" dirty="0" smtClean="0"/>
-              <a:t>족</a:t>
+              <a:t>조건 충족</a:t>
             </a:r>
             <a:endParaRPr lang="ko-KR" altLang="en-US" dirty="0"/>
           </a:p>
@@ -6527,7 +6523,7 @@
           <p:cNvPr id="2" name="제목 1">
             <a:extLst>
               <a:ext uri="{FF2B5EF4-FFF2-40B4-BE49-F238E27FC236}">
-                <a16:creationId xmlns:a16="http://schemas.microsoft.com/office/drawing/2014/main" xmlns="" id="{2D7E6B8A-E1FD-472B-F033-346AC9F27163}"/>
+                <a16:creationId xmlns="" xmlns:a16="http://schemas.microsoft.com/office/drawing/2014/main" id="{2D7E6B8A-E1FD-472B-F033-346AC9F27163}"/>
               </a:ext>
             </a:extLst>
           </p:cNvPr>
@@ -6774,11 +6770,7 @@
             </a:r>
             <a:r>
               <a:rPr lang="ko-KR" altLang="en-US" dirty="0" smtClean="0"/>
-              <a:t>조건 충</a:t>
-            </a:r>
-            <a:r>
-              <a:rPr lang="ko-KR" altLang="en-US" dirty="0" smtClean="0"/>
-              <a:t>족</a:t>
+              <a:t>조건 충족</a:t>
             </a:r>
             <a:endParaRPr lang="ko-KR" altLang="en-US" dirty="0"/>
           </a:p>
@@ -6868,7 +6860,7 @@
           <p:cNvPr id="2" name="제목 1">
             <a:extLst>
               <a:ext uri="{FF2B5EF4-FFF2-40B4-BE49-F238E27FC236}">
-                <a16:creationId xmlns:a16="http://schemas.microsoft.com/office/drawing/2014/main" xmlns="" id="{2D7E6B8A-E1FD-472B-F033-346AC9F27163}"/>
+                <a16:creationId xmlns="" xmlns:a16="http://schemas.microsoft.com/office/drawing/2014/main" id="{2D7E6B8A-E1FD-472B-F033-346AC9F27163}"/>
               </a:ext>
             </a:extLst>
           </p:cNvPr>
@@ -7153,11 +7145,7 @@
             </a:r>
             <a:r>
               <a:rPr lang="ko-KR" altLang="en-US" dirty="0" smtClean="0"/>
-              <a:t>조건 충</a:t>
-            </a:r>
-            <a:r>
-              <a:rPr lang="ko-KR" altLang="en-US" dirty="0" smtClean="0"/>
-              <a:t>족</a:t>
+              <a:t>조건 충족</a:t>
             </a:r>
             <a:endParaRPr lang="ko-KR" altLang="en-US" dirty="0"/>
           </a:p>
@@ -7205,7 +7193,7 @@
           <p:cNvPr id="2" name="제목 1">
             <a:extLst>
               <a:ext uri="{FF2B5EF4-FFF2-40B4-BE49-F238E27FC236}">
-                <a16:creationId xmlns:a16="http://schemas.microsoft.com/office/drawing/2014/main" xmlns="" id="{2D7E6B8A-E1FD-472B-F033-346AC9F27163}"/>
+                <a16:creationId xmlns="" xmlns:a16="http://schemas.microsoft.com/office/drawing/2014/main" id="{2D7E6B8A-E1FD-472B-F033-346AC9F27163}"/>
               </a:ext>
             </a:extLst>
           </p:cNvPr>
@@ -7655,7 +7643,7 @@
           <p:cNvPr id="2" name="제목 1">
             <a:extLst>
               <a:ext uri="{FF2B5EF4-FFF2-40B4-BE49-F238E27FC236}">
-                <a16:creationId xmlns:a16="http://schemas.microsoft.com/office/drawing/2014/main" xmlns="" id="{2D7E6B8A-E1FD-472B-F033-346AC9F27163}"/>
+                <a16:creationId xmlns="" xmlns:a16="http://schemas.microsoft.com/office/drawing/2014/main" id="{2D7E6B8A-E1FD-472B-F033-346AC9F27163}"/>
               </a:ext>
             </a:extLst>
           </p:cNvPr>
@@ -7777,7 +7765,7 @@
           <p:cNvPr id="2" name="제목 1">
             <a:extLst>
               <a:ext uri="{FF2B5EF4-FFF2-40B4-BE49-F238E27FC236}">
-                <a16:creationId xmlns:a16="http://schemas.microsoft.com/office/drawing/2014/main" xmlns="" id="{2D7E6B8A-E1FD-472B-F033-346AC9F27163}"/>
+                <a16:creationId xmlns="" xmlns:a16="http://schemas.microsoft.com/office/drawing/2014/main" id="{2D7E6B8A-E1FD-472B-F033-346AC9F27163}"/>
               </a:ext>
             </a:extLst>
           </p:cNvPr>
@@ -7914,7 +7902,7 @@
           <p:cNvPr id="2" name="제목 1">
             <a:extLst>
               <a:ext uri="{FF2B5EF4-FFF2-40B4-BE49-F238E27FC236}">
-                <a16:creationId xmlns:a16="http://schemas.microsoft.com/office/drawing/2014/main" xmlns="" id="{2D7E6B8A-E1FD-472B-F033-346AC9F27163}"/>
+                <a16:creationId xmlns="" xmlns:a16="http://schemas.microsoft.com/office/drawing/2014/main" id="{2D7E6B8A-E1FD-472B-F033-346AC9F27163}"/>
               </a:ext>
             </a:extLst>
           </p:cNvPr>
@@ -8093,7 +8081,7 @@
           <p:cNvPr id="2" name="제목 1">
             <a:extLst>
               <a:ext uri="{FF2B5EF4-FFF2-40B4-BE49-F238E27FC236}">
-                <a16:creationId xmlns:a16="http://schemas.microsoft.com/office/drawing/2014/main" xmlns="" id="{2D7E6B8A-E1FD-472B-F033-346AC9F27163}"/>
+                <a16:creationId xmlns="" xmlns:a16="http://schemas.microsoft.com/office/drawing/2014/main" id="{2D7E6B8A-E1FD-472B-F033-346AC9F27163}"/>
               </a:ext>
             </a:extLst>
           </p:cNvPr>
@@ -8223,7 +8211,7 @@
           <p:cNvPr id="2" name="제목 1">
             <a:extLst>
               <a:ext uri="{FF2B5EF4-FFF2-40B4-BE49-F238E27FC236}">
-                <a16:creationId xmlns:a16="http://schemas.microsoft.com/office/drawing/2014/main" xmlns="" id="{2D7E6B8A-E1FD-472B-F033-346AC9F27163}"/>
+                <a16:creationId xmlns="" xmlns:a16="http://schemas.microsoft.com/office/drawing/2014/main" id="{2D7E6B8A-E1FD-472B-F033-346AC9F27163}"/>
               </a:ext>
             </a:extLst>
           </p:cNvPr>
@@ -8383,7 +8371,7 @@
           <p:cNvPr id="2" name="제목 1">
             <a:extLst>
               <a:ext uri="{FF2B5EF4-FFF2-40B4-BE49-F238E27FC236}">
-                <a16:creationId xmlns:a16="http://schemas.microsoft.com/office/drawing/2014/main" xmlns="" id="{2D7E6B8A-E1FD-472B-F033-346AC9F27163}"/>
+                <a16:creationId xmlns="" xmlns:a16="http://schemas.microsoft.com/office/drawing/2014/main" id="{2D7E6B8A-E1FD-472B-F033-346AC9F27163}"/>
               </a:ext>
             </a:extLst>
           </p:cNvPr>
@@ -8426,7 +8414,6 @@
               <a:rPr lang="ko-KR" altLang="en-US" sz="2000" dirty="0"/>
               <a:t>호감도 투표</a:t>
             </a:r>
-            <a:endParaRPr lang="ko-KR" altLang="en-US" sz="2000" dirty="0"/>
           </a:p>
         </p:txBody>
       </p:sp>
@@ -8554,7 +8541,7 @@
           <p:cNvPr id="2" name="제목 1">
             <a:extLst>
               <a:ext uri="{FF2B5EF4-FFF2-40B4-BE49-F238E27FC236}">
-                <a16:creationId xmlns:a16="http://schemas.microsoft.com/office/drawing/2014/main" xmlns="" id="{2D7E6B8A-E1FD-472B-F033-346AC9F27163}"/>
+                <a16:creationId xmlns="" xmlns:a16="http://schemas.microsoft.com/office/drawing/2014/main" id="{2D7E6B8A-E1FD-472B-F033-346AC9F27163}"/>
               </a:ext>
             </a:extLst>
           </p:cNvPr>
@@ -8700,7 +8687,7 @@
           <p:cNvPr id="2" name="제목 1">
             <a:extLst>
               <a:ext uri="{FF2B5EF4-FFF2-40B4-BE49-F238E27FC236}">
-                <a16:creationId xmlns:a16="http://schemas.microsoft.com/office/drawing/2014/main" xmlns="" id="{2D7E6B8A-E1FD-472B-F033-346AC9F27163}"/>
+                <a16:creationId xmlns="" xmlns:a16="http://schemas.microsoft.com/office/drawing/2014/main" id="{2D7E6B8A-E1FD-472B-F033-346AC9F27163}"/>
               </a:ext>
             </a:extLst>
           </p:cNvPr>
@@ -8833,7 +8820,7 @@
           <p:cNvPr id="2" name="제목 1">
             <a:extLst>
               <a:ext uri="{FF2B5EF4-FFF2-40B4-BE49-F238E27FC236}">
-                <a16:creationId xmlns:a16="http://schemas.microsoft.com/office/drawing/2014/main" xmlns="" id="{2D7E6B8A-E1FD-472B-F033-346AC9F27163}"/>
+                <a16:creationId xmlns="" xmlns:a16="http://schemas.microsoft.com/office/drawing/2014/main" id="{2D7E6B8A-E1FD-472B-F033-346AC9F27163}"/>
               </a:ext>
             </a:extLst>
           </p:cNvPr>
@@ -8970,7 +8957,7 @@
           <p:cNvPr id="2" name="제목 1">
             <a:extLst>
               <a:ext uri="{FF2B5EF4-FFF2-40B4-BE49-F238E27FC236}">
-                <a16:creationId xmlns:a16="http://schemas.microsoft.com/office/drawing/2014/main" xmlns="" id="{2D7E6B8A-E1FD-472B-F033-346AC9F27163}"/>
+                <a16:creationId xmlns="" xmlns:a16="http://schemas.microsoft.com/office/drawing/2014/main" id="{2D7E6B8A-E1FD-472B-F033-346AC9F27163}"/>
               </a:ext>
             </a:extLst>
           </p:cNvPr>
@@ -9111,7 +9098,7 @@
           <p:cNvPr id="2" name="제목 1">
             <a:extLst>
               <a:ext uri="{FF2B5EF4-FFF2-40B4-BE49-F238E27FC236}">
-                <a16:creationId xmlns:a16="http://schemas.microsoft.com/office/drawing/2014/main" xmlns="" id="{2D7E6B8A-E1FD-472B-F033-346AC9F27163}"/>
+                <a16:creationId xmlns="" xmlns:a16="http://schemas.microsoft.com/office/drawing/2014/main" id="{2D7E6B8A-E1FD-472B-F033-346AC9F27163}"/>
               </a:ext>
             </a:extLst>
           </p:cNvPr>
@@ -9248,7 +9235,7 @@
           <p:cNvPr id="2" name="제목 1">
             <a:extLst>
               <a:ext uri="{FF2B5EF4-FFF2-40B4-BE49-F238E27FC236}">
-                <a16:creationId xmlns:a16="http://schemas.microsoft.com/office/drawing/2014/main" xmlns="" id="{2D7E6B8A-E1FD-472B-F033-346AC9F27163}"/>
+                <a16:creationId xmlns="" xmlns:a16="http://schemas.microsoft.com/office/drawing/2014/main" id="{2D7E6B8A-E1FD-472B-F033-346AC9F27163}"/>
               </a:ext>
             </a:extLst>
           </p:cNvPr>
@@ -9390,7 +9377,7 @@
           <p:cNvPr id="2" name="제목 1">
             <a:extLst>
               <a:ext uri="{FF2B5EF4-FFF2-40B4-BE49-F238E27FC236}">
-                <a16:creationId xmlns:a16="http://schemas.microsoft.com/office/drawing/2014/main" xmlns="" id="{2D7E6B8A-E1FD-472B-F033-346AC9F27163}"/>
+                <a16:creationId xmlns="" xmlns:a16="http://schemas.microsoft.com/office/drawing/2014/main" id="{2D7E6B8A-E1FD-472B-F033-346AC9F27163}"/>
               </a:ext>
             </a:extLst>
           </p:cNvPr>
@@ -9552,7 +9539,7 @@
           <p:cNvPr id="2" name="제목 1">
             <a:extLst>
               <a:ext uri="{FF2B5EF4-FFF2-40B4-BE49-F238E27FC236}">
-                <a16:creationId xmlns:a16="http://schemas.microsoft.com/office/drawing/2014/main" xmlns="" id="{2D7E6B8A-E1FD-472B-F033-346AC9F27163}"/>
+                <a16:creationId xmlns="" xmlns:a16="http://schemas.microsoft.com/office/drawing/2014/main" id="{2D7E6B8A-E1FD-472B-F033-346AC9F27163}"/>
               </a:ext>
             </a:extLst>
           </p:cNvPr>
@@ -9685,7 +9672,7 @@
           <p:cNvPr id="2" name="제목 1">
             <a:extLst>
               <a:ext uri="{FF2B5EF4-FFF2-40B4-BE49-F238E27FC236}">
-                <a16:creationId xmlns:a16="http://schemas.microsoft.com/office/drawing/2014/main" xmlns="" id="{2D7E6B8A-E1FD-472B-F033-346AC9F27163}"/>
+                <a16:creationId xmlns="" xmlns:a16="http://schemas.microsoft.com/office/drawing/2014/main" id="{2D7E6B8A-E1FD-472B-F033-346AC9F27163}"/>
               </a:ext>
             </a:extLst>
           </p:cNvPr>
@@ -9826,7 +9813,7 @@
           <p:cNvPr id="2" name="제목 1">
             <a:extLst>
               <a:ext uri="{FF2B5EF4-FFF2-40B4-BE49-F238E27FC236}">
-                <a16:creationId xmlns:a16="http://schemas.microsoft.com/office/drawing/2014/main" xmlns="" id="{2D7E6B8A-E1FD-472B-F033-346AC9F27163}"/>
+                <a16:creationId xmlns="" xmlns:a16="http://schemas.microsoft.com/office/drawing/2014/main" id="{2D7E6B8A-E1FD-472B-F033-346AC9F27163}"/>
               </a:ext>
             </a:extLst>
           </p:cNvPr>
@@ -9995,7 +9982,7 @@
           <p:cNvPr id="2" name="제목 1">
             <a:extLst>
               <a:ext uri="{FF2B5EF4-FFF2-40B4-BE49-F238E27FC236}">
-                <a16:creationId xmlns:a16="http://schemas.microsoft.com/office/drawing/2014/main" xmlns="" id="{2D7E6B8A-E1FD-472B-F033-346AC9F27163}"/>
+                <a16:creationId xmlns="" xmlns:a16="http://schemas.microsoft.com/office/drawing/2014/main" id="{2D7E6B8A-E1FD-472B-F033-346AC9F27163}"/>
               </a:ext>
             </a:extLst>
           </p:cNvPr>
@@ -10140,7 +10127,7 @@
           <p:cNvPr id="2" name="제목 1">
             <a:extLst>
               <a:ext uri="{FF2B5EF4-FFF2-40B4-BE49-F238E27FC236}">
-                <a16:creationId xmlns:a16="http://schemas.microsoft.com/office/drawing/2014/main" xmlns="" id="{2D7E6B8A-E1FD-472B-F033-346AC9F27163}"/>
+                <a16:creationId xmlns="" xmlns:a16="http://schemas.microsoft.com/office/drawing/2014/main" id="{2D7E6B8A-E1FD-472B-F033-346AC9F27163}"/>
               </a:ext>
             </a:extLst>
           </p:cNvPr>
@@ -10272,7 +10259,7 @@
           <p:cNvPr id="2" name="제목 1">
             <a:extLst>
               <a:ext uri="{FF2B5EF4-FFF2-40B4-BE49-F238E27FC236}">
-                <a16:creationId xmlns:a16="http://schemas.microsoft.com/office/drawing/2014/main" xmlns="" id="{2D7E6B8A-E1FD-472B-F033-346AC9F27163}"/>
+                <a16:creationId xmlns="" xmlns:a16="http://schemas.microsoft.com/office/drawing/2014/main" id="{2D7E6B8A-E1FD-472B-F033-346AC9F27163}"/>
               </a:ext>
             </a:extLst>
           </p:cNvPr>
@@ -10437,7 +10424,7 @@
           <p:cNvPr id="2" name="제목 1">
             <a:extLst>
               <a:ext uri="{FF2B5EF4-FFF2-40B4-BE49-F238E27FC236}">
-                <a16:creationId xmlns:a16="http://schemas.microsoft.com/office/drawing/2014/main" xmlns="" id="{2D7E6B8A-E1FD-472B-F033-346AC9F27163}"/>
+                <a16:creationId xmlns="" xmlns:a16="http://schemas.microsoft.com/office/drawing/2014/main" id="{2D7E6B8A-E1FD-472B-F033-346AC9F27163}"/>
               </a:ext>
             </a:extLst>
           </p:cNvPr>
@@ -10573,7 +10560,7 @@
           <p:cNvPr id="2" name="제목 1">
             <a:extLst>
               <a:ext uri="{FF2B5EF4-FFF2-40B4-BE49-F238E27FC236}">
-                <a16:creationId xmlns:a16="http://schemas.microsoft.com/office/drawing/2014/main" xmlns="" id="{2D7E6B8A-E1FD-472B-F033-346AC9F27163}"/>
+                <a16:creationId xmlns="" xmlns:a16="http://schemas.microsoft.com/office/drawing/2014/main" id="{2D7E6B8A-E1FD-472B-F033-346AC9F27163}"/>
               </a:ext>
             </a:extLst>
           </p:cNvPr>
@@ -10732,7 +10719,7 @@
           <p:cNvPr id="2" name="제목 1">
             <a:extLst>
               <a:ext uri="{FF2B5EF4-FFF2-40B4-BE49-F238E27FC236}">
-                <a16:creationId xmlns:a16="http://schemas.microsoft.com/office/drawing/2014/main" xmlns="" id="{2D7E6B8A-E1FD-472B-F033-346AC9F27163}"/>
+                <a16:creationId xmlns="" xmlns:a16="http://schemas.microsoft.com/office/drawing/2014/main" id="{2D7E6B8A-E1FD-472B-F033-346AC9F27163}"/>
               </a:ext>
             </a:extLst>
           </p:cNvPr>
@@ -10896,7 +10883,7 @@
           <p:cNvPr id="2" name="제목 1">
             <a:extLst>
               <a:ext uri="{FF2B5EF4-FFF2-40B4-BE49-F238E27FC236}">
-                <a16:creationId xmlns:a16="http://schemas.microsoft.com/office/drawing/2014/main" xmlns="" id="{2D7E6B8A-E1FD-472B-F033-346AC9F27163}"/>
+                <a16:creationId xmlns="" xmlns:a16="http://schemas.microsoft.com/office/drawing/2014/main" id="{2D7E6B8A-E1FD-472B-F033-346AC9F27163}"/>
               </a:ext>
             </a:extLst>
           </p:cNvPr>
@@ -11030,7 +11017,7 @@
           <p:cNvPr id="2" name="제목 1">
             <a:extLst>
               <a:ext uri="{FF2B5EF4-FFF2-40B4-BE49-F238E27FC236}">
-                <a16:creationId xmlns:a16="http://schemas.microsoft.com/office/drawing/2014/main" xmlns="" id="{2D7E6B8A-E1FD-472B-F033-346AC9F27163}"/>
+                <a16:creationId xmlns="" xmlns:a16="http://schemas.microsoft.com/office/drawing/2014/main" id="{2D7E6B8A-E1FD-472B-F033-346AC9F27163}"/>
               </a:ext>
             </a:extLst>
           </p:cNvPr>
@@ -11164,7 +11151,7 @@
           <p:cNvPr id="2" name="제목 1">
             <a:extLst>
               <a:ext uri="{FF2B5EF4-FFF2-40B4-BE49-F238E27FC236}">
-                <a16:creationId xmlns:a16="http://schemas.microsoft.com/office/drawing/2014/main" xmlns="" id="{2D7E6B8A-E1FD-472B-F033-346AC9F27163}"/>
+                <a16:creationId xmlns="" xmlns:a16="http://schemas.microsoft.com/office/drawing/2014/main" id="{2D7E6B8A-E1FD-472B-F033-346AC9F27163}"/>
               </a:ext>
             </a:extLst>
           </p:cNvPr>
@@ -11290,7 +11277,7 @@
           <p:cNvPr id="2" name="제목 1">
             <a:extLst>
               <a:ext uri="{FF2B5EF4-FFF2-40B4-BE49-F238E27FC236}">
-                <a16:creationId xmlns:a16="http://schemas.microsoft.com/office/drawing/2014/main" xmlns="" id="{2D7E6B8A-E1FD-472B-F033-346AC9F27163}"/>
+                <a16:creationId xmlns="" xmlns:a16="http://schemas.microsoft.com/office/drawing/2014/main" id="{2D7E6B8A-E1FD-472B-F033-346AC9F27163}"/>
               </a:ext>
             </a:extLst>
           </p:cNvPr>
@@ -11422,7 +11409,7 @@
           <p:cNvPr id="2" name="제목 1">
             <a:extLst>
               <a:ext uri="{FF2B5EF4-FFF2-40B4-BE49-F238E27FC236}">
-                <a16:creationId xmlns:a16="http://schemas.microsoft.com/office/drawing/2014/main" xmlns="" id="{2D7E6B8A-E1FD-472B-F033-346AC9F27163}"/>
+                <a16:creationId xmlns="" xmlns:a16="http://schemas.microsoft.com/office/drawing/2014/main" id="{2D7E6B8A-E1FD-472B-F033-346AC9F27163}"/>
               </a:ext>
             </a:extLst>
           </p:cNvPr>
@@ -11547,6 +11534,13 @@
   <p:clrMapOvr>
     <a:masterClrMapping/>
   </p:clrMapOvr>
+  <p:timing>
+    <p:tnLst>
+      <p:par>
+        <p:cTn id="1" dur="indefinite" restart="never" nodeType="tmRoot"/>
+      </p:par>
+    </p:tnLst>
+  </p:timing>
 </p:sld>
 </file>
 
@@ -11572,7 +11566,7 @@
           <p:cNvPr id="2" name="제목 1">
             <a:extLst>
               <a:ext uri="{FF2B5EF4-FFF2-40B4-BE49-F238E27FC236}">
-                <a16:creationId xmlns:a16="http://schemas.microsoft.com/office/drawing/2014/main" xmlns="" id="{2D7E6B8A-E1FD-472B-F033-346AC9F27163}"/>
+                <a16:creationId xmlns="" xmlns:a16="http://schemas.microsoft.com/office/drawing/2014/main" id="{2D7E6B8A-E1FD-472B-F033-346AC9F27163}"/>
               </a:ext>
             </a:extLst>
           </p:cNvPr>
@@ -11625,7 +11619,7 @@
       </p:sp>
       <p:pic>
         <p:nvPicPr>
-          <p:cNvPr id="3" name="그림 2"/>
+          <p:cNvPr id="4" name="그림 3"/>
           <p:cNvPicPr>
             <a:picLocks noChangeAspect="1"/>
           </p:cNvPicPr>
@@ -11639,8 +11633,8 @@
         </p:blipFill>
         <p:spPr>
           <a:xfrm>
-            <a:off x="2810192" y="888304"/>
-            <a:ext cx="6814255" cy="4432036"/>
+            <a:off x="2100680" y="5731850"/>
+            <a:ext cx="8028801" cy="699947"/>
           </a:xfrm>
           <a:prstGeom prst="rect">
             <a:avLst/>
@@ -11649,7 +11643,7 @@
       </p:pic>
       <p:pic>
         <p:nvPicPr>
-          <p:cNvPr id="4" name="그림 3"/>
+          <p:cNvPr id="5" name="그림 4"/>
           <p:cNvPicPr>
             <a:picLocks noChangeAspect="1"/>
           </p:cNvPicPr>
@@ -11663,8 +11657,8 @@
         </p:blipFill>
         <p:spPr>
           <a:xfrm>
-            <a:off x="2100680" y="5731850"/>
-            <a:ext cx="8028801" cy="699947"/>
+            <a:off x="2100680" y="457688"/>
+            <a:ext cx="8011643" cy="5058481"/>
           </a:xfrm>
           <a:prstGeom prst="rect">
             <a:avLst/>
@@ -11713,7 +11707,7 @@
           <p:cNvPr id="2" name="제목 1">
             <a:extLst>
               <a:ext uri="{FF2B5EF4-FFF2-40B4-BE49-F238E27FC236}">
-                <a16:creationId xmlns:a16="http://schemas.microsoft.com/office/drawing/2014/main" xmlns="" id="{2D7E6B8A-E1FD-472B-F033-346AC9F27163}"/>
+                <a16:creationId xmlns="" xmlns:a16="http://schemas.microsoft.com/office/drawing/2014/main" id="{2D7E6B8A-E1FD-472B-F033-346AC9F27163}"/>
               </a:ext>
             </a:extLst>
           </p:cNvPr>
@@ -11852,7 +11846,7 @@
           <p:cNvPr id="2" name="제목 1">
             <a:extLst>
               <a:ext uri="{FF2B5EF4-FFF2-40B4-BE49-F238E27FC236}">
-                <a16:creationId xmlns:a16="http://schemas.microsoft.com/office/drawing/2014/main" xmlns="" id="{2D7E6B8A-E1FD-472B-F033-346AC9F27163}"/>
+                <a16:creationId xmlns="" xmlns:a16="http://schemas.microsoft.com/office/drawing/2014/main" id="{2D7E6B8A-E1FD-472B-F033-346AC9F27163}"/>
               </a:ext>
             </a:extLst>
           </p:cNvPr>
@@ -12013,7 +12007,7 @@
           <p:cNvPr id="2" name="제목 1">
             <a:extLst>
               <a:ext uri="{FF2B5EF4-FFF2-40B4-BE49-F238E27FC236}">
-                <a16:creationId xmlns:a16="http://schemas.microsoft.com/office/drawing/2014/main" xmlns="" id="{2D7E6B8A-E1FD-472B-F033-346AC9F27163}"/>
+                <a16:creationId xmlns="" xmlns:a16="http://schemas.microsoft.com/office/drawing/2014/main" id="{2D7E6B8A-E1FD-472B-F033-346AC9F27163}"/>
               </a:ext>
             </a:extLst>
           </p:cNvPr>
@@ -12067,7 +12061,6 @@
               <a:rPr lang="ko-KR" altLang="en-US" sz="2000" dirty="0"/>
               <a:t>실습 현재테이블</a:t>
             </a:r>
-            <a:endParaRPr lang="ko-KR" altLang="en-US" sz="2000" dirty="0"/>
           </a:p>
         </p:txBody>
       </p:sp>
@@ -12137,7 +12130,7 @@
           <p:cNvPr id="2" name="제목 1">
             <a:extLst>
               <a:ext uri="{FF2B5EF4-FFF2-40B4-BE49-F238E27FC236}">
-                <a16:creationId xmlns:a16="http://schemas.microsoft.com/office/drawing/2014/main" xmlns="" id="{2D7E6B8A-E1FD-472B-F033-346AC9F27163}"/>
+                <a16:creationId xmlns="" xmlns:a16="http://schemas.microsoft.com/office/drawing/2014/main" id="{2D7E6B8A-E1FD-472B-F033-346AC9F27163}"/>
               </a:ext>
             </a:extLst>
           </p:cNvPr>
@@ -12187,7 +12180,6 @@
               <a:rPr lang="ko-KR" altLang="en-US" sz="2000" dirty="0"/>
               <a:t>실습 현재테이블</a:t>
             </a:r>
-            <a:endParaRPr lang="ko-KR" altLang="en-US" sz="2000" dirty="0"/>
           </a:p>
         </p:txBody>
       </p:sp>
@@ -12274,7 +12266,7 @@
           <p:cNvPr id="2" name="제목 1">
             <a:extLst>
               <a:ext uri="{FF2B5EF4-FFF2-40B4-BE49-F238E27FC236}">
-                <a16:creationId xmlns:a16="http://schemas.microsoft.com/office/drawing/2014/main" xmlns="" id="{2D7E6B8A-E1FD-472B-F033-346AC9F27163}"/>
+                <a16:creationId xmlns="" xmlns:a16="http://schemas.microsoft.com/office/drawing/2014/main" id="{2D7E6B8A-E1FD-472B-F033-346AC9F27163}"/>
               </a:ext>
             </a:extLst>
           </p:cNvPr>
@@ -12321,7 +12313,6 @@
               <a:rPr lang="ko-KR" altLang="en-US" sz="2000" dirty="0"/>
               <a:t>실습 현재테이블</a:t>
             </a:r>
-            <a:endParaRPr lang="ko-KR" altLang="en-US" sz="2000" dirty="0"/>
           </a:p>
         </p:txBody>
       </p:sp>
@@ -12408,7 +12399,7 @@
           <p:cNvPr id="2" name="제목 1">
             <a:extLst>
               <a:ext uri="{FF2B5EF4-FFF2-40B4-BE49-F238E27FC236}">
-                <a16:creationId xmlns:a16="http://schemas.microsoft.com/office/drawing/2014/main" xmlns="" id="{2D7E6B8A-E1FD-472B-F033-346AC9F27163}"/>
+                <a16:creationId xmlns="" xmlns:a16="http://schemas.microsoft.com/office/drawing/2014/main" id="{2D7E6B8A-E1FD-472B-F033-346AC9F27163}"/>
               </a:ext>
             </a:extLst>
           </p:cNvPr>
@@ -12525,7 +12516,7 @@
           <p:cNvPr id="2" name="제목 1">
             <a:extLst>
               <a:ext uri="{FF2B5EF4-FFF2-40B4-BE49-F238E27FC236}">
-                <a16:creationId xmlns:a16="http://schemas.microsoft.com/office/drawing/2014/main" xmlns="" id="{2D7E6B8A-E1FD-472B-F033-346AC9F27163}"/>
+                <a16:creationId xmlns="" xmlns:a16="http://schemas.microsoft.com/office/drawing/2014/main" id="{2D7E6B8A-E1FD-472B-F033-346AC9F27163}"/>
               </a:ext>
             </a:extLst>
           </p:cNvPr>
@@ -12575,7 +12566,6 @@
               <a:rPr lang="ko-KR" altLang="en-US" sz="2000" dirty="0"/>
               <a:t>실습 누적테이블</a:t>
             </a:r>
-            <a:endParaRPr lang="ko-KR" altLang="en-US" sz="2000" dirty="0"/>
           </a:p>
         </p:txBody>
       </p:sp>
@@ -12662,7 +12652,7 @@
           <p:cNvPr id="2" name="제목 1">
             <a:extLst>
               <a:ext uri="{FF2B5EF4-FFF2-40B4-BE49-F238E27FC236}">
-                <a16:creationId xmlns:a16="http://schemas.microsoft.com/office/drawing/2014/main" xmlns="" id="{2D7E6B8A-E1FD-472B-F033-346AC9F27163}"/>
+                <a16:creationId xmlns="" xmlns:a16="http://schemas.microsoft.com/office/drawing/2014/main" id="{2D7E6B8A-E1FD-472B-F033-346AC9F27163}"/>
               </a:ext>
             </a:extLst>
           </p:cNvPr>
@@ -12709,7 +12699,6 @@
               <a:rPr lang="ko-KR" altLang="en-US" sz="2000" dirty="0"/>
               <a:t>실습 누적테이블</a:t>
             </a:r>
-            <a:endParaRPr lang="ko-KR" altLang="en-US" sz="2000" dirty="0"/>
           </a:p>
         </p:txBody>
       </p:sp>
@@ -12796,7 +12785,7 @@
           <p:cNvPr id="2" name="제목 1">
             <a:extLst>
               <a:ext uri="{FF2B5EF4-FFF2-40B4-BE49-F238E27FC236}">
-                <a16:creationId xmlns:a16="http://schemas.microsoft.com/office/drawing/2014/main" xmlns="" id="{2D7E6B8A-E1FD-472B-F033-346AC9F27163}"/>
+                <a16:creationId xmlns="" xmlns:a16="http://schemas.microsoft.com/office/drawing/2014/main" id="{2D7E6B8A-E1FD-472B-F033-346AC9F27163}"/>
               </a:ext>
             </a:extLst>
           </p:cNvPr>
@@ -12938,7 +12927,7 @@
           <p:cNvPr id="2" name="제목 1">
             <a:extLst>
               <a:ext uri="{FF2B5EF4-FFF2-40B4-BE49-F238E27FC236}">
-                <a16:creationId xmlns:a16="http://schemas.microsoft.com/office/drawing/2014/main" xmlns="" id="{2D7E6B8A-E1FD-472B-F033-346AC9F27163}"/>
+                <a16:creationId xmlns="" xmlns:a16="http://schemas.microsoft.com/office/drawing/2014/main" id="{2D7E6B8A-E1FD-472B-F033-346AC9F27163}"/>
               </a:ext>
             </a:extLst>
           </p:cNvPr>
@@ -13072,7 +13061,7 @@
           <p:cNvPr id="2" name="제목 1">
             <a:extLst>
               <a:ext uri="{FF2B5EF4-FFF2-40B4-BE49-F238E27FC236}">
-                <a16:creationId xmlns:a16="http://schemas.microsoft.com/office/drawing/2014/main" xmlns="" id="{2D7E6B8A-E1FD-472B-F033-346AC9F27163}"/>
+                <a16:creationId xmlns="" xmlns:a16="http://schemas.microsoft.com/office/drawing/2014/main" id="{2D7E6B8A-E1FD-472B-F033-346AC9F27163}"/>
               </a:ext>
             </a:extLst>
           </p:cNvPr>
@@ -13213,7 +13202,7 @@
           <p:cNvPr id="2" name="제목 1">
             <a:extLst>
               <a:ext uri="{FF2B5EF4-FFF2-40B4-BE49-F238E27FC236}">
-                <a16:creationId xmlns:a16="http://schemas.microsoft.com/office/drawing/2014/main" xmlns="" id="{2D7E6B8A-E1FD-472B-F033-346AC9F27163}"/>
+                <a16:creationId xmlns="" xmlns:a16="http://schemas.microsoft.com/office/drawing/2014/main" id="{2D7E6B8A-E1FD-472B-F033-346AC9F27163}"/>
               </a:ext>
             </a:extLst>
           </p:cNvPr>
@@ -13549,7 +13538,7 @@
           <p:cNvPr id="2" name="제목 1">
             <a:extLst>
               <a:ext uri="{FF2B5EF4-FFF2-40B4-BE49-F238E27FC236}">
-                <a16:creationId xmlns:a16="http://schemas.microsoft.com/office/drawing/2014/main" xmlns="" id="{2D7E6B8A-E1FD-472B-F033-346AC9F27163}"/>
+                <a16:creationId xmlns="" xmlns:a16="http://schemas.microsoft.com/office/drawing/2014/main" id="{2D7E6B8A-E1FD-472B-F033-346AC9F27163}"/>
               </a:ext>
             </a:extLst>
           </p:cNvPr>
@@ -13690,7 +13679,7 @@
           <p:cNvPr id="2" name="제목 1">
             <a:extLst>
               <a:ext uri="{FF2B5EF4-FFF2-40B4-BE49-F238E27FC236}">
-                <a16:creationId xmlns:a16="http://schemas.microsoft.com/office/drawing/2014/main" xmlns="" id="{2D7E6B8A-E1FD-472B-F033-346AC9F27163}"/>
+                <a16:creationId xmlns="" xmlns:a16="http://schemas.microsoft.com/office/drawing/2014/main" id="{2D7E6B8A-E1FD-472B-F033-346AC9F27163}"/>
               </a:ext>
             </a:extLst>
           </p:cNvPr>
@@ -13831,7 +13820,7 @@
           <p:cNvPr id="2" name="제목 1">
             <a:extLst>
               <a:ext uri="{FF2B5EF4-FFF2-40B4-BE49-F238E27FC236}">
-                <a16:creationId xmlns:a16="http://schemas.microsoft.com/office/drawing/2014/main" xmlns="" id="{2D7E6B8A-E1FD-472B-F033-346AC9F27163}"/>
+                <a16:creationId xmlns="" xmlns:a16="http://schemas.microsoft.com/office/drawing/2014/main" id="{2D7E6B8A-E1FD-472B-F033-346AC9F27163}"/>
               </a:ext>
             </a:extLst>
           </p:cNvPr>
@@ -13972,7 +13961,7 @@
           <p:cNvPr id="2" name="제목 1">
             <a:extLst>
               <a:ext uri="{FF2B5EF4-FFF2-40B4-BE49-F238E27FC236}">
-                <a16:creationId xmlns:a16="http://schemas.microsoft.com/office/drawing/2014/main" xmlns="" id="{2D7E6B8A-E1FD-472B-F033-346AC9F27163}"/>
+                <a16:creationId xmlns="" xmlns:a16="http://schemas.microsoft.com/office/drawing/2014/main" id="{2D7E6B8A-E1FD-472B-F033-346AC9F27163}"/>
               </a:ext>
             </a:extLst>
           </p:cNvPr>
@@ -14113,7 +14102,7 @@
           <p:cNvPr id="2" name="제목 1">
             <a:extLst>
               <a:ext uri="{FF2B5EF4-FFF2-40B4-BE49-F238E27FC236}">
-                <a16:creationId xmlns:a16="http://schemas.microsoft.com/office/drawing/2014/main" xmlns="" id="{2D7E6B8A-E1FD-472B-F033-346AC9F27163}"/>
+                <a16:creationId xmlns="" xmlns:a16="http://schemas.microsoft.com/office/drawing/2014/main" id="{2D7E6B8A-E1FD-472B-F033-346AC9F27163}"/>
               </a:ext>
             </a:extLst>
           </p:cNvPr>
@@ -14247,7 +14236,7 @@
           <p:cNvPr id="2" name="제목 1">
             <a:extLst>
               <a:ext uri="{FF2B5EF4-FFF2-40B4-BE49-F238E27FC236}">
-                <a16:creationId xmlns:a16="http://schemas.microsoft.com/office/drawing/2014/main" xmlns="" id="{2D7E6B8A-E1FD-472B-F033-346AC9F27163}"/>
+                <a16:creationId xmlns="" xmlns:a16="http://schemas.microsoft.com/office/drawing/2014/main" id="{2D7E6B8A-E1FD-472B-F033-346AC9F27163}"/>
               </a:ext>
             </a:extLst>
           </p:cNvPr>
@@ -14405,7 +14394,7 @@
           <p:cNvPr id="2" name="제목 1">
             <a:extLst>
               <a:ext uri="{FF2B5EF4-FFF2-40B4-BE49-F238E27FC236}">
-                <a16:creationId xmlns:a16="http://schemas.microsoft.com/office/drawing/2014/main" xmlns="" id="{2D7E6B8A-E1FD-472B-F033-346AC9F27163}"/>
+                <a16:creationId xmlns="" xmlns:a16="http://schemas.microsoft.com/office/drawing/2014/main" id="{2D7E6B8A-E1FD-472B-F033-346AC9F27163}"/>
               </a:ext>
             </a:extLst>
           </p:cNvPr>
@@ -14745,7 +14734,7 @@
           <p:cNvPr id="2" name="제목 1">
             <a:extLst>
               <a:ext uri="{FF2B5EF4-FFF2-40B4-BE49-F238E27FC236}">
-                <a16:creationId xmlns:a16="http://schemas.microsoft.com/office/drawing/2014/main" xmlns="" id="{2D7E6B8A-E1FD-472B-F033-346AC9F27163}"/>
+                <a16:creationId xmlns="" xmlns:a16="http://schemas.microsoft.com/office/drawing/2014/main" id="{2D7E6B8A-E1FD-472B-F033-346AC9F27163}"/>
               </a:ext>
             </a:extLst>
           </p:cNvPr>
@@ -15081,7 +15070,7 @@
           <p:cNvPr id="2" name="제목 1">
             <a:extLst>
               <a:ext uri="{FF2B5EF4-FFF2-40B4-BE49-F238E27FC236}">
-                <a16:creationId xmlns:a16="http://schemas.microsoft.com/office/drawing/2014/main" xmlns="" id="{2D7E6B8A-E1FD-472B-F033-346AC9F27163}"/>
+                <a16:creationId xmlns="" xmlns:a16="http://schemas.microsoft.com/office/drawing/2014/main" id="{2D7E6B8A-E1FD-472B-F033-346AC9F27163}"/>
               </a:ext>
             </a:extLst>
           </p:cNvPr>
